--- a/HW #1/New approach to productivity.pptx
+++ b/HW #1/New approach to productivity.pptx
@@ -10,6 +10,7 @@
     <p:sldId id="258" r:id="rId4"/>
     <p:sldId id="259" r:id="rId5"/>
     <p:sldId id="260" r:id="rId6"/>
+    <p:sldId id="261" r:id="rId7"/>
   </p:sldIdLst>
   <p:sldSz cx="12192000" cy="6858000"/>
   <p:notesSz cx="6858000" cy="9144000"/>
@@ -108,6 +109,11 @@
       </a:defRPr>
     </a:lvl9pPr>
   </p:defaultTextStyle>
+  <p:extLst>
+    <p:ext uri="{EFAFB233-063F-42B5-8137-9DF3F51BA10A}">
+      <p15:sldGuideLst xmlns:p15="http://schemas.microsoft.com/office/powerpoint/2012/main"/>
+    </p:ext>
+  </p:extLst>
 </p:presentation>
 </file>
 
@@ -7066,7 +7072,7 @@
           <p:nvPr>
             <p:extLst>
               <p:ext uri="{D42A27DB-BD31-4B8C-83A1-F6EECF244321}">
-                <p14:modId xmlns:p14="http://schemas.microsoft.com/office/powerpoint/2010/main" val="3138279972"/>
+                <p14:modId xmlns:p14="http://schemas.microsoft.com/office/powerpoint/2010/main" val="2752672227"/>
               </p:ext>
             </p:extLst>
           </p:nvPr>
@@ -7082,14 +7088,14 @@
                 <a:tableStyleId>{5C22544A-7EE6-4342-B048-85BDC9FD1C3A}</a:tableStyleId>
               </a:tblPr>
               <a:tblGrid>
-                <a:gridCol w="2113455">
+                <a:gridCol w="2627290">
                   <a:extLst>
                     <a:ext uri="{9D8B030D-6E8A-4147-A177-3AD203B41FA5}">
                       <a16:colId xmlns:a16="http://schemas.microsoft.com/office/drawing/2014/main" val="478017411"/>
                     </a:ext>
                   </a:extLst>
                 </a:gridCol>
-                <a:gridCol w="7933386">
+                <a:gridCol w="7419551">
                   <a:extLst>
                     <a:ext uri="{9D8B030D-6E8A-4147-A177-3AD203B41FA5}">
                       <a16:colId xmlns:a16="http://schemas.microsoft.com/office/drawing/2014/main" val="521001891"/>
@@ -7697,6 +7703,76 @@
 </p:sld>
 </file>
 
+<file path=ppt/slides/slide6.xml><?xml version="1.0" encoding="utf-8"?>
+<p:sld xmlns:a="http://schemas.openxmlformats.org/drawingml/2006/main" xmlns:r="http://schemas.openxmlformats.org/officeDocument/2006/relationships" xmlns:p="http://schemas.openxmlformats.org/presentationml/2006/main">
+  <p:cSld>
+    <p:spTree>
+      <p:nvGrpSpPr>
+        <p:cNvPr id="1" name=""/>
+        <p:cNvGrpSpPr/>
+        <p:nvPr/>
+      </p:nvGrpSpPr>
+      <p:grpSpPr>
+        <a:xfrm>
+          <a:off x="0" y="0"/>
+          <a:ext cx="0" cy="0"/>
+          <a:chOff x="0" y="0"/>
+          <a:chExt cx="0" cy="0"/>
+        </a:xfrm>
+      </p:grpSpPr>
+      <p:sp>
+        <p:nvSpPr>
+          <p:cNvPr id="3" name="Content Placeholder 2">
+            <a:extLst>
+              <a:ext uri="{FF2B5EF4-FFF2-40B4-BE49-F238E27FC236}">
+                <a16:creationId xmlns:a16="http://schemas.microsoft.com/office/drawing/2014/main" id="{78F39FCF-F1D4-4EF9-AA57-15B77137C046}"/>
+              </a:ext>
+            </a:extLst>
+          </p:cNvPr>
+          <p:cNvSpPr>
+            <a:spLocks noGrp="1"/>
+          </p:cNvSpPr>
+          <p:nvPr>
+            <p:ph idx="1"/>
+          </p:nvPr>
+        </p:nvSpPr>
+        <p:spPr>
+          <a:xfrm>
+            <a:off x="1694635" y="5924282"/>
+            <a:ext cx="8596668" cy="657993"/>
+          </a:xfrm>
+        </p:spPr>
+        <p:txBody>
+          <a:bodyPr/>
+          <a:lstStyle/>
+          <a:p>
+            <a:pPr marL="0" indent="0" algn="ctr">
+              <a:buNone/>
+            </a:pPr>
+            <a:r>
+              <a:rPr lang="en-US" dirty="0">
+                <a:solidFill>
+                  <a:schemeClr val="tx1"/>
+                </a:solidFill>
+              </a:rPr>
+              <a:t>Due to big size of the dataset we represented just small part of it, also we can’t upload it to Git (size &gt; 100 Mb)</a:t>
+            </a:r>
+          </a:p>
+        </p:txBody>
+      </p:sp>
+    </p:spTree>
+    <p:extLst>
+      <p:ext uri="{BB962C8B-B14F-4D97-AF65-F5344CB8AC3E}">
+        <p14:creationId xmlns:p14="http://schemas.microsoft.com/office/powerpoint/2010/main" val="1510544588"/>
+      </p:ext>
+    </p:extLst>
+  </p:cSld>
+  <p:clrMapOvr>
+    <a:masterClrMapping/>
+  </p:clrMapOvr>
+</p:sld>
+</file>
+
 <file path=ppt/theme/theme1.xml><?xml version="1.0" encoding="utf-8"?>
 <a:theme xmlns:a="http://schemas.openxmlformats.org/drawingml/2006/main" name="Facet">
   <a:themeElements>

--- a/HW #1/New approach to productivity.pptx
+++ b/HW #1/New approach to productivity.pptx
@@ -7755,8 +7755,18 @@
                   <a:schemeClr val="tx1"/>
                 </a:solidFill>
               </a:rPr>
-              <a:t>Due to big size of the dataset we represented just small part of it, also we can’t upload it to Git (size &gt; 100 Mb)</a:t>
-            </a:r>
+              <a:t>Due to big size of the dataset we represented just small part of it, also we can’t upload it to Git (size &gt; 100 Mb). For details, please, refer to the link on page 4</a:t>
+            </a:r>
+          </a:p>
+          <a:p>
+            <a:pPr marL="0" indent="0" algn="ctr">
+              <a:buNone/>
+            </a:pPr>
+            <a:endParaRPr lang="en-US" dirty="0">
+              <a:solidFill>
+                <a:schemeClr val="tx1"/>
+              </a:solidFill>
+            </a:endParaRPr>
           </a:p>
         </p:txBody>
       </p:sp>

--- a/HW #1/New approach to productivity.pptx
+++ b/HW #1/New approach to productivity.pptx
@@ -8,9 +8,11 @@
     <p:sldId id="256" r:id="rId2"/>
     <p:sldId id="257" r:id="rId3"/>
     <p:sldId id="258" r:id="rId4"/>
-    <p:sldId id="259" r:id="rId5"/>
-    <p:sldId id="260" r:id="rId6"/>
-    <p:sldId id="261" r:id="rId7"/>
+    <p:sldId id="262" r:id="rId5"/>
+    <p:sldId id="259" r:id="rId6"/>
+    <p:sldId id="263" r:id="rId7"/>
+    <p:sldId id="260" r:id="rId8"/>
+    <p:sldId id="261" r:id="rId9"/>
   </p:sldIdLst>
   <p:sldSz cx="12192000" cy="6858000"/>
   <p:notesSz cx="6858000" cy="9144000"/>
@@ -839,7 +841,7 @@
           <a:p>
             <a:fld id="{E703ADCF-D804-4407-A698-E383F240C16E}" type="datetimeFigureOut">
               <a:rPr lang="en-US" smtClean="0"/>
-              <a:t>9/15/2022</a:t>
+              <a:t>9/22/2022</a:t>
             </a:fld>
             <a:endParaRPr lang="en-US"/>
           </a:p>
@@ -1090,7 +1092,7 @@
           <a:p>
             <a:fld id="{E703ADCF-D804-4407-A698-E383F240C16E}" type="datetimeFigureOut">
               <a:rPr lang="en-US" smtClean="0"/>
-              <a:t>9/15/2022</a:t>
+              <a:t>9/22/2022</a:t>
             </a:fld>
             <a:endParaRPr lang="en-US"/>
           </a:p>
@@ -1404,7 +1406,7 @@
           <a:p>
             <a:fld id="{E703ADCF-D804-4407-A698-E383F240C16E}" type="datetimeFigureOut">
               <a:rPr lang="en-US" smtClean="0"/>
-              <a:t>9/15/2022</a:t>
+              <a:t>9/22/2022</a:t>
             </a:fld>
             <a:endParaRPr lang="en-US"/>
           </a:p>
@@ -1745,7 +1747,7 @@
           <a:p>
             <a:fld id="{E703ADCF-D804-4407-A698-E383F240C16E}" type="datetimeFigureOut">
               <a:rPr lang="en-US" smtClean="0"/>
-              <a:t>9/15/2022</a:t>
+              <a:t>9/22/2022</a:t>
             </a:fld>
             <a:endParaRPr lang="en-US"/>
           </a:p>
@@ -2059,7 +2061,7 @@
           <a:p>
             <a:fld id="{E703ADCF-D804-4407-A698-E383F240C16E}" type="datetimeFigureOut">
               <a:rPr lang="en-US" smtClean="0"/>
-              <a:t>9/15/2022</a:t>
+              <a:t>9/22/2022</a:t>
             </a:fld>
             <a:endParaRPr lang="en-US"/>
           </a:p>
@@ -2452,7 +2454,7 @@
           <a:p>
             <a:fld id="{E703ADCF-D804-4407-A698-E383F240C16E}" type="datetimeFigureOut">
               <a:rPr lang="en-US" smtClean="0"/>
-              <a:t>9/15/2022</a:t>
+              <a:t>9/22/2022</a:t>
             </a:fld>
             <a:endParaRPr lang="en-US"/>
           </a:p>
@@ -2622,7 +2624,7 @@
           <a:p>
             <a:fld id="{E703ADCF-D804-4407-A698-E383F240C16E}" type="datetimeFigureOut">
               <a:rPr lang="en-US" smtClean="0"/>
-              <a:t>9/15/2022</a:t>
+              <a:t>9/22/2022</a:t>
             </a:fld>
             <a:endParaRPr lang="en-US"/>
           </a:p>
@@ -2802,7 +2804,7 @@
           <a:p>
             <a:fld id="{E703ADCF-D804-4407-A698-E383F240C16E}" type="datetimeFigureOut">
               <a:rPr lang="en-US" smtClean="0"/>
-              <a:t>9/15/2022</a:t>
+              <a:t>9/22/2022</a:t>
             </a:fld>
             <a:endParaRPr lang="en-US"/>
           </a:p>
@@ -2978,7 +2980,7 @@
           <a:p>
             <a:fld id="{E703ADCF-D804-4407-A698-E383F240C16E}" type="datetimeFigureOut">
               <a:rPr lang="en-US" smtClean="0"/>
-              <a:t>9/15/2022</a:t>
+              <a:t>9/22/2022</a:t>
             </a:fld>
             <a:endParaRPr lang="en-US"/>
           </a:p>
@@ -3225,7 +3227,7 @@
           <a:p>
             <a:fld id="{E703ADCF-D804-4407-A698-E383F240C16E}" type="datetimeFigureOut">
               <a:rPr lang="en-US" smtClean="0"/>
-              <a:t>9/15/2022</a:t>
+              <a:t>9/22/2022</a:t>
             </a:fld>
             <a:endParaRPr lang="en-US"/>
           </a:p>
@@ -3457,7 +3459,7 @@
           <a:p>
             <a:fld id="{E703ADCF-D804-4407-A698-E383F240C16E}" type="datetimeFigureOut">
               <a:rPr lang="en-US" smtClean="0"/>
-              <a:t>9/15/2022</a:t>
+              <a:t>9/22/2022</a:t>
             </a:fld>
             <a:endParaRPr lang="en-US"/>
           </a:p>
@@ -3831,7 +3833,7 @@
           <a:p>
             <a:fld id="{E703ADCF-D804-4407-A698-E383F240C16E}" type="datetimeFigureOut">
               <a:rPr lang="en-US" smtClean="0"/>
-              <a:t>9/15/2022</a:t>
+              <a:t>9/22/2022</a:t>
             </a:fld>
             <a:endParaRPr lang="en-US"/>
           </a:p>
@@ -3954,7 +3956,7 @@
           <a:p>
             <a:fld id="{E703ADCF-D804-4407-A698-E383F240C16E}" type="datetimeFigureOut">
               <a:rPr lang="en-US" smtClean="0"/>
-              <a:t>9/15/2022</a:t>
+              <a:t>9/22/2022</a:t>
             </a:fld>
             <a:endParaRPr lang="en-US"/>
           </a:p>
@@ -4049,7 +4051,7 @@
           <a:p>
             <a:fld id="{E703ADCF-D804-4407-A698-E383F240C16E}" type="datetimeFigureOut">
               <a:rPr lang="en-US" smtClean="0"/>
-              <a:t>9/15/2022</a:t>
+              <a:t>9/22/2022</a:t>
             </a:fld>
             <a:endParaRPr lang="en-US"/>
           </a:p>
@@ -4304,7 +4306,7 @@
           <a:p>
             <a:fld id="{E703ADCF-D804-4407-A698-E383F240C16E}" type="datetimeFigureOut">
               <a:rPr lang="en-US" smtClean="0"/>
-              <a:t>9/15/2022</a:t>
+              <a:t>9/22/2022</a:t>
             </a:fld>
             <a:endParaRPr lang="en-US"/>
           </a:p>
@@ -4567,7 +4569,7 @@
           <a:p>
             <a:fld id="{E703ADCF-D804-4407-A698-E383F240C16E}" type="datetimeFigureOut">
               <a:rPr lang="en-US" smtClean="0"/>
-              <a:t>9/15/2022</a:t>
+              <a:t>9/22/2022</a:t>
             </a:fld>
             <a:endParaRPr lang="en-US"/>
           </a:p>
@@ -5310,7 +5312,7 @@
           <a:p>
             <a:fld id="{E703ADCF-D804-4407-A698-E383F240C16E}" type="datetimeFigureOut">
               <a:rPr lang="en-US" smtClean="0"/>
-              <a:t>9/15/2022</a:t>
+              <a:t>9/22/2022</a:t>
             </a:fld>
             <a:endParaRPr lang="en-US"/>
           </a:p>
@@ -5956,28 +5958,28 @@
           <a:p>
             <a:pPr algn="l"/>
             <a:r>
-              <a:rPr lang="en-US" sz="1800" dirty="0" err="1">
+              <a:rPr lang="en-US" dirty="0" err="1">
+                <a:solidFill>
+                  <a:schemeClr val="tx1"/>
+                </a:solidFill>
+              </a:rPr>
+              <a:t>Almar</a:t>
+            </a:r>
+            <a:r>
+              <a:rPr lang="en-US" dirty="0">
+                <a:solidFill>
+                  <a:schemeClr val="tx1"/>
+                </a:solidFill>
+              </a:rPr>
+              <a:t> </a:t>
+            </a:r>
+            <a:r>
+              <a:rPr lang="en-US" dirty="0" err="1">
                 <a:solidFill>
                   <a:schemeClr val="tx1"/>
                 </a:solidFill>
               </a:rPr>
               <a:t>Gaziz</a:t>
-            </a:r>
-            <a:r>
-              <a:rPr lang="en-US" sz="1800" dirty="0">
-                <a:solidFill>
-                  <a:schemeClr val="tx1"/>
-                </a:solidFill>
-              </a:rPr>
-              <a:t> </a:t>
-            </a:r>
-            <a:r>
-              <a:rPr lang="en-US" sz="1800" dirty="0" err="1">
-                <a:solidFill>
-                  <a:schemeClr val="tx1"/>
-                </a:solidFill>
-              </a:rPr>
-              <a:t>Almar</a:t>
             </a:r>
             <a:endParaRPr lang="en-US" sz="1800" dirty="0">
               <a:solidFill>
@@ -6338,7 +6340,7 @@
                   <a:schemeClr val="tx1"/>
                 </a:solidFill>
               </a:rPr>
-              <a:t>We propose to find bottlenecks and ways to optimize both production and non-production departments of companies, as well as to calculate the productivity of employees and their contribution to the company's profit, based on their behavior during the working day.</a:t>
+              <a:t>We propose to calculate the productivity of employees and their contribution to the company's profit, based on their behavior during the working day, as well as to identify the relationships between social indicators (gender, age, physical health) and employees performance</a:t>
             </a:r>
           </a:p>
         </p:txBody>
@@ -6357,6 +6359,198 @@
 </file>
 
 <file path=ppt/slides/slide4.xml><?xml version="1.0" encoding="utf-8"?>
+<p:sld xmlns:a="http://schemas.openxmlformats.org/drawingml/2006/main" xmlns:r="http://schemas.openxmlformats.org/officeDocument/2006/relationships" xmlns:p="http://schemas.openxmlformats.org/presentationml/2006/main">
+  <p:cSld>
+    <p:spTree>
+      <p:nvGrpSpPr>
+        <p:cNvPr id="1" name=""/>
+        <p:cNvGrpSpPr/>
+        <p:nvPr/>
+      </p:nvGrpSpPr>
+      <p:grpSpPr>
+        <a:xfrm>
+          <a:off x="0" y="0"/>
+          <a:ext cx="0" cy="0"/>
+          <a:chOff x="0" y="0"/>
+          <a:chExt cx="0" cy="0"/>
+        </a:xfrm>
+      </p:grpSpPr>
+      <p:sp>
+        <p:nvSpPr>
+          <p:cNvPr id="3" name="Content Placeholder 2">
+            <a:extLst>
+              <a:ext uri="{FF2B5EF4-FFF2-40B4-BE49-F238E27FC236}">
+                <a16:creationId xmlns:a16="http://schemas.microsoft.com/office/drawing/2014/main" id="{03265158-3E58-41F8-BB58-5E304248BB57}"/>
+              </a:ext>
+            </a:extLst>
+          </p:cNvPr>
+          <p:cNvSpPr>
+            <a:spLocks noGrp="1"/>
+          </p:cNvSpPr>
+          <p:nvPr>
+            <p:ph idx="1"/>
+          </p:nvPr>
+        </p:nvSpPr>
+        <p:spPr>
+          <a:xfrm>
+            <a:off x="844760" y="1255496"/>
+            <a:ext cx="9741674" cy="3880773"/>
+          </a:xfrm>
+        </p:spPr>
+        <p:txBody>
+          <a:bodyPr>
+            <a:noAutofit/>
+          </a:bodyPr>
+          <a:lstStyle/>
+          <a:p>
+            <a:r>
+              <a:rPr lang="en-US" sz="1600" dirty="0">
+                <a:solidFill>
+                  <a:schemeClr val="tx1"/>
+                </a:solidFill>
+              </a:rPr>
+              <a:t>How a worker’s mental lapses or physical accidents may indicate that he or she is becoming sick and may soon miss a day of work due to illness</a:t>
+            </a:r>
+          </a:p>
+          <a:p>
+            <a:endParaRPr lang="en-US" sz="1600" dirty="0">
+              <a:solidFill>
+                <a:schemeClr val="tx1"/>
+              </a:solidFill>
+            </a:endParaRPr>
+          </a:p>
+          <a:p>
+            <a:r>
+              <a:rPr lang="en-US" sz="1600" dirty="0">
+                <a:solidFill>
+                  <a:schemeClr val="tx1"/>
+                </a:solidFill>
+              </a:rPr>
+              <a:t>How workers’ Efficacy is influenced by the day of the week, day of the month, and month of the year</a:t>
+            </a:r>
+          </a:p>
+          <a:p>
+            <a:endParaRPr lang="en-US" sz="1600" dirty="0">
+              <a:solidFill>
+                <a:schemeClr val="tx1"/>
+              </a:solidFill>
+            </a:endParaRPr>
+          </a:p>
+          <a:p>
+            <a:r>
+              <a:rPr lang="en-US" sz="1600" dirty="0">
+                <a:solidFill>
+                  <a:schemeClr val="tx1"/>
+                </a:solidFill>
+              </a:rPr>
+              <a:t>How workers’ age impacts their average daily Efficacy</a:t>
+            </a:r>
+          </a:p>
+          <a:p>
+            <a:endParaRPr lang="en-US" sz="1600" dirty="0">
+              <a:solidFill>
+                <a:schemeClr val="tx1"/>
+              </a:solidFill>
+            </a:endParaRPr>
+          </a:p>
+          <a:p>
+            <a:r>
+              <a:rPr lang="en-US" sz="1600" dirty="0">
+                <a:solidFill>
+                  <a:schemeClr val="tx1"/>
+                </a:solidFill>
+              </a:rPr>
+              <a:t>How workers’ average daily Efficacy is influenced by the difference in age between them and their supervisor</a:t>
+            </a:r>
+          </a:p>
+          <a:p>
+            <a:endParaRPr lang="en-US" sz="1600" dirty="0">
+              <a:solidFill>
+                <a:schemeClr val="tx1"/>
+              </a:solidFill>
+            </a:endParaRPr>
+          </a:p>
+          <a:p>
+            <a:r>
+              <a:rPr lang="en-US" sz="1600" dirty="0">
+                <a:solidFill>
+                  <a:schemeClr val="tx1"/>
+                </a:solidFill>
+              </a:rPr>
+              <a:t>How a worker’s average daily Efficacy is influenced by whether he or she is working primarily with teammates of the same or opposite sex</a:t>
+            </a:r>
+          </a:p>
+          <a:p>
+            <a:endParaRPr lang="en-US" sz="1600" dirty="0">
+              <a:solidFill>
+                <a:schemeClr val="tx1"/>
+              </a:solidFill>
+            </a:endParaRPr>
+          </a:p>
+          <a:p>
+            <a:r>
+              <a:rPr lang="en-US" sz="1600" dirty="0">
+                <a:solidFill>
+                  <a:schemeClr val="tx1"/>
+                </a:solidFill>
+              </a:rPr>
+              <a:t>How workers can be classified into groups with high, moderate, or low daily Efficacy that is either relatively stable or highly variable</a:t>
+            </a:r>
+          </a:p>
+        </p:txBody>
+      </p:sp>
+      <p:sp>
+        <p:nvSpPr>
+          <p:cNvPr id="4" name="Title 1">
+            <a:extLst>
+              <a:ext uri="{FF2B5EF4-FFF2-40B4-BE49-F238E27FC236}">
+                <a16:creationId xmlns:a16="http://schemas.microsoft.com/office/drawing/2014/main" id="{7D89C4AB-1C81-4C7B-BE07-6DFD61B4218F}"/>
+              </a:ext>
+            </a:extLst>
+          </p:cNvPr>
+          <p:cNvSpPr>
+            <a:spLocks noGrp="1"/>
+          </p:cNvSpPr>
+          <p:nvPr>
+            <p:ph type="title"/>
+          </p:nvPr>
+        </p:nvSpPr>
+        <p:spPr>
+          <a:xfrm>
+            <a:off x="844760" y="255237"/>
+            <a:ext cx="8596668" cy="1000259"/>
+          </a:xfrm>
+        </p:spPr>
+        <p:txBody>
+          <a:bodyPr/>
+          <a:lstStyle/>
+          <a:p>
+            <a:pPr algn="ctr"/>
+            <a:r>
+              <a:rPr lang="en-US" b="1" dirty="0">
+                <a:solidFill>
+                  <a:schemeClr val="tx1"/>
+                </a:solidFill>
+              </a:rPr>
+              <a:t>Our assumptions </a:t>
+            </a:r>
+          </a:p>
+        </p:txBody>
+      </p:sp>
+    </p:spTree>
+    <p:extLst>
+      <p:ext uri="{BB962C8B-B14F-4D97-AF65-F5344CB8AC3E}">
+        <p14:creationId xmlns:p14="http://schemas.microsoft.com/office/powerpoint/2010/main" val="2749018585"/>
+      </p:ext>
+    </p:extLst>
+  </p:cSld>
+  <p:clrMapOvr>
+    <a:masterClrMapping/>
+  </p:clrMapOvr>
+</p:sld>
+</file>
+
+<file path=ppt/slides/slide5.xml><?xml version="1.0" encoding="utf-8"?>
 <p:sld xmlns:a="http://schemas.openxmlformats.org/drawingml/2006/main" xmlns:r="http://schemas.openxmlformats.org/officeDocument/2006/relationships" xmlns:p="http://schemas.openxmlformats.org/presentationml/2006/main">
   <p:cSld>
     <p:spTree>
@@ -6785,13 +6979,13 @@
                     <a:p>
                       <a:pPr algn="ctr" fontAlgn="b"/>
                       <a:r>
-                        <a:rPr lang="en-US" sz="2000" b="0" u="none" strike="noStrike">
+                        <a:rPr lang="en-US" sz="2000" b="0" u="none" strike="noStrike" dirty="0">
                           <a:effectLst/>
                           <a:latin typeface="+mn-lt"/>
                         </a:rPr>
                         <a:t>Sacrifice</a:t>
                       </a:r>
-                      <a:endParaRPr lang="en-US" sz="2000" b="0" i="0" u="none" strike="noStrike">
+                      <a:endParaRPr lang="en-US" sz="2000" b="0" i="0" u="none" strike="noStrike" dirty="0">
                         <a:solidFill>
                           <a:srgbClr val="000000"/>
                         </a:solidFill>
@@ -7040,7 +7234,492 @@
 </p:sld>
 </file>
 
-<file path=ppt/slides/slide5.xml><?xml version="1.0" encoding="utf-8"?>
+<file path=ppt/slides/slide6.xml><?xml version="1.0" encoding="utf-8"?>
+<p:sld xmlns:a="http://schemas.openxmlformats.org/drawingml/2006/main" xmlns:r="http://schemas.openxmlformats.org/officeDocument/2006/relationships" xmlns:p="http://schemas.openxmlformats.org/presentationml/2006/main">
+  <p:cSld>
+    <p:spTree>
+      <p:nvGrpSpPr>
+        <p:cNvPr id="1" name=""/>
+        <p:cNvGrpSpPr/>
+        <p:nvPr/>
+      </p:nvGrpSpPr>
+      <p:grpSpPr>
+        <a:xfrm>
+          <a:off x="0" y="0"/>
+          <a:ext cx="0" cy="0"/>
+          <a:chOff x="0" y="0"/>
+          <a:chExt cx="0" cy="0"/>
+        </a:xfrm>
+      </p:grpSpPr>
+      <p:sp>
+        <p:nvSpPr>
+          <p:cNvPr id="4" name="Title 1">
+            <a:extLst>
+              <a:ext uri="{FF2B5EF4-FFF2-40B4-BE49-F238E27FC236}">
+                <a16:creationId xmlns:a16="http://schemas.microsoft.com/office/drawing/2014/main" id="{B1642EBD-7087-4CB8-A13D-192E389F764F}"/>
+              </a:ext>
+            </a:extLst>
+          </p:cNvPr>
+          <p:cNvSpPr>
+            <a:spLocks noGrp="1"/>
+          </p:cNvSpPr>
+          <p:nvPr>
+            <p:ph type="title"/>
+          </p:nvPr>
+        </p:nvSpPr>
+        <p:spPr>
+          <a:xfrm>
+            <a:off x="1388882" y="728775"/>
+            <a:ext cx="8596668" cy="1320800"/>
+          </a:xfrm>
+        </p:spPr>
+        <p:txBody>
+          <a:bodyPr/>
+          <a:lstStyle/>
+          <a:p>
+            <a:pPr algn="ctr"/>
+            <a:r>
+              <a:rPr lang="en-US" b="1" dirty="0">
+                <a:solidFill>
+                  <a:schemeClr val="tx1"/>
+                </a:solidFill>
+              </a:rPr>
+              <a:t>Events classification</a:t>
+            </a:r>
+          </a:p>
+        </p:txBody>
+      </p:sp>
+      <p:graphicFrame>
+        <p:nvGraphicFramePr>
+          <p:cNvPr id="5" name="Table 5">
+            <a:extLst>
+              <a:ext uri="{FF2B5EF4-FFF2-40B4-BE49-F238E27FC236}">
+                <a16:creationId xmlns:a16="http://schemas.microsoft.com/office/drawing/2014/main" id="{9F225FF0-30CA-4662-9698-F667AA08F9D2}"/>
+              </a:ext>
+            </a:extLst>
+          </p:cNvPr>
+          <p:cNvGraphicFramePr>
+            <a:graphicFrameLocks noGrp="1"/>
+          </p:cNvGraphicFramePr>
+          <p:nvPr>
+            <p:extLst>
+              <p:ext uri="{D42A27DB-BD31-4B8C-83A1-F6EECF244321}">
+                <p14:modId xmlns:p14="http://schemas.microsoft.com/office/powerpoint/2010/main" val="3200508417"/>
+              </p:ext>
+            </p:extLst>
+          </p:nvPr>
+        </p:nvGraphicFramePr>
+        <p:xfrm>
+          <a:off x="2493495" y="2240280"/>
+          <a:ext cx="6387442" cy="2377440"/>
+        </p:xfrm>
+        <a:graphic>
+          <a:graphicData uri="http://schemas.openxmlformats.org/drawingml/2006/table">
+            <a:tbl>
+              <a:tblPr firstRow="1" bandRow="1">
+                <a:tableStyleId>{5C22544A-7EE6-4342-B048-85BDC9FD1C3A}</a:tableStyleId>
+              </a:tblPr>
+              <a:tblGrid>
+                <a:gridCol w="1740427">
+                  <a:extLst>
+                    <a:ext uri="{9D8B030D-6E8A-4147-A177-3AD203B41FA5}">
+                      <a16:colId xmlns:a16="http://schemas.microsoft.com/office/drawing/2014/main" val="2943657843"/>
+                    </a:ext>
+                  </a:extLst>
+                </a:gridCol>
+                <a:gridCol w="2470486">
+                  <a:extLst>
+                    <a:ext uri="{9D8B030D-6E8A-4147-A177-3AD203B41FA5}">
+                      <a16:colId xmlns:a16="http://schemas.microsoft.com/office/drawing/2014/main" val="2566809814"/>
+                    </a:ext>
+                  </a:extLst>
+                </a:gridCol>
+                <a:gridCol w="2176529">
+                  <a:extLst>
+                    <a:ext uri="{9D8B030D-6E8A-4147-A177-3AD203B41FA5}">
+                      <a16:colId xmlns:a16="http://schemas.microsoft.com/office/drawing/2014/main" val="1797990624"/>
+                    </a:ext>
+                  </a:extLst>
+                </a:gridCol>
+              </a:tblGrid>
+              <a:tr h="370840">
+                <a:tc>
+                  <a:txBody>
+                    <a:bodyPr/>
+                    <a:lstStyle/>
+                    <a:p>
+                      <a:pPr algn="ctr"/>
+                      <a:r>
+                        <a:rPr lang="en-US" sz="2000" dirty="0">
+                          <a:solidFill>
+                            <a:schemeClr val="tx1"/>
+                          </a:solidFill>
+                        </a:rPr>
+                        <a:t>GROUP 1</a:t>
+                      </a:r>
+                    </a:p>
+                  </a:txBody>
+                  <a:tcPr/>
+                </a:tc>
+                <a:tc>
+                  <a:txBody>
+                    <a:bodyPr/>
+                    <a:lstStyle/>
+                    <a:p>
+                      <a:pPr algn="ctr"/>
+                      <a:r>
+                        <a:rPr lang="en-US" sz="2000" dirty="0">
+                          <a:solidFill>
+                            <a:schemeClr val="tx1"/>
+                          </a:solidFill>
+                        </a:rPr>
+                        <a:t>GROUP 2</a:t>
+                      </a:r>
+                    </a:p>
+                  </a:txBody>
+                  <a:tcPr/>
+                </a:tc>
+                <a:tc>
+                  <a:txBody>
+                    <a:bodyPr/>
+                    <a:lstStyle/>
+                    <a:p>
+                      <a:pPr algn="ctr"/>
+                      <a:r>
+                        <a:rPr lang="en-US" sz="2000" dirty="0">
+                          <a:solidFill>
+                            <a:schemeClr val="tx1"/>
+                          </a:solidFill>
+                        </a:rPr>
+                        <a:t>GROUP 3</a:t>
+                      </a:r>
+                    </a:p>
+                  </a:txBody>
+                  <a:tcPr/>
+                </a:tc>
+                <a:extLst>
+                  <a:ext uri="{0D108BD9-81ED-4DB2-BD59-A6C34878D82A}">
+                    <a16:rowId xmlns:a16="http://schemas.microsoft.com/office/drawing/2014/main" val="2584714467"/>
+                  </a:ext>
+                </a:extLst>
+              </a:tr>
+              <a:tr h="370840">
+                <a:tc>
+                  <a:txBody>
+                    <a:bodyPr/>
+                    <a:lstStyle/>
+                    <a:p>
+                      <a:pPr algn="ctr"/>
+                      <a:r>
+                        <a:rPr lang="en-US" sz="2000" dirty="0">
+                          <a:solidFill>
+                            <a:schemeClr val="tx1"/>
+                          </a:solidFill>
+                        </a:rPr>
+                        <a:t>Onboarding</a:t>
+                      </a:r>
+                    </a:p>
+                  </a:txBody>
+                  <a:tcPr/>
+                </a:tc>
+                <a:tc>
+                  <a:txBody>
+                    <a:bodyPr/>
+                    <a:lstStyle/>
+                    <a:p>
+                      <a:pPr algn="ctr"/>
+                      <a:r>
+                        <a:rPr lang="en-US" sz="2000" dirty="0">
+                          <a:solidFill>
+                            <a:schemeClr val="tx1"/>
+                          </a:solidFill>
+                        </a:rPr>
+                        <a:t>Sacrifice</a:t>
+                      </a:r>
+                    </a:p>
+                  </a:txBody>
+                  <a:tcPr/>
+                </a:tc>
+                <a:tc>
+                  <a:txBody>
+                    <a:bodyPr/>
+                    <a:lstStyle/>
+                    <a:p>
+                      <a:pPr algn="ctr"/>
+                      <a:r>
+                        <a:rPr lang="en-US" sz="2000" dirty="0">
+                          <a:solidFill>
+                            <a:schemeClr val="tx1"/>
+                          </a:solidFill>
+                        </a:rPr>
+                        <a:t>Sabotage</a:t>
+                      </a:r>
+                    </a:p>
+                  </a:txBody>
+                  <a:tcPr/>
+                </a:tc>
+                <a:extLst>
+                  <a:ext uri="{0D108BD9-81ED-4DB2-BD59-A6C34878D82A}">
+                    <a16:rowId xmlns:a16="http://schemas.microsoft.com/office/drawing/2014/main" val="3277759244"/>
+                  </a:ext>
+                </a:extLst>
+              </a:tr>
+              <a:tr h="370840">
+                <a:tc>
+                  <a:txBody>
+                    <a:bodyPr/>
+                    <a:lstStyle/>
+                    <a:p>
+                      <a:pPr algn="ctr"/>
+                      <a:r>
+                        <a:rPr lang="en-US" sz="2000" dirty="0">
+                          <a:solidFill>
+                            <a:schemeClr val="tx1"/>
+                          </a:solidFill>
+                        </a:rPr>
+                        <a:t>Termination</a:t>
+                      </a:r>
+                    </a:p>
+                  </a:txBody>
+                  <a:tcPr/>
+                </a:tc>
+                <a:tc>
+                  <a:txBody>
+                    <a:bodyPr/>
+                    <a:lstStyle/>
+                    <a:p>
+                      <a:pPr algn="ctr"/>
+                      <a:r>
+                        <a:rPr lang="en-US" sz="2000" dirty="0">
+                          <a:solidFill>
+                            <a:schemeClr val="tx1"/>
+                          </a:solidFill>
+                        </a:rPr>
+                        <a:t>Teamwork</a:t>
+                      </a:r>
+                    </a:p>
+                  </a:txBody>
+                  <a:tcPr/>
+                </a:tc>
+                <a:tc>
+                  <a:txBody>
+                    <a:bodyPr/>
+                    <a:lstStyle/>
+                    <a:p>
+                      <a:pPr algn="ctr"/>
+                      <a:r>
+                        <a:rPr lang="en-US" sz="2000" dirty="0">
+                          <a:solidFill>
+                            <a:schemeClr val="tx1"/>
+                          </a:solidFill>
+                        </a:rPr>
+                        <a:t>Disruption</a:t>
+                      </a:r>
+                    </a:p>
+                  </a:txBody>
+                  <a:tcPr/>
+                </a:tc>
+                <a:extLst>
+                  <a:ext uri="{0D108BD9-81ED-4DB2-BD59-A6C34878D82A}">
+                    <a16:rowId xmlns:a16="http://schemas.microsoft.com/office/drawing/2014/main" val="1922792238"/>
+                  </a:ext>
+                </a:extLst>
+              </a:tr>
+              <a:tr h="370840">
+                <a:tc>
+                  <a:txBody>
+                    <a:bodyPr/>
+                    <a:lstStyle/>
+                    <a:p>
+                      <a:pPr algn="ctr"/>
+                      <a:r>
+                        <a:rPr lang="en-US" sz="2000" dirty="0">
+                          <a:solidFill>
+                            <a:schemeClr val="tx1"/>
+                          </a:solidFill>
+                        </a:rPr>
+                        <a:t>Resignation</a:t>
+                      </a:r>
+                    </a:p>
+                  </a:txBody>
+                  <a:tcPr/>
+                </a:tc>
+                <a:tc>
+                  <a:txBody>
+                    <a:bodyPr/>
+                    <a:lstStyle/>
+                    <a:p>
+                      <a:pPr algn="ctr"/>
+                      <a:r>
+                        <a:rPr lang="en-US" sz="2000" dirty="0">
+                          <a:solidFill>
+                            <a:schemeClr val="tx1"/>
+                          </a:solidFill>
+                        </a:rPr>
+                        <a:t>Idea</a:t>
+                      </a:r>
+                    </a:p>
+                  </a:txBody>
+                  <a:tcPr/>
+                </a:tc>
+                <a:tc>
+                  <a:txBody>
+                    <a:bodyPr/>
+                    <a:lstStyle/>
+                    <a:p>
+                      <a:pPr algn="ctr"/>
+                      <a:r>
+                        <a:rPr lang="en-US" sz="2000" dirty="0">
+                          <a:solidFill>
+                            <a:schemeClr val="tx1"/>
+                          </a:solidFill>
+                        </a:rPr>
+                        <a:t>Feat</a:t>
+                      </a:r>
+                    </a:p>
+                  </a:txBody>
+                  <a:tcPr/>
+                </a:tc>
+                <a:extLst>
+                  <a:ext uri="{0D108BD9-81ED-4DB2-BD59-A6C34878D82A}">
+                    <a16:rowId xmlns:a16="http://schemas.microsoft.com/office/drawing/2014/main" val="3659021536"/>
+                  </a:ext>
+                </a:extLst>
+              </a:tr>
+              <a:tr h="370840">
+                <a:tc>
+                  <a:txBody>
+                    <a:bodyPr/>
+                    <a:lstStyle/>
+                    <a:p>
+                      <a:pPr algn="ctr"/>
+                      <a:r>
+                        <a:rPr lang="en-US" sz="2000" dirty="0">
+                          <a:solidFill>
+                            <a:schemeClr val="tx1"/>
+                          </a:solidFill>
+                        </a:rPr>
+                        <a:t>Presence</a:t>
+                      </a:r>
+                    </a:p>
+                  </a:txBody>
+                  <a:tcPr/>
+                </a:tc>
+                <a:tc>
+                  <a:txBody>
+                    <a:bodyPr/>
+                    <a:lstStyle/>
+                    <a:p>
+                      <a:pPr algn="ctr"/>
+                      <a:endParaRPr lang="en-US" sz="2000">
+                        <a:solidFill>
+                          <a:schemeClr val="tx1"/>
+                        </a:solidFill>
+                      </a:endParaRPr>
+                    </a:p>
+                  </a:txBody>
+                  <a:tcPr/>
+                </a:tc>
+                <a:tc>
+                  <a:txBody>
+                    <a:bodyPr/>
+                    <a:lstStyle/>
+                    <a:p>
+                      <a:pPr algn="ctr"/>
+                      <a:r>
+                        <a:rPr lang="en-US" sz="2000" dirty="0">
+                          <a:solidFill>
+                            <a:schemeClr val="tx1"/>
+                          </a:solidFill>
+                        </a:rPr>
+                        <a:t>Slip</a:t>
+                      </a:r>
+                    </a:p>
+                  </a:txBody>
+                  <a:tcPr/>
+                </a:tc>
+                <a:extLst>
+                  <a:ext uri="{0D108BD9-81ED-4DB2-BD59-A6C34878D82A}">
+                    <a16:rowId xmlns:a16="http://schemas.microsoft.com/office/drawing/2014/main" val="3755534510"/>
+                  </a:ext>
+                </a:extLst>
+              </a:tr>
+              <a:tr h="370840">
+                <a:tc>
+                  <a:txBody>
+                    <a:bodyPr/>
+                    <a:lstStyle/>
+                    <a:p>
+                      <a:pPr algn="ctr"/>
+                      <a:r>
+                        <a:rPr lang="en-US" sz="2000" dirty="0">
+                          <a:solidFill>
+                            <a:schemeClr val="tx1"/>
+                          </a:solidFill>
+                        </a:rPr>
+                        <a:t>Efficacy</a:t>
+                      </a:r>
+                    </a:p>
+                  </a:txBody>
+                  <a:tcPr/>
+                </a:tc>
+                <a:tc>
+                  <a:txBody>
+                    <a:bodyPr/>
+                    <a:lstStyle/>
+                    <a:p>
+                      <a:pPr algn="ctr"/>
+                      <a:endParaRPr lang="en-US" sz="2000">
+                        <a:solidFill>
+                          <a:schemeClr val="tx1"/>
+                        </a:solidFill>
+                      </a:endParaRPr>
+                    </a:p>
+                  </a:txBody>
+                  <a:tcPr/>
+                </a:tc>
+                <a:tc>
+                  <a:txBody>
+                    <a:bodyPr/>
+                    <a:lstStyle/>
+                    <a:p>
+                      <a:pPr algn="ctr"/>
+                      <a:r>
+                        <a:rPr lang="en-US" sz="2000" dirty="0">
+                          <a:solidFill>
+                            <a:schemeClr val="tx1"/>
+                          </a:solidFill>
+                        </a:rPr>
+                        <a:t>Lapse</a:t>
+                      </a:r>
+                    </a:p>
+                  </a:txBody>
+                  <a:tcPr/>
+                </a:tc>
+                <a:extLst>
+                  <a:ext uri="{0D108BD9-81ED-4DB2-BD59-A6C34878D82A}">
+                    <a16:rowId xmlns:a16="http://schemas.microsoft.com/office/drawing/2014/main" val="3293555467"/>
+                  </a:ext>
+                </a:extLst>
+              </a:tr>
+            </a:tbl>
+          </a:graphicData>
+        </a:graphic>
+      </p:graphicFrame>
+    </p:spTree>
+    <p:extLst>
+      <p:ext uri="{BB962C8B-B14F-4D97-AF65-F5344CB8AC3E}">
+        <p14:creationId xmlns:p14="http://schemas.microsoft.com/office/powerpoint/2010/main" val="3677621743"/>
+      </p:ext>
+    </p:extLst>
+  </p:cSld>
+  <p:clrMapOvr>
+    <a:masterClrMapping/>
+  </p:clrMapOvr>
+</p:sld>
+</file>
+
+<file path=ppt/slides/slide7.xml><?xml version="1.0" encoding="utf-8"?>
 <p:sld xmlns:a="http://schemas.openxmlformats.org/drawingml/2006/main" xmlns:r="http://schemas.openxmlformats.org/officeDocument/2006/relationships" xmlns:p="http://schemas.openxmlformats.org/presentationml/2006/main">
   <p:cSld>
     <p:spTree>
@@ -7703,7 +8382,7 @@
 </p:sld>
 </file>
 
-<file path=ppt/slides/slide6.xml><?xml version="1.0" encoding="utf-8"?>
+<file path=ppt/slides/slide8.xml><?xml version="1.0" encoding="utf-8"?>
 <p:sld xmlns:a="http://schemas.openxmlformats.org/drawingml/2006/main" xmlns:r="http://schemas.openxmlformats.org/officeDocument/2006/relationships" xmlns:p="http://schemas.openxmlformats.org/presentationml/2006/main">
   <p:cSld>
     <p:spTree>

--- a/HW #1/New approach to productivity.pptx
+++ b/HW #1/New approach to productivity.pptx
@@ -841,7 +841,7 @@
           <a:p>
             <a:fld id="{E703ADCF-D804-4407-A698-E383F240C16E}" type="datetimeFigureOut">
               <a:rPr lang="en-US" smtClean="0"/>
-              <a:t>9/22/2022</a:t>
+              <a:t>10/21/2022</a:t>
             </a:fld>
             <a:endParaRPr lang="en-US"/>
           </a:p>
@@ -1092,7 +1092,7 @@
           <a:p>
             <a:fld id="{E703ADCF-D804-4407-A698-E383F240C16E}" type="datetimeFigureOut">
               <a:rPr lang="en-US" smtClean="0"/>
-              <a:t>9/22/2022</a:t>
+              <a:t>10/21/2022</a:t>
             </a:fld>
             <a:endParaRPr lang="en-US"/>
           </a:p>
@@ -1406,7 +1406,7 @@
           <a:p>
             <a:fld id="{E703ADCF-D804-4407-A698-E383F240C16E}" type="datetimeFigureOut">
               <a:rPr lang="en-US" smtClean="0"/>
-              <a:t>9/22/2022</a:t>
+              <a:t>10/21/2022</a:t>
             </a:fld>
             <a:endParaRPr lang="en-US"/>
           </a:p>
@@ -1747,7 +1747,7 @@
           <a:p>
             <a:fld id="{E703ADCF-D804-4407-A698-E383F240C16E}" type="datetimeFigureOut">
               <a:rPr lang="en-US" smtClean="0"/>
-              <a:t>9/22/2022</a:t>
+              <a:t>10/21/2022</a:t>
             </a:fld>
             <a:endParaRPr lang="en-US"/>
           </a:p>
@@ -2061,7 +2061,7 @@
           <a:p>
             <a:fld id="{E703ADCF-D804-4407-A698-E383F240C16E}" type="datetimeFigureOut">
               <a:rPr lang="en-US" smtClean="0"/>
-              <a:t>9/22/2022</a:t>
+              <a:t>10/21/2022</a:t>
             </a:fld>
             <a:endParaRPr lang="en-US"/>
           </a:p>
@@ -2454,7 +2454,7 @@
           <a:p>
             <a:fld id="{E703ADCF-D804-4407-A698-E383F240C16E}" type="datetimeFigureOut">
               <a:rPr lang="en-US" smtClean="0"/>
-              <a:t>9/22/2022</a:t>
+              <a:t>10/21/2022</a:t>
             </a:fld>
             <a:endParaRPr lang="en-US"/>
           </a:p>
@@ -2624,7 +2624,7 @@
           <a:p>
             <a:fld id="{E703ADCF-D804-4407-A698-E383F240C16E}" type="datetimeFigureOut">
               <a:rPr lang="en-US" smtClean="0"/>
-              <a:t>9/22/2022</a:t>
+              <a:t>10/21/2022</a:t>
             </a:fld>
             <a:endParaRPr lang="en-US"/>
           </a:p>
@@ -2804,7 +2804,7 @@
           <a:p>
             <a:fld id="{E703ADCF-D804-4407-A698-E383F240C16E}" type="datetimeFigureOut">
               <a:rPr lang="en-US" smtClean="0"/>
-              <a:t>9/22/2022</a:t>
+              <a:t>10/21/2022</a:t>
             </a:fld>
             <a:endParaRPr lang="en-US"/>
           </a:p>
@@ -2980,7 +2980,7 @@
           <a:p>
             <a:fld id="{E703ADCF-D804-4407-A698-E383F240C16E}" type="datetimeFigureOut">
               <a:rPr lang="en-US" smtClean="0"/>
-              <a:t>9/22/2022</a:t>
+              <a:t>10/21/2022</a:t>
             </a:fld>
             <a:endParaRPr lang="en-US"/>
           </a:p>
@@ -3227,7 +3227,7 @@
           <a:p>
             <a:fld id="{E703ADCF-D804-4407-A698-E383F240C16E}" type="datetimeFigureOut">
               <a:rPr lang="en-US" smtClean="0"/>
-              <a:t>9/22/2022</a:t>
+              <a:t>10/21/2022</a:t>
             </a:fld>
             <a:endParaRPr lang="en-US"/>
           </a:p>
@@ -3459,7 +3459,7 @@
           <a:p>
             <a:fld id="{E703ADCF-D804-4407-A698-E383F240C16E}" type="datetimeFigureOut">
               <a:rPr lang="en-US" smtClean="0"/>
-              <a:t>9/22/2022</a:t>
+              <a:t>10/21/2022</a:t>
             </a:fld>
             <a:endParaRPr lang="en-US"/>
           </a:p>
@@ -3833,7 +3833,7 @@
           <a:p>
             <a:fld id="{E703ADCF-D804-4407-A698-E383F240C16E}" type="datetimeFigureOut">
               <a:rPr lang="en-US" smtClean="0"/>
-              <a:t>9/22/2022</a:t>
+              <a:t>10/21/2022</a:t>
             </a:fld>
             <a:endParaRPr lang="en-US"/>
           </a:p>
@@ -3956,7 +3956,7 @@
           <a:p>
             <a:fld id="{E703ADCF-D804-4407-A698-E383F240C16E}" type="datetimeFigureOut">
               <a:rPr lang="en-US" smtClean="0"/>
-              <a:t>9/22/2022</a:t>
+              <a:t>10/21/2022</a:t>
             </a:fld>
             <a:endParaRPr lang="en-US"/>
           </a:p>
@@ -4051,7 +4051,7 @@
           <a:p>
             <a:fld id="{E703ADCF-D804-4407-A698-E383F240C16E}" type="datetimeFigureOut">
               <a:rPr lang="en-US" smtClean="0"/>
-              <a:t>9/22/2022</a:t>
+              <a:t>10/21/2022</a:t>
             </a:fld>
             <a:endParaRPr lang="en-US"/>
           </a:p>
@@ -4306,7 +4306,7 @@
           <a:p>
             <a:fld id="{E703ADCF-D804-4407-A698-E383F240C16E}" type="datetimeFigureOut">
               <a:rPr lang="en-US" smtClean="0"/>
-              <a:t>9/22/2022</a:t>
+              <a:t>10/21/2022</a:t>
             </a:fld>
             <a:endParaRPr lang="en-US"/>
           </a:p>
@@ -4569,7 +4569,7 @@
           <a:p>
             <a:fld id="{E703ADCF-D804-4407-A698-E383F240C16E}" type="datetimeFigureOut">
               <a:rPr lang="en-US" smtClean="0"/>
-              <a:t>9/22/2022</a:t>
+              <a:t>10/21/2022</a:t>
             </a:fld>
             <a:endParaRPr lang="en-US"/>
           </a:p>
@@ -5312,7 +5312,7 @@
           <a:p>
             <a:fld id="{E703ADCF-D804-4407-A698-E383F240C16E}" type="datetimeFigureOut">
               <a:rPr lang="en-US" smtClean="0"/>
-              <a:t>9/22/2022</a:t>
+              <a:t>10/21/2022</a:t>
             </a:fld>
             <a:endParaRPr lang="en-US"/>
           </a:p>
@@ -6340,7 +6340,7 @@
                   <a:schemeClr val="tx1"/>
                 </a:solidFill>
               </a:rPr>
-              <a:t>We propose to calculate the productivity of employees and their contribution to the company's profit, based on their behavior during the working day, as well as to identify the relationships between social indicators (gender, age, physical health) and employees performance</a:t>
+              <a:t>We propose to calculate the productivity of employees and their contribution to the company, based on their behavior during the working day, as well as to identify the relationships between social indicators (gender, age, physical health) and employees performance</a:t>
             </a:r>
           </a:p>
         </p:txBody>
@@ -7304,7 +7304,7 @@
           <p:nvPr>
             <p:extLst>
               <p:ext uri="{D42A27DB-BD31-4B8C-83A1-F6EECF244321}">
-                <p14:modId xmlns:p14="http://schemas.microsoft.com/office/powerpoint/2010/main" val="3200508417"/>
+                <p14:modId xmlns:p14="http://schemas.microsoft.com/office/powerpoint/2010/main" val="266185310"/>
               </p:ext>
             </p:extLst>
           </p:nvPr>
@@ -7574,7 +7574,7 @@
                             <a:schemeClr val="tx1"/>
                           </a:solidFill>
                         </a:rPr>
-                        <a:t>Feat</a:t>
+                        <a:t>Slip</a:t>
                       </a:r>
                     </a:p>
                   </a:txBody>
@@ -7586,7 +7586,7 @@
                   </a:ext>
                 </a:extLst>
               </a:tr>
-              <a:tr h="370840">
+              <a:tr h="0">
                 <a:tc>
                   <a:txBody>
                     <a:bodyPr/>
@@ -7610,12 +7610,31 @@
                     <a:bodyPr/>
                     <a:lstStyle/>
                     <a:p>
-                      <a:pPr algn="ctr"/>
-                      <a:endParaRPr lang="en-US" sz="2000">
-                        <a:solidFill>
-                          <a:schemeClr val="tx1"/>
-                        </a:solidFill>
-                      </a:endParaRPr>
+                      <a:pPr marL="0" marR="0" lvl="0" indent="0" algn="ctr" defTabSz="457200" rtl="0" eaLnBrk="1" fontAlgn="auto" latinLnBrk="0" hangingPunct="1">
+                        <a:lnSpc>
+                          <a:spcPct val="100000"/>
+                        </a:lnSpc>
+                        <a:spcBef>
+                          <a:spcPts val="0"/>
+                        </a:spcBef>
+                        <a:spcAft>
+                          <a:spcPts val="0"/>
+                        </a:spcAft>
+                        <a:buClrTx/>
+                        <a:buSzTx/>
+                        <a:buFontTx/>
+                        <a:buNone/>
+                        <a:tabLst/>
+                        <a:defRPr/>
+                      </a:pPr>
+                      <a:r>
+                        <a:rPr lang="en-US" sz="2000" dirty="0">
+                          <a:solidFill>
+                            <a:schemeClr val="tx1"/>
+                          </a:solidFill>
+                        </a:rPr>
+                        <a:t>Feat</a:t>
+                      </a:r>
                     </a:p>
                   </a:txBody>
                   <a:tcPr/>
@@ -7632,7 +7651,7 @@
                             <a:schemeClr val="tx1"/>
                           </a:solidFill>
                         </a:rPr>
-                        <a:t>Slip</a:t>
+                        <a:t>Lapse</a:t>
                       </a:r>
                     </a:p>
                   </a:txBody>
@@ -7684,14 +7703,11 @@
                     <a:lstStyle/>
                     <a:p>
                       <a:pPr algn="ctr"/>
-                      <a:r>
-                        <a:rPr lang="en-US" sz="2000" dirty="0">
-                          <a:solidFill>
-                            <a:schemeClr val="tx1"/>
-                          </a:solidFill>
-                        </a:rPr>
-                        <a:t>Lapse</a:t>
-                      </a:r>
+                      <a:endParaRPr lang="en-US" sz="2000" dirty="0">
+                        <a:solidFill>
+                          <a:schemeClr val="tx1"/>
+                        </a:solidFill>
+                      </a:endParaRPr>
                     </a:p>
                   </a:txBody>
                   <a:tcPr/>

--- a/HW #1/New approach to productivity.pptx
+++ b/HW #1/New approach to productivity.pptx
@@ -841,7 +841,7 @@
           <a:p>
             <a:fld id="{E703ADCF-D804-4407-A698-E383F240C16E}" type="datetimeFigureOut">
               <a:rPr lang="en-US" smtClean="0"/>
-              <a:t>10/21/2022</a:t>
+              <a:t>10/28/2022</a:t>
             </a:fld>
             <a:endParaRPr lang="en-US"/>
           </a:p>
@@ -1092,7 +1092,7 @@
           <a:p>
             <a:fld id="{E703ADCF-D804-4407-A698-E383F240C16E}" type="datetimeFigureOut">
               <a:rPr lang="en-US" smtClean="0"/>
-              <a:t>10/21/2022</a:t>
+              <a:t>10/28/2022</a:t>
             </a:fld>
             <a:endParaRPr lang="en-US"/>
           </a:p>
@@ -1406,7 +1406,7 @@
           <a:p>
             <a:fld id="{E703ADCF-D804-4407-A698-E383F240C16E}" type="datetimeFigureOut">
               <a:rPr lang="en-US" smtClean="0"/>
-              <a:t>10/21/2022</a:t>
+              <a:t>10/28/2022</a:t>
             </a:fld>
             <a:endParaRPr lang="en-US"/>
           </a:p>
@@ -1747,7 +1747,7 @@
           <a:p>
             <a:fld id="{E703ADCF-D804-4407-A698-E383F240C16E}" type="datetimeFigureOut">
               <a:rPr lang="en-US" smtClean="0"/>
-              <a:t>10/21/2022</a:t>
+              <a:t>10/28/2022</a:t>
             </a:fld>
             <a:endParaRPr lang="en-US"/>
           </a:p>
@@ -2061,7 +2061,7 @@
           <a:p>
             <a:fld id="{E703ADCF-D804-4407-A698-E383F240C16E}" type="datetimeFigureOut">
               <a:rPr lang="en-US" smtClean="0"/>
-              <a:t>10/21/2022</a:t>
+              <a:t>10/28/2022</a:t>
             </a:fld>
             <a:endParaRPr lang="en-US"/>
           </a:p>
@@ -2454,7 +2454,7 @@
           <a:p>
             <a:fld id="{E703ADCF-D804-4407-A698-E383F240C16E}" type="datetimeFigureOut">
               <a:rPr lang="en-US" smtClean="0"/>
-              <a:t>10/21/2022</a:t>
+              <a:t>10/28/2022</a:t>
             </a:fld>
             <a:endParaRPr lang="en-US"/>
           </a:p>
@@ -2624,7 +2624,7 @@
           <a:p>
             <a:fld id="{E703ADCF-D804-4407-A698-E383F240C16E}" type="datetimeFigureOut">
               <a:rPr lang="en-US" smtClean="0"/>
-              <a:t>10/21/2022</a:t>
+              <a:t>10/28/2022</a:t>
             </a:fld>
             <a:endParaRPr lang="en-US"/>
           </a:p>
@@ -2804,7 +2804,7 @@
           <a:p>
             <a:fld id="{E703ADCF-D804-4407-A698-E383F240C16E}" type="datetimeFigureOut">
               <a:rPr lang="en-US" smtClean="0"/>
-              <a:t>10/21/2022</a:t>
+              <a:t>10/28/2022</a:t>
             </a:fld>
             <a:endParaRPr lang="en-US"/>
           </a:p>
@@ -2980,7 +2980,7 @@
           <a:p>
             <a:fld id="{E703ADCF-D804-4407-A698-E383F240C16E}" type="datetimeFigureOut">
               <a:rPr lang="en-US" smtClean="0"/>
-              <a:t>10/21/2022</a:t>
+              <a:t>10/28/2022</a:t>
             </a:fld>
             <a:endParaRPr lang="en-US"/>
           </a:p>
@@ -3227,7 +3227,7 @@
           <a:p>
             <a:fld id="{E703ADCF-D804-4407-A698-E383F240C16E}" type="datetimeFigureOut">
               <a:rPr lang="en-US" smtClean="0"/>
-              <a:t>10/21/2022</a:t>
+              <a:t>10/28/2022</a:t>
             </a:fld>
             <a:endParaRPr lang="en-US"/>
           </a:p>
@@ -3459,7 +3459,7 @@
           <a:p>
             <a:fld id="{E703ADCF-D804-4407-A698-E383F240C16E}" type="datetimeFigureOut">
               <a:rPr lang="en-US" smtClean="0"/>
-              <a:t>10/21/2022</a:t>
+              <a:t>10/28/2022</a:t>
             </a:fld>
             <a:endParaRPr lang="en-US"/>
           </a:p>
@@ -3833,7 +3833,7 @@
           <a:p>
             <a:fld id="{E703ADCF-D804-4407-A698-E383F240C16E}" type="datetimeFigureOut">
               <a:rPr lang="en-US" smtClean="0"/>
-              <a:t>10/21/2022</a:t>
+              <a:t>10/28/2022</a:t>
             </a:fld>
             <a:endParaRPr lang="en-US"/>
           </a:p>
@@ -3956,7 +3956,7 @@
           <a:p>
             <a:fld id="{E703ADCF-D804-4407-A698-E383F240C16E}" type="datetimeFigureOut">
               <a:rPr lang="en-US" smtClean="0"/>
-              <a:t>10/21/2022</a:t>
+              <a:t>10/28/2022</a:t>
             </a:fld>
             <a:endParaRPr lang="en-US"/>
           </a:p>
@@ -4051,7 +4051,7 @@
           <a:p>
             <a:fld id="{E703ADCF-D804-4407-A698-E383F240C16E}" type="datetimeFigureOut">
               <a:rPr lang="en-US" smtClean="0"/>
-              <a:t>10/21/2022</a:t>
+              <a:t>10/28/2022</a:t>
             </a:fld>
             <a:endParaRPr lang="en-US"/>
           </a:p>
@@ -4306,7 +4306,7 @@
           <a:p>
             <a:fld id="{E703ADCF-D804-4407-A698-E383F240C16E}" type="datetimeFigureOut">
               <a:rPr lang="en-US" smtClean="0"/>
-              <a:t>10/21/2022</a:t>
+              <a:t>10/28/2022</a:t>
             </a:fld>
             <a:endParaRPr lang="en-US"/>
           </a:p>
@@ -4569,7 +4569,7 @@
           <a:p>
             <a:fld id="{E703ADCF-D804-4407-A698-E383F240C16E}" type="datetimeFigureOut">
               <a:rPr lang="en-US" smtClean="0"/>
-              <a:t>10/21/2022</a:t>
+              <a:t>10/28/2022</a:t>
             </a:fld>
             <a:endParaRPr lang="en-US"/>
           </a:p>
@@ -5312,7 +5312,7 @@
           <a:p>
             <a:fld id="{E703ADCF-D804-4407-A698-E383F240C16E}" type="datetimeFigureOut">
               <a:rPr lang="en-US" smtClean="0"/>
-              <a:t>10/21/2022</a:t>
+              <a:t>10/28/2022</a:t>
             </a:fld>
             <a:endParaRPr lang="en-US"/>
           </a:p>
@@ -5924,8 +5924,8 @@
         </p:nvSpPr>
         <p:spPr>
           <a:xfrm>
-            <a:off x="442175" y="4907756"/>
-            <a:ext cx="9144000" cy="1655762"/>
+            <a:off x="352023" y="5924282"/>
+            <a:ext cx="9144000" cy="933718"/>
           </a:xfrm>
         </p:spPr>
         <p:txBody>
@@ -5954,62 +5954,6 @@
               </a:rPr>
               <a:t>Ablaikhan Aimbetov</a:t>
             </a:r>
-          </a:p>
-          <a:p>
-            <a:pPr algn="l"/>
-            <a:r>
-              <a:rPr lang="en-US" dirty="0" err="1">
-                <a:solidFill>
-                  <a:schemeClr val="tx1"/>
-                </a:solidFill>
-              </a:rPr>
-              <a:t>Almar</a:t>
-            </a:r>
-            <a:r>
-              <a:rPr lang="en-US" dirty="0">
-                <a:solidFill>
-                  <a:schemeClr val="tx1"/>
-                </a:solidFill>
-              </a:rPr>
-              <a:t> </a:t>
-            </a:r>
-            <a:r>
-              <a:rPr lang="en-US" dirty="0" err="1">
-                <a:solidFill>
-                  <a:schemeClr val="tx1"/>
-                </a:solidFill>
-              </a:rPr>
-              <a:t>Gaziz</a:t>
-            </a:r>
-            <a:endParaRPr lang="en-US" sz="1800" dirty="0">
-              <a:solidFill>
-                <a:schemeClr val="tx1"/>
-              </a:solidFill>
-            </a:endParaRPr>
-          </a:p>
-          <a:p>
-            <a:pPr algn="l"/>
-            <a:r>
-              <a:rPr lang="en-US" dirty="0">
-                <a:solidFill>
-                  <a:schemeClr val="tx1"/>
-                </a:solidFill>
-              </a:rPr>
-              <a:t>Sara </a:t>
-            </a:r>
-            <a:r>
-              <a:rPr lang="en-US" dirty="0" err="1">
-                <a:solidFill>
-                  <a:schemeClr val="tx1"/>
-                </a:solidFill>
-              </a:rPr>
-              <a:t>Toktarbekova</a:t>
-            </a:r>
-            <a:endParaRPr lang="en-US" sz="1800" dirty="0">
-              <a:solidFill>
-                <a:schemeClr val="tx1"/>
-              </a:solidFill>
-            </a:endParaRPr>
           </a:p>
         </p:txBody>
       </p:sp>
@@ -6340,7 +6284,7 @@
                   <a:schemeClr val="tx1"/>
                 </a:solidFill>
               </a:rPr>
-              <a:t>We propose to calculate the productivity of employees and their contribution to the company, based on their behavior during the working day, as well as to identify the relationships between social indicators (gender, age, physical health) and employees performance</a:t>
+              <a:t>Propose to calculate the productivity of employees and their contribution to the company, based on their behavior during the working day, as well as to identify the relationships between social indicators (gender, age, physical health) and employees performance</a:t>
             </a:r>
           </a:p>
         </p:txBody>
@@ -6517,7 +6461,7 @@
         </p:nvSpPr>
         <p:spPr>
           <a:xfrm>
-            <a:off x="844760" y="255237"/>
+            <a:off x="1417263" y="255237"/>
             <a:ext cx="8596668" cy="1000259"/>
           </a:xfrm>
         </p:spPr>
@@ -6532,7 +6476,7 @@
                   <a:schemeClr val="tx1"/>
                 </a:solidFill>
               </a:rPr>
-              <a:t>Our assumptions </a:t>
+              <a:t>Assumptions </a:t>
             </a:r>
           </a:p>
         </p:txBody>
@@ -8450,7 +8394,7 @@
                   <a:schemeClr val="tx1"/>
                 </a:solidFill>
               </a:rPr>
-              <a:t>Due to big size of the dataset we represented just small part of it, also we can’t upload it to Git (size &gt; 100 Mb). For details, please, refer to the link on page 4</a:t>
+              <a:t>Due to big size of the dataset I represented just small part of it, also we can’t upload it to Git (size &gt; 100 Mb). For details, please, refer to the link on page 4</a:t>
             </a:r>
           </a:p>
           <a:p>

--- a/HW #1/New approach to productivity.pptx
+++ b/HW #1/New approach to productivity.pptx
@@ -6,13 +6,16 @@
   </p:sldMasterIdLst>
   <p:sldIdLst>
     <p:sldId id="256" r:id="rId2"/>
-    <p:sldId id="257" r:id="rId3"/>
-    <p:sldId id="258" r:id="rId4"/>
-    <p:sldId id="262" r:id="rId5"/>
-    <p:sldId id="259" r:id="rId6"/>
-    <p:sldId id="263" r:id="rId7"/>
-    <p:sldId id="260" r:id="rId8"/>
-    <p:sldId id="261" r:id="rId9"/>
+    <p:sldId id="264" r:id="rId3"/>
+    <p:sldId id="265" r:id="rId4"/>
+    <p:sldId id="266" r:id="rId5"/>
+    <p:sldId id="257" r:id="rId6"/>
+    <p:sldId id="258" r:id="rId7"/>
+    <p:sldId id="262" r:id="rId8"/>
+    <p:sldId id="259" r:id="rId9"/>
+    <p:sldId id="263" r:id="rId10"/>
+    <p:sldId id="260" r:id="rId11"/>
+    <p:sldId id="261" r:id="rId12"/>
   </p:sldIdLst>
   <p:sldSz cx="12192000" cy="6858000"/>
   <p:notesSz cx="6858000" cy="9144000"/>
@@ -841,7 +844,7 @@
           <a:p>
             <a:fld id="{E703ADCF-D804-4407-A698-E383F240C16E}" type="datetimeFigureOut">
               <a:rPr lang="en-US" smtClean="0"/>
-              <a:t>10/28/2022</a:t>
+              <a:t>11/11/2022</a:t>
             </a:fld>
             <a:endParaRPr lang="en-US"/>
           </a:p>
@@ -1092,7 +1095,7 @@
           <a:p>
             <a:fld id="{E703ADCF-D804-4407-A698-E383F240C16E}" type="datetimeFigureOut">
               <a:rPr lang="en-US" smtClean="0"/>
-              <a:t>10/28/2022</a:t>
+              <a:t>11/11/2022</a:t>
             </a:fld>
             <a:endParaRPr lang="en-US"/>
           </a:p>
@@ -1406,7 +1409,7 @@
           <a:p>
             <a:fld id="{E703ADCF-D804-4407-A698-E383F240C16E}" type="datetimeFigureOut">
               <a:rPr lang="en-US" smtClean="0"/>
-              <a:t>10/28/2022</a:t>
+              <a:t>11/11/2022</a:t>
             </a:fld>
             <a:endParaRPr lang="en-US"/>
           </a:p>
@@ -1747,7 +1750,7 @@
           <a:p>
             <a:fld id="{E703ADCF-D804-4407-A698-E383F240C16E}" type="datetimeFigureOut">
               <a:rPr lang="en-US" smtClean="0"/>
-              <a:t>10/28/2022</a:t>
+              <a:t>11/11/2022</a:t>
             </a:fld>
             <a:endParaRPr lang="en-US"/>
           </a:p>
@@ -2061,7 +2064,7 @@
           <a:p>
             <a:fld id="{E703ADCF-D804-4407-A698-E383F240C16E}" type="datetimeFigureOut">
               <a:rPr lang="en-US" smtClean="0"/>
-              <a:t>10/28/2022</a:t>
+              <a:t>11/11/2022</a:t>
             </a:fld>
             <a:endParaRPr lang="en-US"/>
           </a:p>
@@ -2454,7 +2457,7 @@
           <a:p>
             <a:fld id="{E703ADCF-D804-4407-A698-E383F240C16E}" type="datetimeFigureOut">
               <a:rPr lang="en-US" smtClean="0"/>
-              <a:t>10/28/2022</a:t>
+              <a:t>11/11/2022</a:t>
             </a:fld>
             <a:endParaRPr lang="en-US"/>
           </a:p>
@@ -2624,7 +2627,7 @@
           <a:p>
             <a:fld id="{E703ADCF-D804-4407-A698-E383F240C16E}" type="datetimeFigureOut">
               <a:rPr lang="en-US" smtClean="0"/>
-              <a:t>10/28/2022</a:t>
+              <a:t>11/11/2022</a:t>
             </a:fld>
             <a:endParaRPr lang="en-US"/>
           </a:p>
@@ -2804,7 +2807,7 @@
           <a:p>
             <a:fld id="{E703ADCF-D804-4407-A698-E383F240C16E}" type="datetimeFigureOut">
               <a:rPr lang="en-US" smtClean="0"/>
-              <a:t>10/28/2022</a:t>
+              <a:t>11/11/2022</a:t>
             </a:fld>
             <a:endParaRPr lang="en-US"/>
           </a:p>
@@ -2980,7 +2983,7 @@
           <a:p>
             <a:fld id="{E703ADCF-D804-4407-A698-E383F240C16E}" type="datetimeFigureOut">
               <a:rPr lang="en-US" smtClean="0"/>
-              <a:t>10/28/2022</a:t>
+              <a:t>11/11/2022</a:t>
             </a:fld>
             <a:endParaRPr lang="en-US"/>
           </a:p>
@@ -3227,7 +3230,7 @@
           <a:p>
             <a:fld id="{E703ADCF-D804-4407-A698-E383F240C16E}" type="datetimeFigureOut">
               <a:rPr lang="en-US" smtClean="0"/>
-              <a:t>10/28/2022</a:t>
+              <a:t>11/11/2022</a:t>
             </a:fld>
             <a:endParaRPr lang="en-US"/>
           </a:p>
@@ -3459,7 +3462,7 @@
           <a:p>
             <a:fld id="{E703ADCF-D804-4407-A698-E383F240C16E}" type="datetimeFigureOut">
               <a:rPr lang="en-US" smtClean="0"/>
-              <a:t>10/28/2022</a:t>
+              <a:t>11/11/2022</a:t>
             </a:fld>
             <a:endParaRPr lang="en-US"/>
           </a:p>
@@ -3833,7 +3836,7 @@
           <a:p>
             <a:fld id="{E703ADCF-D804-4407-A698-E383F240C16E}" type="datetimeFigureOut">
               <a:rPr lang="en-US" smtClean="0"/>
-              <a:t>10/28/2022</a:t>
+              <a:t>11/11/2022</a:t>
             </a:fld>
             <a:endParaRPr lang="en-US"/>
           </a:p>
@@ -3956,7 +3959,7 @@
           <a:p>
             <a:fld id="{E703ADCF-D804-4407-A698-E383F240C16E}" type="datetimeFigureOut">
               <a:rPr lang="en-US" smtClean="0"/>
-              <a:t>10/28/2022</a:t>
+              <a:t>11/11/2022</a:t>
             </a:fld>
             <a:endParaRPr lang="en-US"/>
           </a:p>
@@ -4051,7 +4054,7 @@
           <a:p>
             <a:fld id="{E703ADCF-D804-4407-A698-E383F240C16E}" type="datetimeFigureOut">
               <a:rPr lang="en-US" smtClean="0"/>
-              <a:t>10/28/2022</a:t>
+              <a:t>11/11/2022</a:t>
             </a:fld>
             <a:endParaRPr lang="en-US"/>
           </a:p>
@@ -4306,7 +4309,7 @@
           <a:p>
             <a:fld id="{E703ADCF-D804-4407-A698-E383F240C16E}" type="datetimeFigureOut">
               <a:rPr lang="en-US" smtClean="0"/>
-              <a:t>10/28/2022</a:t>
+              <a:t>11/11/2022</a:t>
             </a:fld>
             <a:endParaRPr lang="en-US"/>
           </a:p>
@@ -4569,7 +4572,7 @@
           <a:p>
             <a:fld id="{E703ADCF-D804-4407-A698-E383F240C16E}" type="datetimeFigureOut">
               <a:rPr lang="en-US" smtClean="0"/>
-              <a:t>10/28/2022</a:t>
+              <a:t>11/11/2022</a:t>
             </a:fld>
             <a:endParaRPr lang="en-US"/>
           </a:p>
@@ -5312,7 +5315,7 @@
           <a:p>
             <a:fld id="{E703ADCF-D804-4407-A698-E383F240C16E}" type="datetimeFigureOut">
               <a:rPr lang="en-US" smtClean="0"/>
-              <a:t>10/28/2022</a:t>
+              <a:t>11/11/2022</a:t>
             </a:fld>
             <a:endParaRPr lang="en-US"/>
           </a:p>
@@ -5970,1716 +5973,7 @@
 </p:sld>
 </file>
 
-<file path=ppt/slides/slide2.xml><?xml version="1.0" encoding="utf-8"?>
-<p:sld xmlns:a="http://schemas.openxmlformats.org/drawingml/2006/main" xmlns:r="http://schemas.openxmlformats.org/officeDocument/2006/relationships" xmlns:p="http://schemas.openxmlformats.org/presentationml/2006/main">
-  <p:cSld>
-    <p:spTree>
-      <p:nvGrpSpPr>
-        <p:cNvPr id="1" name=""/>
-        <p:cNvGrpSpPr/>
-        <p:nvPr/>
-      </p:nvGrpSpPr>
-      <p:grpSpPr>
-        <a:xfrm>
-          <a:off x="0" y="0"/>
-          <a:ext cx="0" cy="0"/>
-          <a:chOff x="0" y="0"/>
-          <a:chExt cx="0" cy="0"/>
-        </a:xfrm>
-      </p:grpSpPr>
-      <p:sp>
-        <p:nvSpPr>
-          <p:cNvPr id="2" name="Title 1">
-            <a:extLst>
-              <a:ext uri="{FF2B5EF4-FFF2-40B4-BE49-F238E27FC236}">
-                <a16:creationId xmlns:a16="http://schemas.microsoft.com/office/drawing/2014/main" id="{C6110672-D7B6-4F61-976D-1D3081B60450}"/>
-              </a:ext>
-            </a:extLst>
-          </p:cNvPr>
-          <p:cNvSpPr>
-            <a:spLocks noGrp="1"/>
-          </p:cNvSpPr>
-          <p:nvPr>
-            <p:ph type="title"/>
-          </p:nvPr>
-        </p:nvSpPr>
-        <p:spPr/>
-        <p:txBody>
-          <a:bodyPr>
-            <a:normAutofit fontScale="90000"/>
-          </a:bodyPr>
-          <a:lstStyle/>
-          <a:p>
-            <a:pPr algn="ctr"/>
-            <a:r>
-              <a:rPr lang="en-US" b="1" dirty="0">
-                <a:solidFill>
-                  <a:schemeClr val="tx1"/>
-                </a:solidFill>
-              </a:rPr>
-              <a:t>Why Mark Zuckerberg and Sundar Pichai Are Worried About Productivity</a:t>
-            </a:r>
-            <a:br>
-              <a:rPr lang="en-US" b="1" dirty="0">
-                <a:solidFill>
-                  <a:schemeClr val="tx1"/>
-                </a:solidFill>
-              </a:rPr>
-            </a:br>
-            <a:endParaRPr lang="en-US" b="1" dirty="0">
-              <a:solidFill>
-                <a:schemeClr val="tx1"/>
-              </a:solidFill>
-            </a:endParaRPr>
-          </a:p>
-        </p:txBody>
-      </p:sp>
-      <p:sp>
-        <p:nvSpPr>
-          <p:cNvPr id="3" name="Content Placeholder 2">
-            <a:extLst>
-              <a:ext uri="{FF2B5EF4-FFF2-40B4-BE49-F238E27FC236}">
-                <a16:creationId xmlns:a16="http://schemas.microsoft.com/office/drawing/2014/main" id="{7442ABD1-7152-4662-B1AD-17066EABB32B}"/>
-              </a:ext>
-            </a:extLst>
-          </p:cNvPr>
-          <p:cNvSpPr>
-            <a:spLocks noGrp="1"/>
-          </p:cNvSpPr>
-          <p:nvPr>
-            <p:ph idx="1"/>
-          </p:nvPr>
-        </p:nvSpPr>
-        <p:spPr>
-          <a:xfrm>
-            <a:off x="677334" y="2250741"/>
-            <a:ext cx="3276479" cy="3880773"/>
-          </a:xfrm>
-        </p:spPr>
-        <p:txBody>
-          <a:bodyPr/>
-          <a:lstStyle/>
-          <a:p>
-            <a:pPr marL="0" indent="0" algn="just">
-              <a:buNone/>
-            </a:pPr>
-            <a:r>
-              <a:rPr lang="en-US" dirty="0">
-                <a:solidFill>
-                  <a:schemeClr val="tx1"/>
-                </a:solidFill>
-              </a:rPr>
-              <a:t>Mark Zuckerberg and Sundar Pichai have highlighted that tech companies probably have way too many employees, so many that there are people in these companies who are not working and are just chilling. While Pichai said this in a subtle way, Zuckerberg said recently, there are a "bunch of people at the company who shouldn't be here."</a:t>
-            </a:r>
-          </a:p>
-        </p:txBody>
-      </p:sp>
-      <p:pic>
-        <p:nvPicPr>
-          <p:cNvPr id="7" name="Picture 6">
-            <a:extLst>
-              <a:ext uri="{FF2B5EF4-FFF2-40B4-BE49-F238E27FC236}">
-                <a16:creationId xmlns:a16="http://schemas.microsoft.com/office/drawing/2014/main" id="{C15F5B1F-FC6D-48B9-89BB-44FEF25B50AB}"/>
-              </a:ext>
-            </a:extLst>
-          </p:cNvPr>
-          <p:cNvPicPr>
-            <a:picLocks noChangeAspect="1"/>
-          </p:cNvPicPr>
-          <p:nvPr/>
-        </p:nvPicPr>
-        <p:blipFill rotWithShape="1">
-          <a:blip r:embed="rId2">
-            <a:extLst>
-              <a:ext uri="{28A0092B-C50C-407E-A947-70E740481C1C}">
-                <a14:useLocalDpi xmlns:a14="http://schemas.microsoft.com/office/drawing/2010/main" val="0"/>
-              </a:ext>
-            </a:extLst>
-          </a:blip>
-          <a:srcRect r="25259"/>
-          <a:stretch/>
-        </p:blipFill>
-        <p:spPr>
-          <a:xfrm>
-            <a:off x="4416917" y="1905237"/>
-            <a:ext cx="4057382" cy="3619083"/>
-          </a:xfrm>
-          <a:prstGeom prst="rect">
-            <a:avLst/>
-          </a:prstGeom>
-        </p:spPr>
-      </p:pic>
-      <p:pic>
-        <p:nvPicPr>
-          <p:cNvPr id="5" name="Picture 4">
-            <a:extLst>
-              <a:ext uri="{FF2B5EF4-FFF2-40B4-BE49-F238E27FC236}">
-                <a16:creationId xmlns:a16="http://schemas.microsoft.com/office/drawing/2014/main" id="{1A36D565-3E64-421B-875C-B74476D6F1FD}"/>
-              </a:ext>
-            </a:extLst>
-          </p:cNvPr>
-          <p:cNvPicPr>
-            <a:picLocks noChangeAspect="1"/>
-          </p:cNvPicPr>
-          <p:nvPr/>
-        </p:nvPicPr>
-        <p:blipFill rotWithShape="1">
-          <a:blip r:embed="rId3">
-            <a:extLst>
-              <a:ext uri="{28A0092B-C50C-407E-A947-70E740481C1C}">
-                <a14:useLocalDpi xmlns:a14="http://schemas.microsoft.com/office/drawing/2010/main" val="0"/>
-              </a:ext>
-            </a:extLst>
-          </a:blip>
-          <a:srcRect l="20670" r="13243"/>
-          <a:stretch/>
-        </p:blipFill>
-        <p:spPr>
-          <a:xfrm>
-            <a:off x="7044743" y="3114321"/>
-            <a:ext cx="3431029" cy="3460270"/>
-          </a:xfrm>
-          <a:prstGeom prst="rect">
-            <a:avLst/>
-          </a:prstGeom>
-        </p:spPr>
-      </p:pic>
-      <p:sp>
-        <p:nvSpPr>
-          <p:cNvPr id="8" name="TextBox 7">
-            <a:extLst>
-              <a:ext uri="{FF2B5EF4-FFF2-40B4-BE49-F238E27FC236}">
-                <a16:creationId xmlns:a16="http://schemas.microsoft.com/office/drawing/2014/main" id="{9483E6CA-8E95-4B79-A092-D73EB2445AFE}"/>
-              </a:ext>
-            </a:extLst>
-          </p:cNvPr>
-          <p:cNvSpPr txBox="1"/>
-          <p:nvPr/>
-        </p:nvSpPr>
-        <p:spPr>
-          <a:xfrm>
-            <a:off x="677334" y="6259132"/>
-            <a:ext cx="4564367" cy="307777"/>
-          </a:xfrm>
-          <a:prstGeom prst="rect">
-            <a:avLst/>
-          </a:prstGeom>
-          <a:noFill/>
-        </p:spPr>
-        <p:txBody>
-          <a:bodyPr wrap="square" rtlCol="0">
-            <a:spAutoFit/>
-          </a:bodyPr>
-          <a:lstStyle/>
-          <a:p>
-            <a:r>
-              <a:rPr lang="en-US" sz="1400" u="sng" dirty="0"/>
-              <a:t>Source: www.theinformation.com</a:t>
-            </a:r>
-          </a:p>
-        </p:txBody>
-      </p:sp>
-    </p:spTree>
-    <p:extLst>
-      <p:ext uri="{BB962C8B-B14F-4D97-AF65-F5344CB8AC3E}">
-        <p14:creationId xmlns:p14="http://schemas.microsoft.com/office/powerpoint/2010/main" val="268017215"/>
-      </p:ext>
-    </p:extLst>
-  </p:cSld>
-  <p:clrMapOvr>
-    <a:masterClrMapping/>
-  </p:clrMapOvr>
-</p:sld>
-</file>
-
-<file path=ppt/slides/slide3.xml><?xml version="1.0" encoding="utf-8"?>
-<p:sld xmlns:a="http://schemas.openxmlformats.org/drawingml/2006/main" xmlns:r="http://schemas.openxmlformats.org/officeDocument/2006/relationships" xmlns:p="http://schemas.openxmlformats.org/presentationml/2006/main">
-  <p:cSld>
-    <p:spTree>
-      <p:nvGrpSpPr>
-        <p:cNvPr id="1" name=""/>
-        <p:cNvGrpSpPr/>
-        <p:nvPr/>
-      </p:nvGrpSpPr>
-      <p:grpSpPr>
-        <a:xfrm>
-          <a:off x="0" y="0"/>
-          <a:ext cx="0" cy="0"/>
-          <a:chOff x="0" y="0"/>
-          <a:chExt cx="0" cy="0"/>
-        </a:xfrm>
-      </p:grpSpPr>
-      <p:sp>
-        <p:nvSpPr>
-          <p:cNvPr id="2" name="Title 1">
-            <a:extLst>
-              <a:ext uri="{FF2B5EF4-FFF2-40B4-BE49-F238E27FC236}">
-                <a16:creationId xmlns:a16="http://schemas.microsoft.com/office/drawing/2014/main" id="{E51233A0-A55C-4DDD-913B-523AE49FCEAD}"/>
-              </a:ext>
-            </a:extLst>
-          </p:cNvPr>
-          <p:cNvSpPr>
-            <a:spLocks noGrp="1"/>
-          </p:cNvSpPr>
-          <p:nvPr>
-            <p:ph type="title"/>
-          </p:nvPr>
-        </p:nvSpPr>
-        <p:spPr>
-          <a:xfrm>
-            <a:off x="844760" y="860544"/>
-            <a:ext cx="8596668" cy="1000259"/>
-          </a:xfrm>
-        </p:spPr>
-        <p:txBody>
-          <a:bodyPr/>
-          <a:lstStyle/>
-          <a:p>
-            <a:pPr algn="ctr"/>
-            <a:r>
-              <a:rPr lang="en-US" b="1" dirty="0">
-                <a:solidFill>
-                  <a:schemeClr val="tx1"/>
-                </a:solidFill>
-              </a:rPr>
-              <a:t>Hypothesis </a:t>
-            </a:r>
-          </a:p>
-        </p:txBody>
-      </p:sp>
-      <p:sp>
-        <p:nvSpPr>
-          <p:cNvPr id="3" name="Content Placeholder 2">
-            <a:extLst>
-              <a:ext uri="{FF2B5EF4-FFF2-40B4-BE49-F238E27FC236}">
-                <a16:creationId xmlns:a16="http://schemas.microsoft.com/office/drawing/2014/main" id="{5A19DAB1-F1FA-44B7-95A2-76F2AF3C7E25}"/>
-              </a:ext>
-            </a:extLst>
-          </p:cNvPr>
-          <p:cNvSpPr>
-            <a:spLocks noGrp="1"/>
-          </p:cNvSpPr>
-          <p:nvPr>
-            <p:ph idx="1"/>
-          </p:nvPr>
-        </p:nvSpPr>
-        <p:spPr>
-          <a:xfrm>
-            <a:off x="844760" y="2116683"/>
-            <a:ext cx="8596668" cy="3880773"/>
-          </a:xfrm>
-        </p:spPr>
-        <p:txBody>
-          <a:bodyPr>
-            <a:normAutofit/>
-          </a:bodyPr>
-          <a:lstStyle/>
-          <a:p>
-            <a:pPr marL="0" indent="0" algn="ctr">
-              <a:buNone/>
-            </a:pPr>
-            <a:r>
-              <a:rPr lang="en-US" sz="2800" dirty="0">
-                <a:solidFill>
-                  <a:schemeClr val="tx1"/>
-                </a:solidFill>
-              </a:rPr>
-              <a:t>Propose to calculate the productivity of employees and their contribution to the company, based on their behavior during the working day, as well as to identify the relationships between social indicators (gender, age, physical health) and employees performance</a:t>
-            </a:r>
-          </a:p>
-        </p:txBody>
-      </p:sp>
-    </p:spTree>
-    <p:extLst>
-      <p:ext uri="{BB962C8B-B14F-4D97-AF65-F5344CB8AC3E}">
-        <p14:creationId xmlns:p14="http://schemas.microsoft.com/office/powerpoint/2010/main" val="2508120313"/>
-      </p:ext>
-    </p:extLst>
-  </p:cSld>
-  <p:clrMapOvr>
-    <a:masterClrMapping/>
-  </p:clrMapOvr>
-</p:sld>
-</file>
-
-<file path=ppt/slides/slide4.xml><?xml version="1.0" encoding="utf-8"?>
-<p:sld xmlns:a="http://schemas.openxmlformats.org/drawingml/2006/main" xmlns:r="http://schemas.openxmlformats.org/officeDocument/2006/relationships" xmlns:p="http://schemas.openxmlformats.org/presentationml/2006/main">
-  <p:cSld>
-    <p:spTree>
-      <p:nvGrpSpPr>
-        <p:cNvPr id="1" name=""/>
-        <p:cNvGrpSpPr/>
-        <p:nvPr/>
-      </p:nvGrpSpPr>
-      <p:grpSpPr>
-        <a:xfrm>
-          <a:off x="0" y="0"/>
-          <a:ext cx="0" cy="0"/>
-          <a:chOff x="0" y="0"/>
-          <a:chExt cx="0" cy="0"/>
-        </a:xfrm>
-      </p:grpSpPr>
-      <p:sp>
-        <p:nvSpPr>
-          <p:cNvPr id="3" name="Content Placeholder 2">
-            <a:extLst>
-              <a:ext uri="{FF2B5EF4-FFF2-40B4-BE49-F238E27FC236}">
-                <a16:creationId xmlns:a16="http://schemas.microsoft.com/office/drawing/2014/main" id="{03265158-3E58-41F8-BB58-5E304248BB57}"/>
-              </a:ext>
-            </a:extLst>
-          </p:cNvPr>
-          <p:cNvSpPr>
-            <a:spLocks noGrp="1"/>
-          </p:cNvSpPr>
-          <p:nvPr>
-            <p:ph idx="1"/>
-          </p:nvPr>
-        </p:nvSpPr>
-        <p:spPr>
-          <a:xfrm>
-            <a:off x="844760" y="1255496"/>
-            <a:ext cx="9741674" cy="3880773"/>
-          </a:xfrm>
-        </p:spPr>
-        <p:txBody>
-          <a:bodyPr>
-            <a:noAutofit/>
-          </a:bodyPr>
-          <a:lstStyle/>
-          <a:p>
-            <a:r>
-              <a:rPr lang="en-US" sz="1600" dirty="0">
-                <a:solidFill>
-                  <a:schemeClr val="tx1"/>
-                </a:solidFill>
-              </a:rPr>
-              <a:t>How a worker’s mental lapses or physical accidents may indicate that he or she is becoming sick and may soon miss a day of work due to illness</a:t>
-            </a:r>
-          </a:p>
-          <a:p>
-            <a:endParaRPr lang="en-US" sz="1600" dirty="0">
-              <a:solidFill>
-                <a:schemeClr val="tx1"/>
-              </a:solidFill>
-            </a:endParaRPr>
-          </a:p>
-          <a:p>
-            <a:r>
-              <a:rPr lang="en-US" sz="1600" dirty="0">
-                <a:solidFill>
-                  <a:schemeClr val="tx1"/>
-                </a:solidFill>
-              </a:rPr>
-              <a:t>How workers’ Efficacy is influenced by the day of the week, day of the month, and month of the year</a:t>
-            </a:r>
-          </a:p>
-          <a:p>
-            <a:endParaRPr lang="en-US" sz="1600" dirty="0">
-              <a:solidFill>
-                <a:schemeClr val="tx1"/>
-              </a:solidFill>
-            </a:endParaRPr>
-          </a:p>
-          <a:p>
-            <a:r>
-              <a:rPr lang="en-US" sz="1600" dirty="0">
-                <a:solidFill>
-                  <a:schemeClr val="tx1"/>
-                </a:solidFill>
-              </a:rPr>
-              <a:t>How workers’ age impacts their average daily Efficacy</a:t>
-            </a:r>
-          </a:p>
-          <a:p>
-            <a:endParaRPr lang="en-US" sz="1600" dirty="0">
-              <a:solidFill>
-                <a:schemeClr val="tx1"/>
-              </a:solidFill>
-            </a:endParaRPr>
-          </a:p>
-          <a:p>
-            <a:r>
-              <a:rPr lang="en-US" sz="1600" dirty="0">
-                <a:solidFill>
-                  <a:schemeClr val="tx1"/>
-                </a:solidFill>
-              </a:rPr>
-              <a:t>How workers’ average daily Efficacy is influenced by the difference in age between them and their supervisor</a:t>
-            </a:r>
-          </a:p>
-          <a:p>
-            <a:endParaRPr lang="en-US" sz="1600" dirty="0">
-              <a:solidFill>
-                <a:schemeClr val="tx1"/>
-              </a:solidFill>
-            </a:endParaRPr>
-          </a:p>
-          <a:p>
-            <a:r>
-              <a:rPr lang="en-US" sz="1600" dirty="0">
-                <a:solidFill>
-                  <a:schemeClr val="tx1"/>
-                </a:solidFill>
-              </a:rPr>
-              <a:t>How a worker’s average daily Efficacy is influenced by whether he or she is working primarily with teammates of the same or opposite sex</a:t>
-            </a:r>
-          </a:p>
-          <a:p>
-            <a:endParaRPr lang="en-US" sz="1600" dirty="0">
-              <a:solidFill>
-                <a:schemeClr val="tx1"/>
-              </a:solidFill>
-            </a:endParaRPr>
-          </a:p>
-          <a:p>
-            <a:r>
-              <a:rPr lang="en-US" sz="1600" dirty="0">
-                <a:solidFill>
-                  <a:schemeClr val="tx1"/>
-                </a:solidFill>
-              </a:rPr>
-              <a:t>How workers can be classified into groups with high, moderate, or low daily Efficacy that is either relatively stable or highly variable</a:t>
-            </a:r>
-          </a:p>
-        </p:txBody>
-      </p:sp>
-      <p:sp>
-        <p:nvSpPr>
-          <p:cNvPr id="4" name="Title 1">
-            <a:extLst>
-              <a:ext uri="{FF2B5EF4-FFF2-40B4-BE49-F238E27FC236}">
-                <a16:creationId xmlns:a16="http://schemas.microsoft.com/office/drawing/2014/main" id="{7D89C4AB-1C81-4C7B-BE07-6DFD61B4218F}"/>
-              </a:ext>
-            </a:extLst>
-          </p:cNvPr>
-          <p:cNvSpPr>
-            <a:spLocks noGrp="1"/>
-          </p:cNvSpPr>
-          <p:nvPr>
-            <p:ph type="title"/>
-          </p:nvPr>
-        </p:nvSpPr>
-        <p:spPr>
-          <a:xfrm>
-            <a:off x="1417263" y="255237"/>
-            <a:ext cx="8596668" cy="1000259"/>
-          </a:xfrm>
-        </p:spPr>
-        <p:txBody>
-          <a:bodyPr/>
-          <a:lstStyle/>
-          <a:p>
-            <a:pPr algn="ctr"/>
-            <a:r>
-              <a:rPr lang="en-US" b="1" dirty="0">
-                <a:solidFill>
-                  <a:schemeClr val="tx1"/>
-                </a:solidFill>
-              </a:rPr>
-              <a:t>Assumptions </a:t>
-            </a:r>
-          </a:p>
-        </p:txBody>
-      </p:sp>
-    </p:spTree>
-    <p:extLst>
-      <p:ext uri="{BB962C8B-B14F-4D97-AF65-F5344CB8AC3E}">
-        <p14:creationId xmlns:p14="http://schemas.microsoft.com/office/powerpoint/2010/main" val="2749018585"/>
-      </p:ext>
-    </p:extLst>
-  </p:cSld>
-  <p:clrMapOvr>
-    <a:masterClrMapping/>
-  </p:clrMapOvr>
-</p:sld>
-</file>
-
-<file path=ppt/slides/slide5.xml><?xml version="1.0" encoding="utf-8"?>
-<p:sld xmlns:a="http://schemas.openxmlformats.org/drawingml/2006/main" xmlns:r="http://schemas.openxmlformats.org/officeDocument/2006/relationships" xmlns:p="http://schemas.openxmlformats.org/presentationml/2006/main">
-  <p:cSld>
-    <p:spTree>
-      <p:nvGrpSpPr>
-        <p:cNvPr id="1" name=""/>
-        <p:cNvGrpSpPr/>
-        <p:nvPr/>
-      </p:nvGrpSpPr>
-      <p:grpSpPr>
-        <a:xfrm>
-          <a:off x="0" y="0"/>
-          <a:ext cx="0" cy="0"/>
-          <a:chOff x="0" y="0"/>
-          <a:chExt cx="0" cy="0"/>
-        </a:xfrm>
-      </p:grpSpPr>
-      <p:sp>
-        <p:nvSpPr>
-          <p:cNvPr id="2" name="Title 1">
-            <a:extLst>
-              <a:ext uri="{FF2B5EF4-FFF2-40B4-BE49-F238E27FC236}">
-                <a16:creationId xmlns:a16="http://schemas.microsoft.com/office/drawing/2014/main" id="{1EC2513C-0C74-471D-8888-E82E8C870C8D}"/>
-              </a:ext>
-            </a:extLst>
-          </p:cNvPr>
-          <p:cNvSpPr>
-            <a:spLocks noGrp="1"/>
-          </p:cNvSpPr>
-          <p:nvPr>
-            <p:ph type="title"/>
-          </p:nvPr>
-        </p:nvSpPr>
-        <p:spPr>
-          <a:xfrm>
-            <a:off x="1388882" y="432561"/>
-            <a:ext cx="8596668" cy="1320800"/>
-          </a:xfrm>
-        </p:spPr>
-        <p:txBody>
-          <a:bodyPr/>
-          <a:lstStyle/>
-          <a:p>
-            <a:pPr algn="ctr"/>
-            <a:r>
-              <a:rPr lang="en-US" b="1" dirty="0">
-                <a:solidFill>
-                  <a:schemeClr val="tx1"/>
-                </a:solidFill>
-              </a:rPr>
-              <a:t>Dataset </a:t>
-            </a:r>
-          </a:p>
-        </p:txBody>
-      </p:sp>
-      <p:sp>
-        <p:nvSpPr>
-          <p:cNvPr id="4" name="TextBox 3">
-            <a:extLst>
-              <a:ext uri="{FF2B5EF4-FFF2-40B4-BE49-F238E27FC236}">
-                <a16:creationId xmlns:a16="http://schemas.microsoft.com/office/drawing/2014/main" id="{FED581A7-9D8F-48F6-B16E-8B8980BD1021}"/>
-              </a:ext>
-            </a:extLst>
-          </p:cNvPr>
-          <p:cNvSpPr txBox="1"/>
-          <p:nvPr/>
-        </p:nvSpPr>
-        <p:spPr>
-          <a:xfrm>
-            <a:off x="677334" y="6271551"/>
-            <a:ext cx="8762880" cy="307777"/>
-          </a:xfrm>
-          <a:prstGeom prst="rect">
-            <a:avLst/>
-          </a:prstGeom>
-          <a:noFill/>
-        </p:spPr>
-        <p:txBody>
-          <a:bodyPr wrap="square" rtlCol="0">
-            <a:spAutoFit/>
-          </a:bodyPr>
-          <a:lstStyle/>
-          <a:p>
-            <a:r>
-              <a:rPr lang="en-US" sz="1400" u="sng" dirty="0"/>
-              <a:t>Source: https://www.kaggle.com/datasets/gladdenme/factory-workers-daily-performance-attrition-s</a:t>
-            </a:r>
-          </a:p>
-        </p:txBody>
-      </p:sp>
-      <p:graphicFrame>
-        <p:nvGraphicFramePr>
-          <p:cNvPr id="5" name="Table 4">
-            <a:extLst>
-              <a:ext uri="{FF2B5EF4-FFF2-40B4-BE49-F238E27FC236}">
-                <a16:creationId xmlns:a16="http://schemas.microsoft.com/office/drawing/2014/main" id="{14240A6B-D5B4-45A7-B8D4-8DB2ABC6DDF7}"/>
-              </a:ext>
-            </a:extLst>
-          </p:cNvPr>
-          <p:cNvGraphicFramePr>
-            <a:graphicFrameLocks noGrp="1"/>
-          </p:cNvGraphicFramePr>
-          <p:nvPr>
-            <p:extLst>
-              <p:ext uri="{D42A27DB-BD31-4B8C-83A1-F6EECF244321}">
-                <p14:modId xmlns:p14="http://schemas.microsoft.com/office/powerpoint/2010/main" val="3118108847"/>
-              </p:ext>
-            </p:extLst>
-          </p:nvPr>
-        </p:nvGraphicFramePr>
-        <p:xfrm>
-          <a:off x="677333" y="1585088"/>
-          <a:ext cx="4358305" cy="4306010"/>
-        </p:xfrm>
-        <a:graphic>
-          <a:graphicData uri="http://schemas.openxmlformats.org/drawingml/2006/table">
-            <a:tbl>
-              <a:tblPr>
-                <a:tableStyleId>{5C22544A-7EE6-4342-B048-85BDC9FD1C3A}</a:tableStyleId>
-              </a:tblPr>
-              <a:tblGrid>
-                <a:gridCol w="2056919">
-                  <a:extLst>
-                    <a:ext uri="{9D8B030D-6E8A-4147-A177-3AD203B41FA5}">
-                      <a16:colId xmlns:a16="http://schemas.microsoft.com/office/drawing/2014/main" val="2793105781"/>
-                    </a:ext>
-                  </a:extLst>
-                </a:gridCol>
-                <a:gridCol w="2301386">
-                  <a:extLst>
-                    <a:ext uri="{9D8B030D-6E8A-4147-A177-3AD203B41FA5}">
-                      <a16:colId xmlns:a16="http://schemas.microsoft.com/office/drawing/2014/main" val="2479607014"/>
-                    </a:ext>
-                  </a:extLst>
-                </a:gridCol>
-              </a:tblGrid>
-              <a:tr h="934859">
-                <a:tc gridSpan="2">
-                  <a:txBody>
-                    <a:bodyPr/>
-                    <a:lstStyle/>
-                    <a:p>
-                      <a:pPr algn="ctr" fontAlgn="b"/>
-                      <a:r>
-                        <a:rPr lang="en-US" sz="2000" b="1" u="none" strike="noStrike" dirty="0">
-                          <a:effectLst/>
-                          <a:latin typeface="+mn-lt"/>
-                        </a:rPr>
-                        <a:t>Types of observations</a:t>
-                      </a:r>
-                      <a:endParaRPr lang="en-US" sz="2000" b="1" i="0" u="none" strike="noStrike" dirty="0">
-                        <a:solidFill>
-                          <a:srgbClr val="000000"/>
-                        </a:solidFill>
-                        <a:effectLst/>
-                        <a:latin typeface="+mn-lt"/>
-                      </a:endParaRPr>
-                    </a:p>
-                    <a:p>
-                      <a:pPr algn="ctr" fontAlgn="b"/>
-                      <a:r>
-                        <a:rPr lang="en-US" sz="2000" b="0" u="none" strike="noStrike" dirty="0">
-                          <a:effectLst/>
-                          <a:latin typeface="+mn-lt"/>
-                        </a:rPr>
-                        <a:t> </a:t>
-                      </a:r>
-                      <a:endParaRPr lang="en-US" sz="2000" b="0" i="0" u="none" strike="noStrike" dirty="0">
-                        <a:solidFill>
-                          <a:srgbClr val="000000"/>
-                        </a:solidFill>
-                        <a:effectLst/>
-                        <a:latin typeface="+mn-lt"/>
-                      </a:endParaRPr>
-                    </a:p>
-                  </a:txBody>
-                  <a:tcPr marL="9525" marR="9525" marT="9525" marB="0" anchor="b"/>
-                </a:tc>
-                <a:tc hMerge="1">
-                  <a:txBody>
-                    <a:bodyPr/>
-                    <a:lstStyle/>
-                    <a:p>
-                      <a:pPr algn="ctr" fontAlgn="b"/>
-                      <a:endParaRPr lang="en-US" sz="1000" b="0" i="0" u="none" strike="noStrike" dirty="0">
-                        <a:solidFill>
-                          <a:srgbClr val="000000"/>
-                        </a:solidFill>
-                        <a:effectLst/>
-                        <a:latin typeface="Arial" panose="020B0604020202020204" pitchFamily="34" charset="0"/>
-                      </a:endParaRPr>
-                    </a:p>
-                  </a:txBody>
-                  <a:tcPr marL="9525" marR="9525" marT="9525" marB="0" anchor="b"/>
-                </a:tc>
-                <a:extLst>
-                  <a:ext uri="{0D108BD9-81ED-4DB2-BD59-A6C34878D82A}">
-                    <a16:rowId xmlns:a16="http://schemas.microsoft.com/office/drawing/2014/main" val="1435754470"/>
-                  </a:ext>
-                </a:extLst>
-              </a:tr>
-              <a:tr h="481593">
-                <a:tc>
-                  <a:txBody>
-                    <a:bodyPr/>
-                    <a:lstStyle/>
-                    <a:p>
-                      <a:pPr algn="ctr" fontAlgn="b"/>
-                      <a:r>
-                        <a:rPr lang="en-US" sz="2000" b="0" u="none" strike="noStrike" dirty="0">
-                          <a:effectLst/>
-                          <a:latin typeface="+mn-lt"/>
-                        </a:rPr>
-                        <a:t>Presence</a:t>
-                      </a:r>
-                      <a:endParaRPr lang="en-US" sz="2000" b="0" i="0" u="none" strike="noStrike" dirty="0">
-                        <a:solidFill>
-                          <a:srgbClr val="000000"/>
-                        </a:solidFill>
-                        <a:effectLst/>
-                        <a:latin typeface="+mn-lt"/>
-                      </a:endParaRPr>
-                    </a:p>
-                  </a:txBody>
-                  <a:tcPr marL="9525" marR="9525" marT="9525" marB="0" anchor="b"/>
-                </a:tc>
-                <a:tc>
-                  <a:txBody>
-                    <a:bodyPr/>
-                    <a:lstStyle/>
-                    <a:p>
-                      <a:pPr algn="ctr" fontAlgn="b"/>
-                      <a:r>
-                        <a:rPr lang="en-US" sz="2000" b="0" u="none" strike="noStrike">
-                          <a:effectLst/>
-                          <a:latin typeface="+mn-lt"/>
-                        </a:rPr>
-                        <a:t>Absence</a:t>
-                      </a:r>
-                      <a:endParaRPr lang="en-US" sz="2000" b="0" i="0" u="none" strike="noStrike">
-                        <a:solidFill>
-                          <a:srgbClr val="000000"/>
-                        </a:solidFill>
-                        <a:effectLst/>
-                        <a:latin typeface="+mn-lt"/>
-                      </a:endParaRPr>
-                    </a:p>
-                  </a:txBody>
-                  <a:tcPr marL="9525" marR="9525" marT="9525" marB="0" anchor="b"/>
-                </a:tc>
-                <a:extLst>
-                  <a:ext uri="{0D108BD9-81ED-4DB2-BD59-A6C34878D82A}">
-                    <a16:rowId xmlns:a16="http://schemas.microsoft.com/office/drawing/2014/main" val="2676661871"/>
-                  </a:ext>
-                </a:extLst>
-              </a:tr>
-              <a:tr h="481593">
-                <a:tc>
-                  <a:txBody>
-                    <a:bodyPr/>
-                    <a:lstStyle/>
-                    <a:p>
-                      <a:pPr algn="ctr" fontAlgn="b"/>
-                      <a:r>
-                        <a:rPr lang="en-US" sz="2000" b="0" u="none" strike="noStrike" dirty="0">
-                          <a:effectLst/>
-                          <a:latin typeface="+mn-lt"/>
-                        </a:rPr>
-                        <a:t>Efficacy</a:t>
-                      </a:r>
-                      <a:endParaRPr lang="en-US" sz="2000" b="0" i="0" u="none" strike="noStrike" dirty="0">
-                        <a:solidFill>
-                          <a:srgbClr val="000000"/>
-                        </a:solidFill>
-                        <a:effectLst/>
-                        <a:latin typeface="+mn-lt"/>
-                      </a:endParaRPr>
-                    </a:p>
-                  </a:txBody>
-                  <a:tcPr marL="9525" marR="9525" marT="9525" marB="0" anchor="b"/>
-                </a:tc>
-                <a:tc>
-                  <a:txBody>
-                    <a:bodyPr/>
-                    <a:lstStyle/>
-                    <a:p>
-                      <a:pPr algn="ctr" fontAlgn="b"/>
-                      <a:r>
-                        <a:rPr lang="en-US" sz="2000" b="0" u="none" strike="noStrike" dirty="0">
-                          <a:effectLst/>
-                          <a:latin typeface="+mn-lt"/>
-                        </a:rPr>
-                        <a:t>Disruption</a:t>
-                      </a:r>
-                      <a:endParaRPr lang="en-US" sz="2000" b="0" i="0" u="none" strike="noStrike" dirty="0">
-                        <a:solidFill>
-                          <a:srgbClr val="000000"/>
-                        </a:solidFill>
-                        <a:effectLst/>
-                        <a:latin typeface="+mn-lt"/>
-                      </a:endParaRPr>
-                    </a:p>
-                  </a:txBody>
-                  <a:tcPr marL="9525" marR="9525" marT="9525" marB="0" anchor="b"/>
-                </a:tc>
-                <a:extLst>
-                  <a:ext uri="{0D108BD9-81ED-4DB2-BD59-A6C34878D82A}">
-                    <a16:rowId xmlns:a16="http://schemas.microsoft.com/office/drawing/2014/main" val="2091029656"/>
-                  </a:ext>
-                </a:extLst>
-              </a:tr>
-              <a:tr h="481593">
-                <a:tc>
-                  <a:txBody>
-                    <a:bodyPr/>
-                    <a:lstStyle/>
-                    <a:p>
-                      <a:pPr algn="ctr" fontAlgn="b"/>
-                      <a:r>
-                        <a:rPr lang="en-US" sz="2000" b="0" u="none" strike="noStrike" dirty="0">
-                          <a:effectLst/>
-                          <a:latin typeface="+mn-lt"/>
-                        </a:rPr>
-                        <a:t>Feat</a:t>
-                      </a:r>
-                      <a:endParaRPr lang="en-US" sz="2000" b="0" i="0" u="none" strike="noStrike" dirty="0">
-                        <a:solidFill>
-                          <a:srgbClr val="000000"/>
-                        </a:solidFill>
-                        <a:effectLst/>
-                        <a:latin typeface="+mn-lt"/>
-                      </a:endParaRPr>
-                    </a:p>
-                  </a:txBody>
-                  <a:tcPr marL="9525" marR="9525" marT="9525" marB="0" anchor="b"/>
-                </a:tc>
-                <a:tc>
-                  <a:txBody>
-                    <a:bodyPr/>
-                    <a:lstStyle/>
-                    <a:p>
-                      <a:pPr algn="ctr" fontAlgn="b"/>
-                      <a:r>
-                        <a:rPr lang="en-US" sz="2000" b="0" u="none" strike="noStrike">
-                          <a:effectLst/>
-                          <a:latin typeface="+mn-lt"/>
-                        </a:rPr>
-                        <a:t>Resignation</a:t>
-                      </a:r>
-                      <a:endParaRPr lang="en-US" sz="2000" b="0" i="0" u="none" strike="noStrike">
-                        <a:solidFill>
-                          <a:srgbClr val="000000"/>
-                        </a:solidFill>
-                        <a:effectLst/>
-                        <a:latin typeface="+mn-lt"/>
-                      </a:endParaRPr>
-                    </a:p>
-                  </a:txBody>
-                  <a:tcPr marL="9525" marR="9525" marT="9525" marB="0" anchor="b"/>
-                </a:tc>
-                <a:extLst>
-                  <a:ext uri="{0D108BD9-81ED-4DB2-BD59-A6C34878D82A}">
-                    <a16:rowId xmlns:a16="http://schemas.microsoft.com/office/drawing/2014/main" val="2897962068"/>
-                  </a:ext>
-                </a:extLst>
-              </a:tr>
-              <a:tr h="481593">
-                <a:tc>
-                  <a:txBody>
-                    <a:bodyPr/>
-                    <a:lstStyle/>
-                    <a:p>
-                      <a:pPr algn="ctr" fontAlgn="b"/>
-                      <a:r>
-                        <a:rPr lang="en-US" sz="2000" b="0" u="none" strike="noStrike" dirty="0">
-                          <a:effectLst/>
-                          <a:latin typeface="+mn-lt"/>
-                        </a:rPr>
-                        <a:t>Slip</a:t>
-                      </a:r>
-                      <a:endParaRPr lang="en-US" sz="2000" b="0" i="0" u="none" strike="noStrike" dirty="0">
-                        <a:solidFill>
-                          <a:srgbClr val="000000"/>
-                        </a:solidFill>
-                        <a:effectLst/>
-                        <a:latin typeface="+mn-lt"/>
-                      </a:endParaRPr>
-                    </a:p>
-                  </a:txBody>
-                  <a:tcPr marL="9525" marR="9525" marT="9525" marB="0" anchor="b"/>
-                </a:tc>
-                <a:tc>
-                  <a:txBody>
-                    <a:bodyPr/>
-                    <a:lstStyle/>
-                    <a:p>
-                      <a:pPr algn="ctr" fontAlgn="b"/>
-                      <a:r>
-                        <a:rPr lang="en-US" sz="2000" b="0" u="none" strike="noStrike" dirty="0">
-                          <a:effectLst/>
-                          <a:latin typeface="+mn-lt"/>
-                        </a:rPr>
-                        <a:t>None</a:t>
-                      </a:r>
-                      <a:endParaRPr lang="en-US" sz="2000" b="0" i="0" u="none" strike="noStrike" dirty="0">
-                        <a:solidFill>
-                          <a:srgbClr val="000000"/>
-                        </a:solidFill>
-                        <a:effectLst/>
-                        <a:latin typeface="+mn-lt"/>
-                      </a:endParaRPr>
-                    </a:p>
-                  </a:txBody>
-                  <a:tcPr marL="9525" marR="9525" marT="9525" marB="0" anchor="b"/>
-                </a:tc>
-                <a:extLst>
-                  <a:ext uri="{0D108BD9-81ED-4DB2-BD59-A6C34878D82A}">
-                    <a16:rowId xmlns:a16="http://schemas.microsoft.com/office/drawing/2014/main" val="3478834267"/>
-                  </a:ext>
-                </a:extLst>
-              </a:tr>
-              <a:tr h="481593">
-                <a:tc>
-                  <a:txBody>
-                    <a:bodyPr/>
-                    <a:lstStyle/>
-                    <a:p>
-                      <a:pPr algn="ctr" fontAlgn="b"/>
-                      <a:r>
-                        <a:rPr lang="en-US" sz="2000" b="0" u="none" strike="noStrike" dirty="0">
-                          <a:effectLst/>
-                          <a:latin typeface="+mn-lt"/>
-                        </a:rPr>
-                        <a:t>Sacrifice</a:t>
-                      </a:r>
-                      <a:endParaRPr lang="en-US" sz="2000" b="0" i="0" u="none" strike="noStrike" dirty="0">
-                        <a:solidFill>
-                          <a:srgbClr val="000000"/>
-                        </a:solidFill>
-                        <a:effectLst/>
-                        <a:latin typeface="+mn-lt"/>
-                      </a:endParaRPr>
-                    </a:p>
-                  </a:txBody>
-                  <a:tcPr marL="9525" marR="9525" marT="9525" marB="0" anchor="b"/>
-                </a:tc>
-                <a:tc>
-                  <a:txBody>
-                    <a:bodyPr/>
-                    <a:lstStyle/>
-                    <a:p>
-                      <a:pPr algn="ctr" fontAlgn="b"/>
-                      <a:r>
-                        <a:rPr lang="en-US" sz="2000" b="0" u="none" strike="noStrike" dirty="0">
-                          <a:effectLst/>
-                          <a:latin typeface="+mn-lt"/>
-                        </a:rPr>
-                        <a:t>Onboarding</a:t>
-                      </a:r>
-                      <a:endParaRPr lang="en-US" sz="2000" b="0" i="0" u="none" strike="noStrike" dirty="0">
-                        <a:solidFill>
-                          <a:srgbClr val="000000"/>
-                        </a:solidFill>
-                        <a:effectLst/>
-                        <a:latin typeface="+mn-lt"/>
-                      </a:endParaRPr>
-                    </a:p>
-                  </a:txBody>
-                  <a:tcPr marL="9525" marR="9525" marT="9525" marB="0" anchor="b"/>
-                </a:tc>
-                <a:extLst>
-                  <a:ext uri="{0D108BD9-81ED-4DB2-BD59-A6C34878D82A}">
-                    <a16:rowId xmlns:a16="http://schemas.microsoft.com/office/drawing/2014/main" val="1838128336"/>
-                  </a:ext>
-                </a:extLst>
-              </a:tr>
-              <a:tr h="481593">
-                <a:tc>
-                  <a:txBody>
-                    <a:bodyPr/>
-                    <a:lstStyle/>
-                    <a:p>
-                      <a:pPr algn="ctr" fontAlgn="b"/>
-                      <a:r>
-                        <a:rPr lang="en-US" sz="2000" b="0" u="none" strike="noStrike">
-                          <a:effectLst/>
-                          <a:latin typeface="+mn-lt"/>
-                        </a:rPr>
-                        <a:t>Lapse</a:t>
-                      </a:r>
-                      <a:endParaRPr lang="en-US" sz="2000" b="0" i="0" u="none" strike="noStrike">
-                        <a:solidFill>
-                          <a:srgbClr val="000000"/>
-                        </a:solidFill>
-                        <a:effectLst/>
-                        <a:latin typeface="+mn-lt"/>
-                      </a:endParaRPr>
-                    </a:p>
-                  </a:txBody>
-                  <a:tcPr marL="9525" marR="9525" marT="9525" marB="0" anchor="b"/>
-                </a:tc>
-                <a:tc>
-                  <a:txBody>
-                    <a:bodyPr/>
-                    <a:lstStyle/>
-                    <a:p>
-                      <a:pPr algn="ctr" fontAlgn="b"/>
-                      <a:r>
-                        <a:rPr lang="en-US" sz="2000" b="0" u="none" strike="noStrike" dirty="0">
-                          <a:effectLst/>
-                          <a:latin typeface="+mn-lt"/>
-                        </a:rPr>
-                        <a:t>Sabotage</a:t>
-                      </a:r>
-                      <a:endParaRPr lang="en-US" sz="2000" b="0" i="0" u="none" strike="noStrike" dirty="0">
-                        <a:solidFill>
-                          <a:srgbClr val="000000"/>
-                        </a:solidFill>
-                        <a:effectLst/>
-                        <a:latin typeface="+mn-lt"/>
-                      </a:endParaRPr>
-                    </a:p>
-                  </a:txBody>
-                  <a:tcPr marL="9525" marR="9525" marT="9525" marB="0" anchor="b"/>
-                </a:tc>
-                <a:extLst>
-                  <a:ext uri="{0D108BD9-81ED-4DB2-BD59-A6C34878D82A}">
-                    <a16:rowId xmlns:a16="http://schemas.microsoft.com/office/drawing/2014/main" val="4120609545"/>
-                  </a:ext>
-                </a:extLst>
-              </a:tr>
-              <a:tr h="481593">
-                <a:tc>
-                  <a:txBody>
-                    <a:bodyPr/>
-                    <a:lstStyle/>
-                    <a:p>
-                      <a:pPr algn="ctr" fontAlgn="b"/>
-                      <a:r>
-                        <a:rPr lang="en-US" sz="2000" b="0" u="none" strike="noStrike">
-                          <a:effectLst/>
-                          <a:latin typeface="+mn-lt"/>
-                        </a:rPr>
-                        <a:t>Idea</a:t>
-                      </a:r>
-                      <a:endParaRPr lang="en-US" sz="2000" b="0" i="0" u="none" strike="noStrike">
-                        <a:solidFill>
-                          <a:srgbClr val="000000"/>
-                        </a:solidFill>
-                        <a:effectLst/>
-                        <a:latin typeface="+mn-lt"/>
-                      </a:endParaRPr>
-                    </a:p>
-                  </a:txBody>
-                  <a:tcPr marL="9525" marR="9525" marT="9525" marB="0" anchor="b"/>
-                </a:tc>
-                <a:tc>
-                  <a:txBody>
-                    <a:bodyPr/>
-                    <a:lstStyle/>
-                    <a:p>
-                      <a:pPr algn="ctr" fontAlgn="b"/>
-                      <a:r>
-                        <a:rPr lang="en-US" sz="2000" b="0" u="none" strike="noStrike" dirty="0">
-                          <a:effectLst/>
-                          <a:latin typeface="+mn-lt"/>
-                        </a:rPr>
-                        <a:t>Teamwork</a:t>
-                      </a:r>
-                      <a:endParaRPr lang="en-US" sz="2000" b="0" i="0" u="none" strike="noStrike" dirty="0">
-                        <a:solidFill>
-                          <a:srgbClr val="000000"/>
-                        </a:solidFill>
-                        <a:effectLst/>
-                        <a:latin typeface="+mn-lt"/>
-                      </a:endParaRPr>
-                    </a:p>
-                  </a:txBody>
-                  <a:tcPr marL="9525" marR="9525" marT="9525" marB="0" anchor="b"/>
-                </a:tc>
-                <a:extLst>
-                  <a:ext uri="{0D108BD9-81ED-4DB2-BD59-A6C34878D82A}">
-                    <a16:rowId xmlns:a16="http://schemas.microsoft.com/office/drawing/2014/main" val="808102243"/>
-                  </a:ext>
-                </a:extLst>
-              </a:tr>
-            </a:tbl>
-          </a:graphicData>
-        </a:graphic>
-      </p:graphicFrame>
-      <p:sp>
-        <p:nvSpPr>
-          <p:cNvPr id="6" name="Content Placeholder 2">
-            <a:extLst>
-              <a:ext uri="{FF2B5EF4-FFF2-40B4-BE49-F238E27FC236}">
-                <a16:creationId xmlns:a16="http://schemas.microsoft.com/office/drawing/2014/main" id="{BD2B4F92-DEAB-4AEC-9F9B-A94282D574D0}"/>
-              </a:ext>
-            </a:extLst>
-          </p:cNvPr>
-          <p:cNvSpPr>
-            <a:spLocks noGrp="1"/>
-          </p:cNvSpPr>
-          <p:nvPr>
-            <p:ph idx="1"/>
-          </p:nvPr>
-        </p:nvSpPr>
-        <p:spPr>
-          <a:xfrm>
-            <a:off x="5687216" y="2544666"/>
-            <a:ext cx="8596668" cy="3880773"/>
-          </a:xfrm>
-        </p:spPr>
-        <p:txBody>
-          <a:bodyPr>
-            <a:normAutofit/>
-          </a:bodyPr>
-          <a:lstStyle/>
-          <a:p>
-            <a:pPr marL="0" indent="0">
-              <a:buNone/>
-            </a:pPr>
-            <a:r>
-              <a:rPr lang="en-US" sz="2800" dirty="0">
-                <a:solidFill>
-                  <a:schemeClr val="tx1"/>
-                </a:solidFill>
-              </a:rPr>
-              <a:t>42 columns</a:t>
-            </a:r>
-          </a:p>
-          <a:p>
-            <a:pPr marL="0" indent="0">
-              <a:buNone/>
-            </a:pPr>
-            <a:r>
-              <a:rPr lang="en-US" sz="2800" dirty="0">
-                <a:solidFill>
-                  <a:schemeClr val="tx1"/>
-                </a:solidFill>
-              </a:rPr>
-              <a:t>411,948+ rows</a:t>
-            </a:r>
-          </a:p>
-          <a:p>
-            <a:pPr marL="0" indent="0">
-              <a:buNone/>
-            </a:pPr>
-            <a:r>
-              <a:rPr lang="en-US" sz="2800" dirty="0">
-                <a:solidFill>
-                  <a:schemeClr val="tx1"/>
-                </a:solidFill>
-              </a:rPr>
-              <a:t>14 types of observations</a:t>
-            </a:r>
-          </a:p>
-          <a:p>
-            <a:pPr marL="0" indent="0">
-              <a:buNone/>
-            </a:pPr>
-            <a:r>
-              <a:rPr lang="en-US" sz="2800" dirty="0">
-                <a:solidFill>
-                  <a:schemeClr val="tx1"/>
-                </a:solidFill>
-              </a:rPr>
-              <a:t>687 persons</a:t>
-            </a:r>
-          </a:p>
-        </p:txBody>
-      </p:sp>
-    </p:spTree>
-    <p:extLst>
-      <p:ext uri="{BB962C8B-B14F-4D97-AF65-F5344CB8AC3E}">
-        <p14:creationId xmlns:p14="http://schemas.microsoft.com/office/powerpoint/2010/main" val="383205093"/>
-      </p:ext>
-    </p:extLst>
-  </p:cSld>
-  <p:clrMapOvr>
-    <a:masterClrMapping/>
-  </p:clrMapOvr>
-</p:sld>
-</file>
-
-<file path=ppt/slides/slide6.xml><?xml version="1.0" encoding="utf-8"?>
-<p:sld xmlns:a="http://schemas.openxmlformats.org/drawingml/2006/main" xmlns:r="http://schemas.openxmlformats.org/officeDocument/2006/relationships" xmlns:p="http://schemas.openxmlformats.org/presentationml/2006/main">
-  <p:cSld>
-    <p:spTree>
-      <p:nvGrpSpPr>
-        <p:cNvPr id="1" name=""/>
-        <p:cNvGrpSpPr/>
-        <p:nvPr/>
-      </p:nvGrpSpPr>
-      <p:grpSpPr>
-        <a:xfrm>
-          <a:off x="0" y="0"/>
-          <a:ext cx="0" cy="0"/>
-          <a:chOff x="0" y="0"/>
-          <a:chExt cx="0" cy="0"/>
-        </a:xfrm>
-      </p:grpSpPr>
-      <p:sp>
-        <p:nvSpPr>
-          <p:cNvPr id="4" name="Title 1">
-            <a:extLst>
-              <a:ext uri="{FF2B5EF4-FFF2-40B4-BE49-F238E27FC236}">
-                <a16:creationId xmlns:a16="http://schemas.microsoft.com/office/drawing/2014/main" id="{B1642EBD-7087-4CB8-A13D-192E389F764F}"/>
-              </a:ext>
-            </a:extLst>
-          </p:cNvPr>
-          <p:cNvSpPr>
-            <a:spLocks noGrp="1"/>
-          </p:cNvSpPr>
-          <p:nvPr>
-            <p:ph type="title"/>
-          </p:nvPr>
-        </p:nvSpPr>
-        <p:spPr>
-          <a:xfrm>
-            <a:off x="1388882" y="728775"/>
-            <a:ext cx="8596668" cy="1320800"/>
-          </a:xfrm>
-        </p:spPr>
-        <p:txBody>
-          <a:bodyPr/>
-          <a:lstStyle/>
-          <a:p>
-            <a:pPr algn="ctr"/>
-            <a:r>
-              <a:rPr lang="en-US" b="1" dirty="0">
-                <a:solidFill>
-                  <a:schemeClr val="tx1"/>
-                </a:solidFill>
-              </a:rPr>
-              <a:t>Events classification</a:t>
-            </a:r>
-          </a:p>
-        </p:txBody>
-      </p:sp>
-      <p:graphicFrame>
-        <p:nvGraphicFramePr>
-          <p:cNvPr id="5" name="Table 5">
-            <a:extLst>
-              <a:ext uri="{FF2B5EF4-FFF2-40B4-BE49-F238E27FC236}">
-                <a16:creationId xmlns:a16="http://schemas.microsoft.com/office/drawing/2014/main" id="{9F225FF0-30CA-4662-9698-F667AA08F9D2}"/>
-              </a:ext>
-            </a:extLst>
-          </p:cNvPr>
-          <p:cNvGraphicFramePr>
-            <a:graphicFrameLocks noGrp="1"/>
-          </p:cNvGraphicFramePr>
-          <p:nvPr>
-            <p:extLst>
-              <p:ext uri="{D42A27DB-BD31-4B8C-83A1-F6EECF244321}">
-                <p14:modId xmlns:p14="http://schemas.microsoft.com/office/powerpoint/2010/main" val="266185310"/>
-              </p:ext>
-            </p:extLst>
-          </p:nvPr>
-        </p:nvGraphicFramePr>
-        <p:xfrm>
-          <a:off x="2493495" y="2240280"/>
-          <a:ext cx="6387442" cy="2377440"/>
-        </p:xfrm>
-        <a:graphic>
-          <a:graphicData uri="http://schemas.openxmlformats.org/drawingml/2006/table">
-            <a:tbl>
-              <a:tblPr firstRow="1" bandRow="1">
-                <a:tableStyleId>{5C22544A-7EE6-4342-B048-85BDC9FD1C3A}</a:tableStyleId>
-              </a:tblPr>
-              <a:tblGrid>
-                <a:gridCol w="1740427">
-                  <a:extLst>
-                    <a:ext uri="{9D8B030D-6E8A-4147-A177-3AD203B41FA5}">
-                      <a16:colId xmlns:a16="http://schemas.microsoft.com/office/drawing/2014/main" val="2943657843"/>
-                    </a:ext>
-                  </a:extLst>
-                </a:gridCol>
-                <a:gridCol w="2470486">
-                  <a:extLst>
-                    <a:ext uri="{9D8B030D-6E8A-4147-A177-3AD203B41FA5}">
-                      <a16:colId xmlns:a16="http://schemas.microsoft.com/office/drawing/2014/main" val="2566809814"/>
-                    </a:ext>
-                  </a:extLst>
-                </a:gridCol>
-                <a:gridCol w="2176529">
-                  <a:extLst>
-                    <a:ext uri="{9D8B030D-6E8A-4147-A177-3AD203B41FA5}">
-                      <a16:colId xmlns:a16="http://schemas.microsoft.com/office/drawing/2014/main" val="1797990624"/>
-                    </a:ext>
-                  </a:extLst>
-                </a:gridCol>
-              </a:tblGrid>
-              <a:tr h="370840">
-                <a:tc>
-                  <a:txBody>
-                    <a:bodyPr/>
-                    <a:lstStyle/>
-                    <a:p>
-                      <a:pPr algn="ctr"/>
-                      <a:r>
-                        <a:rPr lang="en-US" sz="2000" dirty="0">
-                          <a:solidFill>
-                            <a:schemeClr val="tx1"/>
-                          </a:solidFill>
-                        </a:rPr>
-                        <a:t>GROUP 1</a:t>
-                      </a:r>
-                    </a:p>
-                  </a:txBody>
-                  <a:tcPr/>
-                </a:tc>
-                <a:tc>
-                  <a:txBody>
-                    <a:bodyPr/>
-                    <a:lstStyle/>
-                    <a:p>
-                      <a:pPr algn="ctr"/>
-                      <a:r>
-                        <a:rPr lang="en-US" sz="2000" dirty="0">
-                          <a:solidFill>
-                            <a:schemeClr val="tx1"/>
-                          </a:solidFill>
-                        </a:rPr>
-                        <a:t>GROUP 2</a:t>
-                      </a:r>
-                    </a:p>
-                  </a:txBody>
-                  <a:tcPr/>
-                </a:tc>
-                <a:tc>
-                  <a:txBody>
-                    <a:bodyPr/>
-                    <a:lstStyle/>
-                    <a:p>
-                      <a:pPr algn="ctr"/>
-                      <a:r>
-                        <a:rPr lang="en-US" sz="2000" dirty="0">
-                          <a:solidFill>
-                            <a:schemeClr val="tx1"/>
-                          </a:solidFill>
-                        </a:rPr>
-                        <a:t>GROUP 3</a:t>
-                      </a:r>
-                    </a:p>
-                  </a:txBody>
-                  <a:tcPr/>
-                </a:tc>
-                <a:extLst>
-                  <a:ext uri="{0D108BD9-81ED-4DB2-BD59-A6C34878D82A}">
-                    <a16:rowId xmlns:a16="http://schemas.microsoft.com/office/drawing/2014/main" val="2584714467"/>
-                  </a:ext>
-                </a:extLst>
-              </a:tr>
-              <a:tr h="370840">
-                <a:tc>
-                  <a:txBody>
-                    <a:bodyPr/>
-                    <a:lstStyle/>
-                    <a:p>
-                      <a:pPr algn="ctr"/>
-                      <a:r>
-                        <a:rPr lang="en-US" sz="2000" dirty="0">
-                          <a:solidFill>
-                            <a:schemeClr val="tx1"/>
-                          </a:solidFill>
-                        </a:rPr>
-                        <a:t>Onboarding</a:t>
-                      </a:r>
-                    </a:p>
-                  </a:txBody>
-                  <a:tcPr/>
-                </a:tc>
-                <a:tc>
-                  <a:txBody>
-                    <a:bodyPr/>
-                    <a:lstStyle/>
-                    <a:p>
-                      <a:pPr algn="ctr"/>
-                      <a:r>
-                        <a:rPr lang="en-US" sz="2000" dirty="0">
-                          <a:solidFill>
-                            <a:schemeClr val="tx1"/>
-                          </a:solidFill>
-                        </a:rPr>
-                        <a:t>Sacrifice</a:t>
-                      </a:r>
-                    </a:p>
-                  </a:txBody>
-                  <a:tcPr/>
-                </a:tc>
-                <a:tc>
-                  <a:txBody>
-                    <a:bodyPr/>
-                    <a:lstStyle/>
-                    <a:p>
-                      <a:pPr algn="ctr"/>
-                      <a:r>
-                        <a:rPr lang="en-US" sz="2000" dirty="0">
-                          <a:solidFill>
-                            <a:schemeClr val="tx1"/>
-                          </a:solidFill>
-                        </a:rPr>
-                        <a:t>Sabotage</a:t>
-                      </a:r>
-                    </a:p>
-                  </a:txBody>
-                  <a:tcPr/>
-                </a:tc>
-                <a:extLst>
-                  <a:ext uri="{0D108BD9-81ED-4DB2-BD59-A6C34878D82A}">
-                    <a16:rowId xmlns:a16="http://schemas.microsoft.com/office/drawing/2014/main" val="3277759244"/>
-                  </a:ext>
-                </a:extLst>
-              </a:tr>
-              <a:tr h="370840">
-                <a:tc>
-                  <a:txBody>
-                    <a:bodyPr/>
-                    <a:lstStyle/>
-                    <a:p>
-                      <a:pPr algn="ctr"/>
-                      <a:r>
-                        <a:rPr lang="en-US" sz="2000" dirty="0">
-                          <a:solidFill>
-                            <a:schemeClr val="tx1"/>
-                          </a:solidFill>
-                        </a:rPr>
-                        <a:t>Termination</a:t>
-                      </a:r>
-                    </a:p>
-                  </a:txBody>
-                  <a:tcPr/>
-                </a:tc>
-                <a:tc>
-                  <a:txBody>
-                    <a:bodyPr/>
-                    <a:lstStyle/>
-                    <a:p>
-                      <a:pPr algn="ctr"/>
-                      <a:r>
-                        <a:rPr lang="en-US" sz="2000" dirty="0">
-                          <a:solidFill>
-                            <a:schemeClr val="tx1"/>
-                          </a:solidFill>
-                        </a:rPr>
-                        <a:t>Teamwork</a:t>
-                      </a:r>
-                    </a:p>
-                  </a:txBody>
-                  <a:tcPr/>
-                </a:tc>
-                <a:tc>
-                  <a:txBody>
-                    <a:bodyPr/>
-                    <a:lstStyle/>
-                    <a:p>
-                      <a:pPr algn="ctr"/>
-                      <a:r>
-                        <a:rPr lang="en-US" sz="2000" dirty="0">
-                          <a:solidFill>
-                            <a:schemeClr val="tx1"/>
-                          </a:solidFill>
-                        </a:rPr>
-                        <a:t>Disruption</a:t>
-                      </a:r>
-                    </a:p>
-                  </a:txBody>
-                  <a:tcPr/>
-                </a:tc>
-                <a:extLst>
-                  <a:ext uri="{0D108BD9-81ED-4DB2-BD59-A6C34878D82A}">
-                    <a16:rowId xmlns:a16="http://schemas.microsoft.com/office/drawing/2014/main" val="1922792238"/>
-                  </a:ext>
-                </a:extLst>
-              </a:tr>
-              <a:tr h="370840">
-                <a:tc>
-                  <a:txBody>
-                    <a:bodyPr/>
-                    <a:lstStyle/>
-                    <a:p>
-                      <a:pPr algn="ctr"/>
-                      <a:r>
-                        <a:rPr lang="en-US" sz="2000" dirty="0">
-                          <a:solidFill>
-                            <a:schemeClr val="tx1"/>
-                          </a:solidFill>
-                        </a:rPr>
-                        <a:t>Resignation</a:t>
-                      </a:r>
-                    </a:p>
-                  </a:txBody>
-                  <a:tcPr/>
-                </a:tc>
-                <a:tc>
-                  <a:txBody>
-                    <a:bodyPr/>
-                    <a:lstStyle/>
-                    <a:p>
-                      <a:pPr algn="ctr"/>
-                      <a:r>
-                        <a:rPr lang="en-US" sz="2000" dirty="0">
-                          <a:solidFill>
-                            <a:schemeClr val="tx1"/>
-                          </a:solidFill>
-                        </a:rPr>
-                        <a:t>Idea</a:t>
-                      </a:r>
-                    </a:p>
-                  </a:txBody>
-                  <a:tcPr/>
-                </a:tc>
-                <a:tc>
-                  <a:txBody>
-                    <a:bodyPr/>
-                    <a:lstStyle/>
-                    <a:p>
-                      <a:pPr algn="ctr"/>
-                      <a:r>
-                        <a:rPr lang="en-US" sz="2000" dirty="0">
-                          <a:solidFill>
-                            <a:schemeClr val="tx1"/>
-                          </a:solidFill>
-                        </a:rPr>
-                        <a:t>Slip</a:t>
-                      </a:r>
-                    </a:p>
-                  </a:txBody>
-                  <a:tcPr/>
-                </a:tc>
-                <a:extLst>
-                  <a:ext uri="{0D108BD9-81ED-4DB2-BD59-A6C34878D82A}">
-                    <a16:rowId xmlns:a16="http://schemas.microsoft.com/office/drawing/2014/main" val="3659021536"/>
-                  </a:ext>
-                </a:extLst>
-              </a:tr>
-              <a:tr h="0">
-                <a:tc>
-                  <a:txBody>
-                    <a:bodyPr/>
-                    <a:lstStyle/>
-                    <a:p>
-                      <a:pPr algn="ctr"/>
-                      <a:r>
-                        <a:rPr lang="en-US" sz="2000" dirty="0">
-                          <a:solidFill>
-                            <a:schemeClr val="tx1"/>
-                          </a:solidFill>
-                        </a:rPr>
-                        <a:t>Presence</a:t>
-                      </a:r>
-                    </a:p>
-                  </a:txBody>
-                  <a:tcPr/>
-                </a:tc>
-                <a:tc>
-                  <a:txBody>
-                    <a:bodyPr/>
-                    <a:lstStyle/>
-                    <a:p>
-                      <a:pPr marL="0" marR="0" lvl="0" indent="0" algn="ctr" defTabSz="457200" rtl="0" eaLnBrk="1" fontAlgn="auto" latinLnBrk="0" hangingPunct="1">
-                        <a:lnSpc>
-                          <a:spcPct val="100000"/>
-                        </a:lnSpc>
-                        <a:spcBef>
-                          <a:spcPts val="0"/>
-                        </a:spcBef>
-                        <a:spcAft>
-                          <a:spcPts val="0"/>
-                        </a:spcAft>
-                        <a:buClrTx/>
-                        <a:buSzTx/>
-                        <a:buFontTx/>
-                        <a:buNone/>
-                        <a:tabLst/>
-                        <a:defRPr/>
-                      </a:pPr>
-                      <a:r>
-                        <a:rPr lang="en-US" sz="2000" dirty="0">
-                          <a:solidFill>
-                            <a:schemeClr val="tx1"/>
-                          </a:solidFill>
-                        </a:rPr>
-                        <a:t>Feat</a:t>
-                      </a:r>
-                    </a:p>
-                  </a:txBody>
-                  <a:tcPr/>
-                </a:tc>
-                <a:tc>
-                  <a:txBody>
-                    <a:bodyPr/>
-                    <a:lstStyle/>
-                    <a:p>
-                      <a:pPr algn="ctr"/>
-                      <a:r>
-                        <a:rPr lang="en-US" sz="2000" dirty="0">
-                          <a:solidFill>
-                            <a:schemeClr val="tx1"/>
-                          </a:solidFill>
-                        </a:rPr>
-                        <a:t>Lapse</a:t>
-                      </a:r>
-                    </a:p>
-                  </a:txBody>
-                  <a:tcPr/>
-                </a:tc>
-                <a:extLst>
-                  <a:ext uri="{0D108BD9-81ED-4DB2-BD59-A6C34878D82A}">
-                    <a16:rowId xmlns:a16="http://schemas.microsoft.com/office/drawing/2014/main" val="3755534510"/>
-                  </a:ext>
-                </a:extLst>
-              </a:tr>
-              <a:tr h="370840">
-                <a:tc>
-                  <a:txBody>
-                    <a:bodyPr/>
-                    <a:lstStyle/>
-                    <a:p>
-                      <a:pPr algn="ctr"/>
-                      <a:r>
-                        <a:rPr lang="en-US" sz="2000" dirty="0">
-                          <a:solidFill>
-                            <a:schemeClr val="tx1"/>
-                          </a:solidFill>
-                        </a:rPr>
-                        <a:t>Efficacy</a:t>
-                      </a:r>
-                    </a:p>
-                  </a:txBody>
-                  <a:tcPr/>
-                </a:tc>
-                <a:tc>
-                  <a:txBody>
-                    <a:bodyPr/>
-                    <a:lstStyle/>
-                    <a:p>
-                      <a:pPr algn="ctr"/>
-                      <a:endParaRPr lang="en-US" sz="2000">
-                        <a:solidFill>
-                          <a:schemeClr val="tx1"/>
-                        </a:solidFill>
-                      </a:endParaRPr>
-                    </a:p>
-                  </a:txBody>
-                  <a:tcPr/>
-                </a:tc>
-                <a:tc>
-                  <a:txBody>
-                    <a:bodyPr/>
-                    <a:lstStyle/>
-                    <a:p>
-                      <a:pPr algn="ctr"/>
-                      <a:endParaRPr lang="en-US" sz="2000" dirty="0">
-                        <a:solidFill>
-                          <a:schemeClr val="tx1"/>
-                        </a:solidFill>
-                      </a:endParaRPr>
-                    </a:p>
-                  </a:txBody>
-                  <a:tcPr/>
-                </a:tc>
-                <a:extLst>
-                  <a:ext uri="{0D108BD9-81ED-4DB2-BD59-A6C34878D82A}">
-                    <a16:rowId xmlns:a16="http://schemas.microsoft.com/office/drawing/2014/main" val="3293555467"/>
-                  </a:ext>
-                </a:extLst>
-              </a:tr>
-            </a:tbl>
-          </a:graphicData>
-        </a:graphic>
-      </p:graphicFrame>
-    </p:spTree>
-    <p:extLst>
-      <p:ext uri="{BB962C8B-B14F-4D97-AF65-F5344CB8AC3E}">
-        <p14:creationId xmlns:p14="http://schemas.microsoft.com/office/powerpoint/2010/main" val="3677621743"/>
-      </p:ext>
-    </p:extLst>
-  </p:cSld>
-  <p:clrMapOvr>
-    <a:masterClrMapping/>
-  </p:clrMapOvr>
-</p:sld>
-</file>
-
-<file path=ppt/slides/slide7.xml><?xml version="1.0" encoding="utf-8"?>
+<file path=ppt/slides/slide10.xml><?xml version="1.0" encoding="utf-8"?>
 <p:sld xmlns:a="http://schemas.openxmlformats.org/drawingml/2006/main" xmlns:r="http://schemas.openxmlformats.org/officeDocument/2006/relationships" xmlns:p="http://schemas.openxmlformats.org/presentationml/2006/main">
   <p:cSld>
     <p:spTree>
@@ -8342,6 +6636,1156 @@
 </p:sld>
 </file>
 
+<file path=ppt/slides/slide11.xml><?xml version="1.0" encoding="utf-8"?>
+<p:sld xmlns:a="http://schemas.openxmlformats.org/drawingml/2006/main" xmlns:r="http://schemas.openxmlformats.org/officeDocument/2006/relationships" xmlns:p="http://schemas.openxmlformats.org/presentationml/2006/main">
+  <p:cSld>
+    <p:spTree>
+      <p:nvGrpSpPr>
+        <p:cNvPr id="1" name=""/>
+        <p:cNvGrpSpPr/>
+        <p:nvPr/>
+      </p:nvGrpSpPr>
+      <p:grpSpPr>
+        <a:xfrm>
+          <a:off x="0" y="0"/>
+          <a:ext cx="0" cy="0"/>
+          <a:chOff x="0" y="0"/>
+          <a:chExt cx="0" cy="0"/>
+        </a:xfrm>
+      </p:grpSpPr>
+      <p:sp>
+        <p:nvSpPr>
+          <p:cNvPr id="3" name="Content Placeholder 2">
+            <a:extLst>
+              <a:ext uri="{FF2B5EF4-FFF2-40B4-BE49-F238E27FC236}">
+                <a16:creationId xmlns:a16="http://schemas.microsoft.com/office/drawing/2014/main" id="{78F39FCF-F1D4-4EF9-AA57-15B77137C046}"/>
+              </a:ext>
+            </a:extLst>
+          </p:cNvPr>
+          <p:cNvSpPr>
+            <a:spLocks noGrp="1"/>
+          </p:cNvSpPr>
+          <p:nvPr>
+            <p:ph idx="1"/>
+          </p:nvPr>
+        </p:nvSpPr>
+        <p:spPr>
+          <a:xfrm>
+            <a:off x="1694635" y="5924282"/>
+            <a:ext cx="8596668" cy="657993"/>
+          </a:xfrm>
+        </p:spPr>
+        <p:txBody>
+          <a:bodyPr/>
+          <a:lstStyle/>
+          <a:p>
+            <a:pPr marL="0" indent="0" algn="ctr">
+              <a:buNone/>
+            </a:pPr>
+            <a:r>
+              <a:rPr lang="en-US" dirty="0">
+                <a:solidFill>
+                  <a:schemeClr val="tx1"/>
+                </a:solidFill>
+              </a:rPr>
+              <a:t>Due to big size of the dataset I represented just small part of it, also we can’t upload it to Git (size &gt; 100 Mb). For details, please, refer to the link on page 4</a:t>
+            </a:r>
+          </a:p>
+          <a:p>
+            <a:pPr marL="0" indent="0" algn="ctr">
+              <a:buNone/>
+            </a:pPr>
+            <a:endParaRPr lang="en-US" dirty="0">
+              <a:solidFill>
+                <a:schemeClr val="tx1"/>
+              </a:solidFill>
+            </a:endParaRPr>
+          </a:p>
+        </p:txBody>
+      </p:sp>
+    </p:spTree>
+    <p:extLst>
+      <p:ext uri="{BB962C8B-B14F-4D97-AF65-F5344CB8AC3E}">
+        <p14:creationId xmlns:p14="http://schemas.microsoft.com/office/powerpoint/2010/main" val="1510544588"/>
+      </p:ext>
+    </p:extLst>
+  </p:cSld>
+  <p:clrMapOvr>
+    <a:masterClrMapping/>
+  </p:clrMapOvr>
+</p:sld>
+</file>
+
+<file path=ppt/slides/slide2.xml><?xml version="1.0" encoding="utf-8"?>
+<p:sld xmlns:a="http://schemas.openxmlformats.org/drawingml/2006/main" xmlns:r="http://schemas.openxmlformats.org/officeDocument/2006/relationships" xmlns:p="http://schemas.openxmlformats.org/presentationml/2006/main">
+  <p:cSld>
+    <p:spTree>
+      <p:nvGrpSpPr>
+        <p:cNvPr id="1" name=""/>
+        <p:cNvGrpSpPr/>
+        <p:nvPr/>
+      </p:nvGrpSpPr>
+      <p:grpSpPr>
+        <a:xfrm>
+          <a:off x="0" y="0"/>
+          <a:ext cx="0" cy="0"/>
+          <a:chOff x="0" y="0"/>
+          <a:chExt cx="0" cy="0"/>
+        </a:xfrm>
+      </p:grpSpPr>
+      <p:sp>
+        <p:nvSpPr>
+          <p:cNvPr id="4" name="Title 1">
+            <a:extLst>
+              <a:ext uri="{FF2B5EF4-FFF2-40B4-BE49-F238E27FC236}">
+                <a16:creationId xmlns:a16="http://schemas.microsoft.com/office/drawing/2014/main" id="{59729B7D-99C8-4E63-AFF9-D9504F07078E}"/>
+              </a:ext>
+            </a:extLst>
+          </p:cNvPr>
+          <p:cNvSpPr>
+            <a:spLocks noGrp="1"/>
+          </p:cNvSpPr>
+          <p:nvPr>
+            <p:ph type="title"/>
+          </p:nvPr>
+        </p:nvSpPr>
+        <p:spPr>
+          <a:xfrm>
+            <a:off x="1231126" y="326265"/>
+            <a:ext cx="8596668" cy="1320800"/>
+          </a:xfrm>
+        </p:spPr>
+        <p:txBody>
+          <a:bodyPr>
+            <a:normAutofit/>
+          </a:bodyPr>
+          <a:lstStyle/>
+          <a:p>
+            <a:pPr algn="ctr"/>
+            <a:r>
+              <a:rPr lang="en-US" b="1" dirty="0">
+                <a:solidFill>
+                  <a:schemeClr val="tx1"/>
+                </a:solidFill>
+              </a:rPr>
+              <a:t>Background</a:t>
+            </a:r>
+          </a:p>
+        </p:txBody>
+      </p:sp>
+      <p:sp>
+        <p:nvSpPr>
+          <p:cNvPr id="5" name="Rectangle 4">
+            <a:extLst>
+              <a:ext uri="{FF2B5EF4-FFF2-40B4-BE49-F238E27FC236}">
+                <a16:creationId xmlns:a16="http://schemas.microsoft.com/office/drawing/2014/main" id="{3C007DF5-6832-4865-A10E-4FABF9BE6932}"/>
+              </a:ext>
+            </a:extLst>
+          </p:cNvPr>
+          <p:cNvSpPr/>
+          <p:nvPr/>
+        </p:nvSpPr>
+        <p:spPr>
+          <a:xfrm>
+            <a:off x="678286" y="986665"/>
+            <a:ext cx="10590727" cy="1415772"/>
+          </a:xfrm>
+          <a:prstGeom prst="rect">
+            <a:avLst/>
+          </a:prstGeom>
+        </p:spPr>
+        <p:txBody>
+          <a:bodyPr wrap="square">
+            <a:spAutoFit/>
+          </a:bodyPr>
+          <a:lstStyle/>
+          <a:p>
+            <a:pPr marL="342900" indent="-342900" algn="ctr">
+              <a:buAutoNum type="arabicPeriod"/>
+            </a:pPr>
+            <a:r>
+              <a:rPr lang="en-US" b="1" dirty="0"/>
+              <a:t>Gender Differences in Work Satisfaction, Work Engagement and Work Efficiency of Employees during the COVID-19 Pandemic: The Case in Slovenia</a:t>
+            </a:r>
+            <a:r>
+              <a:rPr lang="ru-RU" b="1" dirty="0"/>
+              <a:t> (</a:t>
+            </a:r>
+            <a:r>
+              <a:rPr lang="en-US" b="1" dirty="0"/>
+              <a:t>6 August, 2021)</a:t>
+            </a:r>
+          </a:p>
+          <a:p>
+            <a:pPr algn="just"/>
+            <a:endParaRPr lang="en-US" b="1" dirty="0"/>
+          </a:p>
+          <a:p>
+            <a:pPr algn="ctr"/>
+            <a:r>
+              <a:rPr lang="en-US" sz="1400" b="1" u="sng" dirty="0"/>
+              <a:t>https://www.mdpi.com/2071-1050/13/16/8791/htm</a:t>
+            </a:r>
+            <a:endParaRPr lang="en-US" b="1" u="sng" dirty="0"/>
+          </a:p>
+          <a:p>
+            <a:pPr algn="just"/>
+            <a:endParaRPr lang="en-US" dirty="0"/>
+          </a:p>
+        </p:txBody>
+      </p:sp>
+      <p:pic>
+        <p:nvPicPr>
+          <p:cNvPr id="6" name="Picture 5">
+            <a:extLst>
+              <a:ext uri="{FF2B5EF4-FFF2-40B4-BE49-F238E27FC236}">
+                <a16:creationId xmlns:a16="http://schemas.microsoft.com/office/drawing/2014/main" id="{2E91EC09-EF8F-423A-8592-07AF316AC88B}"/>
+              </a:ext>
+            </a:extLst>
+          </p:cNvPr>
+          <p:cNvPicPr>
+            <a:picLocks noChangeAspect="1"/>
+          </p:cNvPicPr>
+          <p:nvPr/>
+        </p:nvPicPr>
+        <p:blipFill>
+          <a:blip r:embed="rId2"/>
+          <a:stretch>
+            <a:fillRect/>
+          </a:stretch>
+        </p:blipFill>
+        <p:spPr>
+          <a:xfrm>
+            <a:off x="1792544" y="2249510"/>
+            <a:ext cx="8362210" cy="4282225"/>
+          </a:xfrm>
+          <a:prstGeom prst="rect">
+            <a:avLst/>
+          </a:prstGeom>
+        </p:spPr>
+      </p:pic>
+    </p:spTree>
+    <p:extLst>
+      <p:ext uri="{BB962C8B-B14F-4D97-AF65-F5344CB8AC3E}">
+        <p14:creationId xmlns:p14="http://schemas.microsoft.com/office/powerpoint/2010/main" val="3724902269"/>
+      </p:ext>
+    </p:extLst>
+  </p:cSld>
+  <p:clrMapOvr>
+    <a:masterClrMapping/>
+  </p:clrMapOvr>
+</p:sld>
+</file>
+
+<file path=ppt/slides/slide3.xml><?xml version="1.0" encoding="utf-8"?>
+<p:sld xmlns:a="http://schemas.openxmlformats.org/drawingml/2006/main" xmlns:r="http://schemas.openxmlformats.org/officeDocument/2006/relationships" xmlns:p="http://schemas.openxmlformats.org/presentationml/2006/main">
+  <p:cSld>
+    <p:spTree>
+      <p:nvGrpSpPr>
+        <p:cNvPr id="1" name=""/>
+        <p:cNvGrpSpPr/>
+        <p:nvPr/>
+      </p:nvGrpSpPr>
+      <p:grpSpPr>
+        <a:xfrm>
+          <a:off x="0" y="0"/>
+          <a:ext cx="0" cy="0"/>
+          <a:chOff x="0" y="0"/>
+          <a:chExt cx="0" cy="0"/>
+        </a:xfrm>
+      </p:grpSpPr>
+      <p:sp>
+        <p:nvSpPr>
+          <p:cNvPr id="4" name="Title 1">
+            <a:extLst>
+              <a:ext uri="{FF2B5EF4-FFF2-40B4-BE49-F238E27FC236}">
+                <a16:creationId xmlns:a16="http://schemas.microsoft.com/office/drawing/2014/main" id="{59729B7D-99C8-4E63-AFF9-D9504F07078E}"/>
+              </a:ext>
+            </a:extLst>
+          </p:cNvPr>
+          <p:cNvSpPr>
+            <a:spLocks noGrp="1"/>
+          </p:cNvSpPr>
+          <p:nvPr>
+            <p:ph type="title"/>
+          </p:nvPr>
+        </p:nvSpPr>
+        <p:spPr>
+          <a:xfrm>
+            <a:off x="1231126" y="326265"/>
+            <a:ext cx="8596668" cy="1320800"/>
+          </a:xfrm>
+        </p:spPr>
+        <p:txBody>
+          <a:bodyPr>
+            <a:normAutofit/>
+          </a:bodyPr>
+          <a:lstStyle/>
+          <a:p>
+            <a:pPr algn="ctr"/>
+            <a:r>
+              <a:rPr lang="en-US" b="1" dirty="0">
+                <a:solidFill>
+                  <a:schemeClr val="tx1"/>
+                </a:solidFill>
+              </a:rPr>
+              <a:t>Background</a:t>
+            </a:r>
+          </a:p>
+        </p:txBody>
+      </p:sp>
+      <p:sp>
+        <p:nvSpPr>
+          <p:cNvPr id="5" name="Rectangle 4">
+            <a:extLst>
+              <a:ext uri="{FF2B5EF4-FFF2-40B4-BE49-F238E27FC236}">
+                <a16:creationId xmlns:a16="http://schemas.microsoft.com/office/drawing/2014/main" id="{3C007DF5-6832-4865-A10E-4FABF9BE6932}"/>
+              </a:ext>
+            </a:extLst>
+          </p:cNvPr>
+          <p:cNvSpPr/>
+          <p:nvPr/>
+        </p:nvSpPr>
+        <p:spPr>
+          <a:xfrm>
+            <a:off x="678286" y="986665"/>
+            <a:ext cx="10590727" cy="1415772"/>
+          </a:xfrm>
+          <a:prstGeom prst="rect">
+            <a:avLst/>
+          </a:prstGeom>
+        </p:spPr>
+        <p:txBody>
+          <a:bodyPr wrap="square">
+            <a:spAutoFit/>
+          </a:bodyPr>
+          <a:lstStyle/>
+          <a:p>
+            <a:pPr algn="ctr"/>
+            <a:r>
+              <a:rPr lang="en-US" b="1" dirty="0"/>
+              <a:t>2. Poor Work Efficiency is Associated with Poor Exercise Capacity and Health-Related Quality of Life in Patients with Chronic Obstructive Pulmonary Disease</a:t>
+            </a:r>
+            <a:r>
+              <a:rPr lang="ru-RU" b="1" dirty="0"/>
+              <a:t> (</a:t>
+            </a:r>
+            <a:r>
+              <a:rPr lang="en-US" b="1" dirty="0"/>
+              <a:t>10 February, 2021)</a:t>
+            </a:r>
+          </a:p>
+          <a:p>
+            <a:pPr algn="just"/>
+            <a:endParaRPr lang="en-US" b="1" dirty="0"/>
+          </a:p>
+          <a:p>
+            <a:pPr algn="ctr"/>
+            <a:r>
+              <a:rPr lang="en-US" sz="1400" b="1" u="sng" dirty="0"/>
+              <a:t>https://www.ncbi.nlm.nih.gov/pmc/articles/PMC7882460/</a:t>
+            </a:r>
+            <a:endParaRPr lang="en-US" b="1" u="sng" dirty="0"/>
+          </a:p>
+          <a:p>
+            <a:pPr algn="just"/>
+            <a:endParaRPr lang="en-US" dirty="0"/>
+          </a:p>
+        </p:txBody>
+      </p:sp>
+      <p:pic>
+        <p:nvPicPr>
+          <p:cNvPr id="2" name="Picture 1">
+            <a:extLst>
+              <a:ext uri="{FF2B5EF4-FFF2-40B4-BE49-F238E27FC236}">
+                <a16:creationId xmlns:a16="http://schemas.microsoft.com/office/drawing/2014/main" id="{E884E330-29B5-43E5-B9E5-5AF8351D4439}"/>
+              </a:ext>
+            </a:extLst>
+          </p:cNvPr>
+          <p:cNvPicPr>
+            <a:picLocks noChangeAspect="1"/>
+          </p:cNvPicPr>
+          <p:nvPr/>
+        </p:nvPicPr>
+        <p:blipFill>
+          <a:blip r:embed="rId2"/>
+          <a:stretch>
+            <a:fillRect/>
+          </a:stretch>
+        </p:blipFill>
+        <p:spPr>
+          <a:xfrm>
+            <a:off x="259602" y="2270120"/>
+            <a:ext cx="5175283" cy="4504413"/>
+          </a:xfrm>
+          <a:prstGeom prst="rect">
+            <a:avLst/>
+          </a:prstGeom>
+        </p:spPr>
+      </p:pic>
+      <p:pic>
+        <p:nvPicPr>
+          <p:cNvPr id="3" name="Picture 2">
+            <a:extLst>
+              <a:ext uri="{FF2B5EF4-FFF2-40B4-BE49-F238E27FC236}">
+                <a16:creationId xmlns:a16="http://schemas.microsoft.com/office/drawing/2014/main" id="{299D0584-39F3-40E1-B6E9-44C31DB78747}"/>
+              </a:ext>
+            </a:extLst>
+          </p:cNvPr>
+          <p:cNvPicPr>
+            <a:picLocks noChangeAspect="1"/>
+          </p:cNvPicPr>
+          <p:nvPr/>
+        </p:nvPicPr>
+        <p:blipFill>
+          <a:blip r:embed="rId3"/>
+          <a:stretch>
+            <a:fillRect/>
+          </a:stretch>
+        </p:blipFill>
+        <p:spPr>
+          <a:xfrm>
+            <a:off x="5529460" y="2270120"/>
+            <a:ext cx="6290543" cy="4504412"/>
+          </a:xfrm>
+          <a:prstGeom prst="rect">
+            <a:avLst/>
+          </a:prstGeom>
+        </p:spPr>
+      </p:pic>
+    </p:spTree>
+    <p:extLst>
+      <p:ext uri="{BB962C8B-B14F-4D97-AF65-F5344CB8AC3E}">
+        <p14:creationId xmlns:p14="http://schemas.microsoft.com/office/powerpoint/2010/main" val="3409631021"/>
+      </p:ext>
+    </p:extLst>
+  </p:cSld>
+  <p:clrMapOvr>
+    <a:masterClrMapping/>
+  </p:clrMapOvr>
+</p:sld>
+</file>
+
+<file path=ppt/slides/slide4.xml><?xml version="1.0" encoding="utf-8"?>
+<p:sld xmlns:a="http://schemas.openxmlformats.org/drawingml/2006/main" xmlns:r="http://schemas.openxmlformats.org/officeDocument/2006/relationships" xmlns:p="http://schemas.openxmlformats.org/presentationml/2006/main">
+  <p:cSld>
+    <p:spTree>
+      <p:nvGrpSpPr>
+        <p:cNvPr id="1" name=""/>
+        <p:cNvGrpSpPr/>
+        <p:nvPr/>
+      </p:nvGrpSpPr>
+      <p:grpSpPr>
+        <a:xfrm>
+          <a:off x="0" y="0"/>
+          <a:ext cx="0" cy="0"/>
+          <a:chOff x="0" y="0"/>
+          <a:chExt cx="0" cy="0"/>
+        </a:xfrm>
+      </p:grpSpPr>
+      <p:sp>
+        <p:nvSpPr>
+          <p:cNvPr id="4" name="Title 1">
+            <a:extLst>
+              <a:ext uri="{FF2B5EF4-FFF2-40B4-BE49-F238E27FC236}">
+                <a16:creationId xmlns:a16="http://schemas.microsoft.com/office/drawing/2014/main" id="{59729B7D-99C8-4E63-AFF9-D9504F07078E}"/>
+              </a:ext>
+            </a:extLst>
+          </p:cNvPr>
+          <p:cNvSpPr>
+            <a:spLocks noGrp="1"/>
+          </p:cNvSpPr>
+          <p:nvPr>
+            <p:ph type="title"/>
+          </p:nvPr>
+        </p:nvSpPr>
+        <p:spPr>
+          <a:xfrm>
+            <a:off x="1231126" y="326265"/>
+            <a:ext cx="8596668" cy="1320800"/>
+          </a:xfrm>
+        </p:spPr>
+        <p:txBody>
+          <a:bodyPr>
+            <a:normAutofit/>
+          </a:bodyPr>
+          <a:lstStyle/>
+          <a:p>
+            <a:pPr algn="ctr"/>
+            <a:r>
+              <a:rPr lang="en-US" b="1" dirty="0">
+                <a:solidFill>
+                  <a:schemeClr val="tx1"/>
+                </a:solidFill>
+              </a:rPr>
+              <a:t>Background</a:t>
+            </a:r>
+          </a:p>
+        </p:txBody>
+      </p:sp>
+      <p:sp>
+        <p:nvSpPr>
+          <p:cNvPr id="5" name="Rectangle 4">
+            <a:extLst>
+              <a:ext uri="{FF2B5EF4-FFF2-40B4-BE49-F238E27FC236}">
+                <a16:creationId xmlns:a16="http://schemas.microsoft.com/office/drawing/2014/main" id="{3C007DF5-6832-4865-A10E-4FABF9BE6932}"/>
+              </a:ext>
+            </a:extLst>
+          </p:cNvPr>
+          <p:cNvSpPr/>
+          <p:nvPr/>
+        </p:nvSpPr>
+        <p:spPr>
+          <a:xfrm>
+            <a:off x="678286" y="986665"/>
+            <a:ext cx="10590727" cy="1846659"/>
+          </a:xfrm>
+          <a:prstGeom prst="rect">
+            <a:avLst/>
+          </a:prstGeom>
+        </p:spPr>
+        <p:txBody>
+          <a:bodyPr wrap="square">
+            <a:spAutoFit/>
+          </a:bodyPr>
+          <a:lstStyle/>
+          <a:p>
+            <a:pPr algn="just"/>
+            <a:r>
+              <a:rPr lang="en-US" b="1" dirty="0"/>
+              <a:t>3. The Impact of Part-Time and Full-Time Work on Employees' Efficiency the Importance of</a:t>
+            </a:r>
+          </a:p>
+          <a:p>
+            <a:pPr algn="ctr"/>
+            <a:r>
+              <a:rPr lang="en-US" b="1" dirty="0"/>
+              <a:t>Flexible Work Arrangements</a:t>
+            </a:r>
+            <a:r>
+              <a:rPr lang="ru-RU" b="1" dirty="0"/>
+              <a:t> (</a:t>
+            </a:r>
+            <a:r>
+              <a:rPr lang="en-US" b="1" dirty="0"/>
+              <a:t>7 July, 2021)</a:t>
+            </a:r>
+          </a:p>
+          <a:p>
+            <a:pPr algn="just"/>
+            <a:endParaRPr lang="en-US" b="1" dirty="0"/>
+          </a:p>
+          <a:p>
+            <a:pPr algn="ctr"/>
+            <a:r>
+              <a:rPr lang="en-US" sz="1400" b="1" u="sng" dirty="0"/>
+              <a:t>https://www.researchgate.net/profile/Kalyan-Chakravarthi-3/publication/354269686_The_Impact_of_Part-Time_and_Full-Time_Work_on_Employees'_Efficiency_the_Importance_of_Flexible_Work_Arrangements/links/6263a371bca601538b60d35a/The-Impact-of-Part-Time-and-Full-Time-Work-on-Employees-Efficiency-the-Importance-of-Flexible-Work-Arrangements.pdf</a:t>
+            </a:r>
+            <a:endParaRPr lang="en-US" b="1" u="sng" dirty="0"/>
+          </a:p>
+          <a:p>
+            <a:pPr algn="just"/>
+            <a:endParaRPr lang="en-US" dirty="0"/>
+          </a:p>
+        </p:txBody>
+      </p:sp>
+      <p:pic>
+        <p:nvPicPr>
+          <p:cNvPr id="6" name="Picture 5">
+            <a:extLst>
+              <a:ext uri="{FF2B5EF4-FFF2-40B4-BE49-F238E27FC236}">
+                <a16:creationId xmlns:a16="http://schemas.microsoft.com/office/drawing/2014/main" id="{44C8A853-E12B-4560-BB15-222BFD0F18D1}"/>
+              </a:ext>
+            </a:extLst>
+          </p:cNvPr>
+          <p:cNvPicPr>
+            <a:picLocks noChangeAspect="1"/>
+          </p:cNvPicPr>
+          <p:nvPr/>
+        </p:nvPicPr>
+        <p:blipFill>
+          <a:blip r:embed="rId2"/>
+          <a:stretch>
+            <a:fillRect/>
+          </a:stretch>
+        </p:blipFill>
+        <p:spPr>
+          <a:xfrm>
+            <a:off x="581747" y="2644013"/>
+            <a:ext cx="5391902" cy="3553321"/>
+          </a:xfrm>
+          <a:prstGeom prst="rect">
+            <a:avLst/>
+          </a:prstGeom>
+        </p:spPr>
+      </p:pic>
+      <p:pic>
+        <p:nvPicPr>
+          <p:cNvPr id="7" name="Picture 6">
+            <a:extLst>
+              <a:ext uri="{FF2B5EF4-FFF2-40B4-BE49-F238E27FC236}">
+                <a16:creationId xmlns:a16="http://schemas.microsoft.com/office/drawing/2014/main" id="{DB42964F-6C94-42F1-B455-4843D432569B}"/>
+              </a:ext>
+            </a:extLst>
+          </p:cNvPr>
+          <p:cNvPicPr>
+            <a:picLocks noChangeAspect="1"/>
+          </p:cNvPicPr>
+          <p:nvPr/>
+        </p:nvPicPr>
+        <p:blipFill>
+          <a:blip r:embed="rId3"/>
+          <a:stretch>
+            <a:fillRect/>
+          </a:stretch>
+        </p:blipFill>
+        <p:spPr>
+          <a:xfrm>
+            <a:off x="5931913" y="2644013"/>
+            <a:ext cx="4564369" cy="4001058"/>
+          </a:xfrm>
+          <a:prstGeom prst="rect">
+            <a:avLst/>
+          </a:prstGeom>
+        </p:spPr>
+      </p:pic>
+    </p:spTree>
+    <p:extLst>
+      <p:ext uri="{BB962C8B-B14F-4D97-AF65-F5344CB8AC3E}">
+        <p14:creationId xmlns:p14="http://schemas.microsoft.com/office/powerpoint/2010/main" val="1749069691"/>
+      </p:ext>
+    </p:extLst>
+  </p:cSld>
+  <p:clrMapOvr>
+    <a:masterClrMapping/>
+  </p:clrMapOvr>
+</p:sld>
+</file>
+
+<file path=ppt/slides/slide5.xml><?xml version="1.0" encoding="utf-8"?>
+<p:sld xmlns:a="http://schemas.openxmlformats.org/drawingml/2006/main" xmlns:r="http://schemas.openxmlformats.org/officeDocument/2006/relationships" xmlns:p="http://schemas.openxmlformats.org/presentationml/2006/main">
+  <p:cSld>
+    <p:spTree>
+      <p:nvGrpSpPr>
+        <p:cNvPr id="1" name=""/>
+        <p:cNvGrpSpPr/>
+        <p:nvPr/>
+      </p:nvGrpSpPr>
+      <p:grpSpPr>
+        <a:xfrm>
+          <a:off x="0" y="0"/>
+          <a:ext cx="0" cy="0"/>
+          <a:chOff x="0" y="0"/>
+          <a:chExt cx="0" cy="0"/>
+        </a:xfrm>
+      </p:grpSpPr>
+      <p:sp>
+        <p:nvSpPr>
+          <p:cNvPr id="2" name="Title 1">
+            <a:extLst>
+              <a:ext uri="{FF2B5EF4-FFF2-40B4-BE49-F238E27FC236}">
+                <a16:creationId xmlns:a16="http://schemas.microsoft.com/office/drawing/2014/main" id="{C6110672-D7B6-4F61-976D-1D3081B60450}"/>
+              </a:ext>
+            </a:extLst>
+          </p:cNvPr>
+          <p:cNvSpPr>
+            <a:spLocks noGrp="1"/>
+          </p:cNvSpPr>
+          <p:nvPr>
+            <p:ph type="title"/>
+          </p:nvPr>
+        </p:nvSpPr>
+        <p:spPr/>
+        <p:txBody>
+          <a:bodyPr>
+            <a:normAutofit fontScale="90000"/>
+          </a:bodyPr>
+          <a:lstStyle/>
+          <a:p>
+            <a:pPr algn="ctr"/>
+            <a:r>
+              <a:rPr lang="en-US" b="1" dirty="0">
+                <a:solidFill>
+                  <a:schemeClr val="tx1"/>
+                </a:solidFill>
+              </a:rPr>
+              <a:t>Why Mark Zuckerberg and Sundar Pichai Are Worried About Productivity</a:t>
+            </a:r>
+            <a:br>
+              <a:rPr lang="en-US" b="1" dirty="0">
+                <a:solidFill>
+                  <a:schemeClr val="tx1"/>
+                </a:solidFill>
+              </a:rPr>
+            </a:br>
+            <a:endParaRPr lang="en-US" b="1" dirty="0">
+              <a:solidFill>
+                <a:schemeClr val="tx1"/>
+              </a:solidFill>
+            </a:endParaRPr>
+          </a:p>
+        </p:txBody>
+      </p:sp>
+      <p:sp>
+        <p:nvSpPr>
+          <p:cNvPr id="3" name="Content Placeholder 2">
+            <a:extLst>
+              <a:ext uri="{FF2B5EF4-FFF2-40B4-BE49-F238E27FC236}">
+                <a16:creationId xmlns:a16="http://schemas.microsoft.com/office/drawing/2014/main" id="{7442ABD1-7152-4662-B1AD-17066EABB32B}"/>
+              </a:ext>
+            </a:extLst>
+          </p:cNvPr>
+          <p:cNvSpPr>
+            <a:spLocks noGrp="1"/>
+          </p:cNvSpPr>
+          <p:nvPr>
+            <p:ph idx="1"/>
+          </p:nvPr>
+        </p:nvSpPr>
+        <p:spPr>
+          <a:xfrm>
+            <a:off x="677334" y="2250741"/>
+            <a:ext cx="3276479" cy="3880773"/>
+          </a:xfrm>
+        </p:spPr>
+        <p:txBody>
+          <a:bodyPr/>
+          <a:lstStyle/>
+          <a:p>
+            <a:pPr marL="0" indent="0" algn="just">
+              <a:buNone/>
+            </a:pPr>
+            <a:r>
+              <a:rPr lang="en-US" dirty="0">
+                <a:solidFill>
+                  <a:schemeClr val="tx1"/>
+                </a:solidFill>
+              </a:rPr>
+              <a:t>Mark Zuckerberg and Sundar Pichai have highlighted that tech companies probably have way too many employees, so many that there are people in these companies who are not working and are just chilling. While Pichai said this in a subtle way, Zuckerberg said recently, there are a "bunch of people at the company who shouldn't be here."</a:t>
+            </a:r>
+          </a:p>
+        </p:txBody>
+      </p:sp>
+      <p:pic>
+        <p:nvPicPr>
+          <p:cNvPr id="7" name="Picture 6">
+            <a:extLst>
+              <a:ext uri="{FF2B5EF4-FFF2-40B4-BE49-F238E27FC236}">
+                <a16:creationId xmlns:a16="http://schemas.microsoft.com/office/drawing/2014/main" id="{C15F5B1F-FC6D-48B9-89BB-44FEF25B50AB}"/>
+              </a:ext>
+            </a:extLst>
+          </p:cNvPr>
+          <p:cNvPicPr>
+            <a:picLocks noChangeAspect="1"/>
+          </p:cNvPicPr>
+          <p:nvPr/>
+        </p:nvPicPr>
+        <p:blipFill rotWithShape="1">
+          <a:blip r:embed="rId2">
+            <a:extLst>
+              <a:ext uri="{28A0092B-C50C-407E-A947-70E740481C1C}">
+                <a14:useLocalDpi xmlns:a14="http://schemas.microsoft.com/office/drawing/2010/main" val="0"/>
+              </a:ext>
+            </a:extLst>
+          </a:blip>
+          <a:srcRect r="25259"/>
+          <a:stretch/>
+        </p:blipFill>
+        <p:spPr>
+          <a:xfrm>
+            <a:off x="4416917" y="1905237"/>
+            <a:ext cx="4057382" cy="3619083"/>
+          </a:xfrm>
+          <a:prstGeom prst="rect">
+            <a:avLst/>
+          </a:prstGeom>
+        </p:spPr>
+      </p:pic>
+      <p:pic>
+        <p:nvPicPr>
+          <p:cNvPr id="5" name="Picture 4">
+            <a:extLst>
+              <a:ext uri="{FF2B5EF4-FFF2-40B4-BE49-F238E27FC236}">
+                <a16:creationId xmlns:a16="http://schemas.microsoft.com/office/drawing/2014/main" id="{1A36D565-3E64-421B-875C-B74476D6F1FD}"/>
+              </a:ext>
+            </a:extLst>
+          </p:cNvPr>
+          <p:cNvPicPr>
+            <a:picLocks noChangeAspect="1"/>
+          </p:cNvPicPr>
+          <p:nvPr/>
+        </p:nvPicPr>
+        <p:blipFill rotWithShape="1">
+          <a:blip r:embed="rId3">
+            <a:extLst>
+              <a:ext uri="{28A0092B-C50C-407E-A947-70E740481C1C}">
+                <a14:useLocalDpi xmlns:a14="http://schemas.microsoft.com/office/drawing/2010/main" val="0"/>
+              </a:ext>
+            </a:extLst>
+          </a:blip>
+          <a:srcRect l="20670" r="13243"/>
+          <a:stretch/>
+        </p:blipFill>
+        <p:spPr>
+          <a:xfrm>
+            <a:off x="7044743" y="3114321"/>
+            <a:ext cx="3431029" cy="3460270"/>
+          </a:xfrm>
+          <a:prstGeom prst="rect">
+            <a:avLst/>
+          </a:prstGeom>
+        </p:spPr>
+      </p:pic>
+      <p:sp>
+        <p:nvSpPr>
+          <p:cNvPr id="8" name="TextBox 7">
+            <a:extLst>
+              <a:ext uri="{FF2B5EF4-FFF2-40B4-BE49-F238E27FC236}">
+                <a16:creationId xmlns:a16="http://schemas.microsoft.com/office/drawing/2014/main" id="{9483E6CA-8E95-4B79-A092-D73EB2445AFE}"/>
+              </a:ext>
+            </a:extLst>
+          </p:cNvPr>
+          <p:cNvSpPr txBox="1"/>
+          <p:nvPr/>
+        </p:nvSpPr>
+        <p:spPr>
+          <a:xfrm>
+            <a:off x="677334" y="6259132"/>
+            <a:ext cx="4564367" cy="307777"/>
+          </a:xfrm>
+          <a:prstGeom prst="rect">
+            <a:avLst/>
+          </a:prstGeom>
+          <a:noFill/>
+        </p:spPr>
+        <p:txBody>
+          <a:bodyPr wrap="square" rtlCol="0">
+            <a:spAutoFit/>
+          </a:bodyPr>
+          <a:lstStyle/>
+          <a:p>
+            <a:r>
+              <a:rPr lang="en-US" sz="1400" u="sng" dirty="0"/>
+              <a:t>Source: www.theinformation.com</a:t>
+            </a:r>
+          </a:p>
+        </p:txBody>
+      </p:sp>
+    </p:spTree>
+    <p:extLst>
+      <p:ext uri="{BB962C8B-B14F-4D97-AF65-F5344CB8AC3E}">
+        <p14:creationId xmlns:p14="http://schemas.microsoft.com/office/powerpoint/2010/main" val="268017215"/>
+      </p:ext>
+    </p:extLst>
+  </p:cSld>
+  <p:clrMapOvr>
+    <a:masterClrMapping/>
+  </p:clrMapOvr>
+</p:sld>
+</file>
+
+<file path=ppt/slides/slide6.xml><?xml version="1.0" encoding="utf-8"?>
+<p:sld xmlns:a="http://schemas.openxmlformats.org/drawingml/2006/main" xmlns:r="http://schemas.openxmlformats.org/officeDocument/2006/relationships" xmlns:p="http://schemas.openxmlformats.org/presentationml/2006/main">
+  <p:cSld>
+    <p:spTree>
+      <p:nvGrpSpPr>
+        <p:cNvPr id="1" name=""/>
+        <p:cNvGrpSpPr/>
+        <p:nvPr/>
+      </p:nvGrpSpPr>
+      <p:grpSpPr>
+        <a:xfrm>
+          <a:off x="0" y="0"/>
+          <a:ext cx="0" cy="0"/>
+          <a:chOff x="0" y="0"/>
+          <a:chExt cx="0" cy="0"/>
+        </a:xfrm>
+      </p:grpSpPr>
+      <p:sp>
+        <p:nvSpPr>
+          <p:cNvPr id="2" name="Title 1">
+            <a:extLst>
+              <a:ext uri="{FF2B5EF4-FFF2-40B4-BE49-F238E27FC236}">
+                <a16:creationId xmlns:a16="http://schemas.microsoft.com/office/drawing/2014/main" id="{E51233A0-A55C-4DDD-913B-523AE49FCEAD}"/>
+              </a:ext>
+            </a:extLst>
+          </p:cNvPr>
+          <p:cNvSpPr>
+            <a:spLocks noGrp="1"/>
+          </p:cNvSpPr>
+          <p:nvPr>
+            <p:ph type="title"/>
+          </p:nvPr>
+        </p:nvSpPr>
+        <p:spPr>
+          <a:xfrm>
+            <a:off x="844760" y="860544"/>
+            <a:ext cx="8596668" cy="1000259"/>
+          </a:xfrm>
+        </p:spPr>
+        <p:txBody>
+          <a:bodyPr/>
+          <a:lstStyle/>
+          <a:p>
+            <a:pPr algn="ctr"/>
+            <a:r>
+              <a:rPr lang="en-US" b="1" dirty="0">
+                <a:solidFill>
+                  <a:schemeClr val="tx1"/>
+                </a:solidFill>
+              </a:rPr>
+              <a:t>Hypothesis </a:t>
+            </a:r>
+          </a:p>
+        </p:txBody>
+      </p:sp>
+      <p:sp>
+        <p:nvSpPr>
+          <p:cNvPr id="3" name="Content Placeholder 2">
+            <a:extLst>
+              <a:ext uri="{FF2B5EF4-FFF2-40B4-BE49-F238E27FC236}">
+                <a16:creationId xmlns:a16="http://schemas.microsoft.com/office/drawing/2014/main" id="{5A19DAB1-F1FA-44B7-95A2-76F2AF3C7E25}"/>
+              </a:ext>
+            </a:extLst>
+          </p:cNvPr>
+          <p:cNvSpPr>
+            <a:spLocks noGrp="1"/>
+          </p:cNvSpPr>
+          <p:nvPr>
+            <p:ph idx="1"/>
+          </p:nvPr>
+        </p:nvSpPr>
+        <p:spPr>
+          <a:xfrm>
+            <a:off x="844760" y="2116683"/>
+            <a:ext cx="8596668" cy="3880773"/>
+          </a:xfrm>
+        </p:spPr>
+        <p:txBody>
+          <a:bodyPr>
+            <a:normAutofit/>
+          </a:bodyPr>
+          <a:lstStyle/>
+          <a:p>
+            <a:pPr marL="0" indent="0" algn="ctr">
+              <a:buNone/>
+            </a:pPr>
+            <a:r>
+              <a:rPr lang="en-US" sz="2800" dirty="0">
+                <a:solidFill>
+                  <a:schemeClr val="tx1"/>
+                </a:solidFill>
+              </a:rPr>
+              <a:t>Propose to calculate the productivity of employees and their contribution to the company, based on their behavior during the working day, as well as to identify the relationships between social indicators (gender, age, physical health) and employees performance</a:t>
+            </a:r>
+          </a:p>
+        </p:txBody>
+      </p:sp>
+    </p:spTree>
+    <p:extLst>
+      <p:ext uri="{BB962C8B-B14F-4D97-AF65-F5344CB8AC3E}">
+        <p14:creationId xmlns:p14="http://schemas.microsoft.com/office/powerpoint/2010/main" val="2508120313"/>
+      </p:ext>
+    </p:extLst>
+  </p:cSld>
+  <p:clrMapOvr>
+    <a:masterClrMapping/>
+  </p:clrMapOvr>
+</p:sld>
+</file>
+
+<file path=ppt/slides/slide7.xml><?xml version="1.0" encoding="utf-8"?>
+<p:sld xmlns:a="http://schemas.openxmlformats.org/drawingml/2006/main" xmlns:r="http://schemas.openxmlformats.org/officeDocument/2006/relationships" xmlns:p="http://schemas.openxmlformats.org/presentationml/2006/main">
+  <p:cSld>
+    <p:spTree>
+      <p:nvGrpSpPr>
+        <p:cNvPr id="1" name=""/>
+        <p:cNvGrpSpPr/>
+        <p:nvPr/>
+      </p:nvGrpSpPr>
+      <p:grpSpPr>
+        <a:xfrm>
+          <a:off x="0" y="0"/>
+          <a:ext cx="0" cy="0"/>
+          <a:chOff x="0" y="0"/>
+          <a:chExt cx="0" cy="0"/>
+        </a:xfrm>
+      </p:grpSpPr>
+      <p:sp>
+        <p:nvSpPr>
+          <p:cNvPr id="3" name="Content Placeholder 2">
+            <a:extLst>
+              <a:ext uri="{FF2B5EF4-FFF2-40B4-BE49-F238E27FC236}">
+                <a16:creationId xmlns:a16="http://schemas.microsoft.com/office/drawing/2014/main" id="{03265158-3E58-41F8-BB58-5E304248BB57}"/>
+              </a:ext>
+            </a:extLst>
+          </p:cNvPr>
+          <p:cNvSpPr>
+            <a:spLocks noGrp="1"/>
+          </p:cNvSpPr>
+          <p:nvPr>
+            <p:ph idx="1"/>
+          </p:nvPr>
+        </p:nvSpPr>
+        <p:spPr>
+          <a:xfrm>
+            <a:off x="844760" y="1255496"/>
+            <a:ext cx="9741674" cy="3880773"/>
+          </a:xfrm>
+        </p:spPr>
+        <p:txBody>
+          <a:bodyPr>
+            <a:noAutofit/>
+          </a:bodyPr>
+          <a:lstStyle/>
+          <a:p>
+            <a:r>
+              <a:rPr lang="en-US" sz="1600" dirty="0">
+                <a:solidFill>
+                  <a:schemeClr val="tx1"/>
+                </a:solidFill>
+              </a:rPr>
+              <a:t>How a worker’s mental lapses or physical accidents may indicate that he or she is becoming sick and may soon miss a day of work due to illness</a:t>
+            </a:r>
+          </a:p>
+          <a:p>
+            <a:endParaRPr lang="en-US" sz="1600" dirty="0">
+              <a:solidFill>
+                <a:schemeClr val="tx1"/>
+              </a:solidFill>
+            </a:endParaRPr>
+          </a:p>
+          <a:p>
+            <a:r>
+              <a:rPr lang="en-US" sz="1600" dirty="0">
+                <a:solidFill>
+                  <a:schemeClr val="tx1"/>
+                </a:solidFill>
+              </a:rPr>
+              <a:t>How workers’ Efficacy is influenced by the day of the week, day of the month, and month of the year</a:t>
+            </a:r>
+          </a:p>
+          <a:p>
+            <a:endParaRPr lang="en-US" sz="1600" dirty="0">
+              <a:solidFill>
+                <a:schemeClr val="tx1"/>
+              </a:solidFill>
+            </a:endParaRPr>
+          </a:p>
+          <a:p>
+            <a:r>
+              <a:rPr lang="en-US" sz="1600" dirty="0">
+                <a:solidFill>
+                  <a:schemeClr val="tx1"/>
+                </a:solidFill>
+              </a:rPr>
+              <a:t>How workers’ age impacts their average daily Efficacy</a:t>
+            </a:r>
+          </a:p>
+          <a:p>
+            <a:endParaRPr lang="en-US" sz="1600" dirty="0">
+              <a:solidFill>
+                <a:schemeClr val="tx1"/>
+              </a:solidFill>
+            </a:endParaRPr>
+          </a:p>
+          <a:p>
+            <a:r>
+              <a:rPr lang="en-US" sz="1600" dirty="0">
+                <a:solidFill>
+                  <a:schemeClr val="tx1"/>
+                </a:solidFill>
+              </a:rPr>
+              <a:t>How workers’ average daily Efficacy is influenced by the difference in age between them and their supervisor</a:t>
+            </a:r>
+          </a:p>
+          <a:p>
+            <a:endParaRPr lang="en-US" sz="1600" dirty="0">
+              <a:solidFill>
+                <a:schemeClr val="tx1"/>
+              </a:solidFill>
+            </a:endParaRPr>
+          </a:p>
+          <a:p>
+            <a:r>
+              <a:rPr lang="en-US" sz="1600" dirty="0">
+                <a:solidFill>
+                  <a:schemeClr val="tx1"/>
+                </a:solidFill>
+              </a:rPr>
+              <a:t>How a worker’s average daily Efficacy is influenced by whether he or she is working primarily with teammates of the same or opposite sex</a:t>
+            </a:r>
+          </a:p>
+          <a:p>
+            <a:endParaRPr lang="en-US" sz="1600" dirty="0">
+              <a:solidFill>
+                <a:schemeClr val="tx1"/>
+              </a:solidFill>
+            </a:endParaRPr>
+          </a:p>
+          <a:p>
+            <a:r>
+              <a:rPr lang="en-US" sz="1600" dirty="0">
+                <a:solidFill>
+                  <a:schemeClr val="tx1"/>
+                </a:solidFill>
+              </a:rPr>
+              <a:t>How workers can be classified into groups with high, moderate, or low daily Efficacy that is either relatively stable or highly variable</a:t>
+            </a:r>
+          </a:p>
+        </p:txBody>
+      </p:sp>
+      <p:sp>
+        <p:nvSpPr>
+          <p:cNvPr id="4" name="Title 1">
+            <a:extLst>
+              <a:ext uri="{FF2B5EF4-FFF2-40B4-BE49-F238E27FC236}">
+                <a16:creationId xmlns:a16="http://schemas.microsoft.com/office/drawing/2014/main" id="{7D89C4AB-1C81-4C7B-BE07-6DFD61B4218F}"/>
+              </a:ext>
+            </a:extLst>
+          </p:cNvPr>
+          <p:cNvSpPr>
+            <a:spLocks noGrp="1"/>
+          </p:cNvSpPr>
+          <p:nvPr>
+            <p:ph type="title"/>
+          </p:nvPr>
+        </p:nvSpPr>
+        <p:spPr>
+          <a:xfrm>
+            <a:off x="1417263" y="255237"/>
+            <a:ext cx="8596668" cy="1000259"/>
+          </a:xfrm>
+        </p:spPr>
+        <p:txBody>
+          <a:bodyPr/>
+          <a:lstStyle/>
+          <a:p>
+            <a:pPr algn="ctr"/>
+            <a:r>
+              <a:rPr lang="en-US" b="1" dirty="0">
+                <a:solidFill>
+                  <a:schemeClr val="tx1"/>
+                </a:solidFill>
+              </a:rPr>
+              <a:t>Assumptions </a:t>
+            </a:r>
+          </a:p>
+        </p:txBody>
+      </p:sp>
+    </p:spTree>
+    <p:extLst>
+      <p:ext uri="{BB962C8B-B14F-4D97-AF65-F5344CB8AC3E}">
+        <p14:creationId xmlns:p14="http://schemas.microsoft.com/office/powerpoint/2010/main" val="2749018585"/>
+      </p:ext>
+    </p:extLst>
+  </p:cSld>
+  <p:clrMapOvr>
+    <a:masterClrMapping/>
+  </p:clrMapOvr>
+</p:sld>
+</file>
+
 <file path=ppt/slides/slide8.xml><?xml version="1.0" encoding="utf-8"?>
 <p:sld xmlns:a="http://schemas.openxmlformats.org/drawingml/2006/main" xmlns:r="http://schemas.openxmlformats.org/officeDocument/2006/relationships" xmlns:p="http://schemas.openxmlformats.org/presentationml/2006/main">
   <p:cSld>
@@ -8361,10 +7805,10 @@
       </p:grpSpPr>
       <p:sp>
         <p:nvSpPr>
-          <p:cNvPr id="3" name="Content Placeholder 2">
+          <p:cNvPr id="2" name="Title 1">
             <a:extLst>
               <a:ext uri="{FF2B5EF4-FFF2-40B4-BE49-F238E27FC236}">
-                <a16:creationId xmlns:a16="http://schemas.microsoft.com/office/drawing/2014/main" id="{78F39FCF-F1D4-4EF9-AA57-15B77137C046}"/>
+                <a16:creationId xmlns:a16="http://schemas.microsoft.com/office/drawing/2014/main" id="{1EC2513C-0C74-471D-8888-E82E8C870C8D}"/>
               </a:ext>
             </a:extLst>
           </p:cNvPr>
@@ -8372,47 +7816,1152 @@
             <a:spLocks noGrp="1"/>
           </p:cNvSpPr>
           <p:nvPr>
-            <p:ph idx="1"/>
+            <p:ph type="title"/>
           </p:nvPr>
         </p:nvSpPr>
         <p:spPr>
           <a:xfrm>
-            <a:off x="1694635" y="5924282"/>
-            <a:ext cx="8596668" cy="657993"/>
+            <a:off x="1388882" y="432561"/>
+            <a:ext cx="8596668" cy="1320800"/>
           </a:xfrm>
         </p:spPr>
         <p:txBody>
           <a:bodyPr/>
           <a:lstStyle/>
           <a:p>
-            <a:pPr marL="0" indent="0" algn="ctr">
+            <a:pPr algn="ctr"/>
+            <a:r>
+              <a:rPr lang="en-US" b="1" dirty="0">
+                <a:solidFill>
+                  <a:schemeClr val="tx1"/>
+                </a:solidFill>
+              </a:rPr>
+              <a:t>Dataset </a:t>
+            </a:r>
+          </a:p>
+        </p:txBody>
+      </p:sp>
+      <p:sp>
+        <p:nvSpPr>
+          <p:cNvPr id="4" name="TextBox 3">
+            <a:extLst>
+              <a:ext uri="{FF2B5EF4-FFF2-40B4-BE49-F238E27FC236}">
+                <a16:creationId xmlns:a16="http://schemas.microsoft.com/office/drawing/2014/main" id="{FED581A7-9D8F-48F6-B16E-8B8980BD1021}"/>
+              </a:ext>
+            </a:extLst>
+          </p:cNvPr>
+          <p:cNvSpPr txBox="1"/>
+          <p:nvPr/>
+        </p:nvSpPr>
+        <p:spPr>
+          <a:xfrm>
+            <a:off x="677334" y="6271551"/>
+            <a:ext cx="8762880" cy="307777"/>
+          </a:xfrm>
+          <a:prstGeom prst="rect">
+            <a:avLst/>
+          </a:prstGeom>
+          <a:noFill/>
+        </p:spPr>
+        <p:txBody>
+          <a:bodyPr wrap="square" rtlCol="0">
+            <a:spAutoFit/>
+          </a:bodyPr>
+          <a:lstStyle/>
+          <a:p>
+            <a:r>
+              <a:rPr lang="en-US" sz="1400" u="sng" dirty="0"/>
+              <a:t>Source: https://www.kaggle.com/datasets/gladdenme/factory-workers-daily-performance-attrition-s</a:t>
+            </a:r>
+          </a:p>
+        </p:txBody>
+      </p:sp>
+      <p:graphicFrame>
+        <p:nvGraphicFramePr>
+          <p:cNvPr id="5" name="Table 4">
+            <a:extLst>
+              <a:ext uri="{FF2B5EF4-FFF2-40B4-BE49-F238E27FC236}">
+                <a16:creationId xmlns:a16="http://schemas.microsoft.com/office/drawing/2014/main" id="{14240A6B-D5B4-45A7-B8D4-8DB2ABC6DDF7}"/>
+              </a:ext>
+            </a:extLst>
+          </p:cNvPr>
+          <p:cNvGraphicFramePr>
+            <a:graphicFrameLocks noGrp="1"/>
+          </p:cNvGraphicFramePr>
+          <p:nvPr>
+            <p:extLst>
+              <p:ext uri="{D42A27DB-BD31-4B8C-83A1-F6EECF244321}">
+                <p14:modId xmlns:p14="http://schemas.microsoft.com/office/powerpoint/2010/main" val="3118108847"/>
+              </p:ext>
+            </p:extLst>
+          </p:nvPr>
+        </p:nvGraphicFramePr>
+        <p:xfrm>
+          <a:off x="677333" y="1585088"/>
+          <a:ext cx="4358305" cy="4306010"/>
+        </p:xfrm>
+        <a:graphic>
+          <a:graphicData uri="http://schemas.openxmlformats.org/drawingml/2006/table">
+            <a:tbl>
+              <a:tblPr>
+                <a:tableStyleId>{5C22544A-7EE6-4342-B048-85BDC9FD1C3A}</a:tableStyleId>
+              </a:tblPr>
+              <a:tblGrid>
+                <a:gridCol w="2056919">
+                  <a:extLst>
+                    <a:ext uri="{9D8B030D-6E8A-4147-A177-3AD203B41FA5}">
+                      <a16:colId xmlns:a16="http://schemas.microsoft.com/office/drawing/2014/main" val="2793105781"/>
+                    </a:ext>
+                  </a:extLst>
+                </a:gridCol>
+                <a:gridCol w="2301386">
+                  <a:extLst>
+                    <a:ext uri="{9D8B030D-6E8A-4147-A177-3AD203B41FA5}">
+                      <a16:colId xmlns:a16="http://schemas.microsoft.com/office/drawing/2014/main" val="2479607014"/>
+                    </a:ext>
+                  </a:extLst>
+                </a:gridCol>
+              </a:tblGrid>
+              <a:tr h="934859">
+                <a:tc gridSpan="2">
+                  <a:txBody>
+                    <a:bodyPr/>
+                    <a:lstStyle/>
+                    <a:p>
+                      <a:pPr algn="ctr" fontAlgn="b"/>
+                      <a:r>
+                        <a:rPr lang="en-US" sz="2000" b="1" u="none" strike="noStrike" dirty="0">
+                          <a:effectLst/>
+                          <a:latin typeface="+mn-lt"/>
+                        </a:rPr>
+                        <a:t>Types of observations</a:t>
+                      </a:r>
+                      <a:endParaRPr lang="en-US" sz="2000" b="1" i="0" u="none" strike="noStrike" dirty="0">
+                        <a:solidFill>
+                          <a:srgbClr val="000000"/>
+                        </a:solidFill>
+                        <a:effectLst/>
+                        <a:latin typeface="+mn-lt"/>
+                      </a:endParaRPr>
+                    </a:p>
+                    <a:p>
+                      <a:pPr algn="ctr" fontAlgn="b"/>
+                      <a:r>
+                        <a:rPr lang="en-US" sz="2000" b="0" u="none" strike="noStrike" dirty="0">
+                          <a:effectLst/>
+                          <a:latin typeface="+mn-lt"/>
+                        </a:rPr>
+                        <a:t> </a:t>
+                      </a:r>
+                      <a:endParaRPr lang="en-US" sz="2000" b="0" i="0" u="none" strike="noStrike" dirty="0">
+                        <a:solidFill>
+                          <a:srgbClr val="000000"/>
+                        </a:solidFill>
+                        <a:effectLst/>
+                        <a:latin typeface="+mn-lt"/>
+                      </a:endParaRPr>
+                    </a:p>
+                  </a:txBody>
+                  <a:tcPr marL="9525" marR="9525" marT="9525" marB="0" anchor="b"/>
+                </a:tc>
+                <a:tc hMerge="1">
+                  <a:txBody>
+                    <a:bodyPr/>
+                    <a:lstStyle/>
+                    <a:p>
+                      <a:pPr algn="ctr" fontAlgn="b"/>
+                      <a:endParaRPr lang="en-US" sz="1000" b="0" i="0" u="none" strike="noStrike" dirty="0">
+                        <a:solidFill>
+                          <a:srgbClr val="000000"/>
+                        </a:solidFill>
+                        <a:effectLst/>
+                        <a:latin typeface="Arial" panose="020B0604020202020204" pitchFamily="34" charset="0"/>
+                      </a:endParaRPr>
+                    </a:p>
+                  </a:txBody>
+                  <a:tcPr marL="9525" marR="9525" marT="9525" marB="0" anchor="b"/>
+                </a:tc>
+                <a:extLst>
+                  <a:ext uri="{0D108BD9-81ED-4DB2-BD59-A6C34878D82A}">
+                    <a16:rowId xmlns:a16="http://schemas.microsoft.com/office/drawing/2014/main" val="1435754470"/>
+                  </a:ext>
+                </a:extLst>
+              </a:tr>
+              <a:tr h="481593">
+                <a:tc>
+                  <a:txBody>
+                    <a:bodyPr/>
+                    <a:lstStyle/>
+                    <a:p>
+                      <a:pPr algn="ctr" fontAlgn="b"/>
+                      <a:r>
+                        <a:rPr lang="en-US" sz="2000" b="0" u="none" strike="noStrike" dirty="0">
+                          <a:effectLst/>
+                          <a:latin typeface="+mn-lt"/>
+                        </a:rPr>
+                        <a:t>Presence</a:t>
+                      </a:r>
+                      <a:endParaRPr lang="en-US" sz="2000" b="0" i="0" u="none" strike="noStrike" dirty="0">
+                        <a:solidFill>
+                          <a:srgbClr val="000000"/>
+                        </a:solidFill>
+                        <a:effectLst/>
+                        <a:latin typeface="+mn-lt"/>
+                      </a:endParaRPr>
+                    </a:p>
+                  </a:txBody>
+                  <a:tcPr marL="9525" marR="9525" marT="9525" marB="0" anchor="b"/>
+                </a:tc>
+                <a:tc>
+                  <a:txBody>
+                    <a:bodyPr/>
+                    <a:lstStyle/>
+                    <a:p>
+                      <a:pPr algn="ctr" fontAlgn="b"/>
+                      <a:r>
+                        <a:rPr lang="en-US" sz="2000" b="0" u="none" strike="noStrike">
+                          <a:effectLst/>
+                          <a:latin typeface="+mn-lt"/>
+                        </a:rPr>
+                        <a:t>Absence</a:t>
+                      </a:r>
+                      <a:endParaRPr lang="en-US" sz="2000" b="0" i="0" u="none" strike="noStrike">
+                        <a:solidFill>
+                          <a:srgbClr val="000000"/>
+                        </a:solidFill>
+                        <a:effectLst/>
+                        <a:latin typeface="+mn-lt"/>
+                      </a:endParaRPr>
+                    </a:p>
+                  </a:txBody>
+                  <a:tcPr marL="9525" marR="9525" marT="9525" marB="0" anchor="b"/>
+                </a:tc>
+                <a:extLst>
+                  <a:ext uri="{0D108BD9-81ED-4DB2-BD59-A6C34878D82A}">
+                    <a16:rowId xmlns:a16="http://schemas.microsoft.com/office/drawing/2014/main" val="2676661871"/>
+                  </a:ext>
+                </a:extLst>
+              </a:tr>
+              <a:tr h="481593">
+                <a:tc>
+                  <a:txBody>
+                    <a:bodyPr/>
+                    <a:lstStyle/>
+                    <a:p>
+                      <a:pPr algn="ctr" fontAlgn="b"/>
+                      <a:r>
+                        <a:rPr lang="en-US" sz="2000" b="0" u="none" strike="noStrike" dirty="0">
+                          <a:effectLst/>
+                          <a:latin typeface="+mn-lt"/>
+                        </a:rPr>
+                        <a:t>Efficacy</a:t>
+                      </a:r>
+                      <a:endParaRPr lang="en-US" sz="2000" b="0" i="0" u="none" strike="noStrike" dirty="0">
+                        <a:solidFill>
+                          <a:srgbClr val="000000"/>
+                        </a:solidFill>
+                        <a:effectLst/>
+                        <a:latin typeface="+mn-lt"/>
+                      </a:endParaRPr>
+                    </a:p>
+                  </a:txBody>
+                  <a:tcPr marL="9525" marR="9525" marT="9525" marB="0" anchor="b"/>
+                </a:tc>
+                <a:tc>
+                  <a:txBody>
+                    <a:bodyPr/>
+                    <a:lstStyle/>
+                    <a:p>
+                      <a:pPr algn="ctr" fontAlgn="b"/>
+                      <a:r>
+                        <a:rPr lang="en-US" sz="2000" b="0" u="none" strike="noStrike" dirty="0">
+                          <a:effectLst/>
+                          <a:latin typeface="+mn-lt"/>
+                        </a:rPr>
+                        <a:t>Disruption</a:t>
+                      </a:r>
+                      <a:endParaRPr lang="en-US" sz="2000" b="0" i="0" u="none" strike="noStrike" dirty="0">
+                        <a:solidFill>
+                          <a:srgbClr val="000000"/>
+                        </a:solidFill>
+                        <a:effectLst/>
+                        <a:latin typeface="+mn-lt"/>
+                      </a:endParaRPr>
+                    </a:p>
+                  </a:txBody>
+                  <a:tcPr marL="9525" marR="9525" marT="9525" marB="0" anchor="b"/>
+                </a:tc>
+                <a:extLst>
+                  <a:ext uri="{0D108BD9-81ED-4DB2-BD59-A6C34878D82A}">
+                    <a16:rowId xmlns:a16="http://schemas.microsoft.com/office/drawing/2014/main" val="2091029656"/>
+                  </a:ext>
+                </a:extLst>
+              </a:tr>
+              <a:tr h="481593">
+                <a:tc>
+                  <a:txBody>
+                    <a:bodyPr/>
+                    <a:lstStyle/>
+                    <a:p>
+                      <a:pPr algn="ctr" fontAlgn="b"/>
+                      <a:r>
+                        <a:rPr lang="en-US" sz="2000" b="0" u="none" strike="noStrike" dirty="0">
+                          <a:effectLst/>
+                          <a:latin typeface="+mn-lt"/>
+                        </a:rPr>
+                        <a:t>Feat</a:t>
+                      </a:r>
+                      <a:endParaRPr lang="en-US" sz="2000" b="0" i="0" u="none" strike="noStrike" dirty="0">
+                        <a:solidFill>
+                          <a:srgbClr val="000000"/>
+                        </a:solidFill>
+                        <a:effectLst/>
+                        <a:latin typeface="+mn-lt"/>
+                      </a:endParaRPr>
+                    </a:p>
+                  </a:txBody>
+                  <a:tcPr marL="9525" marR="9525" marT="9525" marB="0" anchor="b"/>
+                </a:tc>
+                <a:tc>
+                  <a:txBody>
+                    <a:bodyPr/>
+                    <a:lstStyle/>
+                    <a:p>
+                      <a:pPr algn="ctr" fontAlgn="b"/>
+                      <a:r>
+                        <a:rPr lang="en-US" sz="2000" b="0" u="none" strike="noStrike">
+                          <a:effectLst/>
+                          <a:latin typeface="+mn-lt"/>
+                        </a:rPr>
+                        <a:t>Resignation</a:t>
+                      </a:r>
+                      <a:endParaRPr lang="en-US" sz="2000" b="0" i="0" u="none" strike="noStrike">
+                        <a:solidFill>
+                          <a:srgbClr val="000000"/>
+                        </a:solidFill>
+                        <a:effectLst/>
+                        <a:latin typeface="+mn-lt"/>
+                      </a:endParaRPr>
+                    </a:p>
+                  </a:txBody>
+                  <a:tcPr marL="9525" marR="9525" marT="9525" marB="0" anchor="b"/>
+                </a:tc>
+                <a:extLst>
+                  <a:ext uri="{0D108BD9-81ED-4DB2-BD59-A6C34878D82A}">
+                    <a16:rowId xmlns:a16="http://schemas.microsoft.com/office/drawing/2014/main" val="2897962068"/>
+                  </a:ext>
+                </a:extLst>
+              </a:tr>
+              <a:tr h="481593">
+                <a:tc>
+                  <a:txBody>
+                    <a:bodyPr/>
+                    <a:lstStyle/>
+                    <a:p>
+                      <a:pPr algn="ctr" fontAlgn="b"/>
+                      <a:r>
+                        <a:rPr lang="en-US" sz="2000" b="0" u="none" strike="noStrike" dirty="0">
+                          <a:effectLst/>
+                          <a:latin typeface="+mn-lt"/>
+                        </a:rPr>
+                        <a:t>Slip</a:t>
+                      </a:r>
+                      <a:endParaRPr lang="en-US" sz="2000" b="0" i="0" u="none" strike="noStrike" dirty="0">
+                        <a:solidFill>
+                          <a:srgbClr val="000000"/>
+                        </a:solidFill>
+                        <a:effectLst/>
+                        <a:latin typeface="+mn-lt"/>
+                      </a:endParaRPr>
+                    </a:p>
+                  </a:txBody>
+                  <a:tcPr marL="9525" marR="9525" marT="9525" marB="0" anchor="b"/>
+                </a:tc>
+                <a:tc>
+                  <a:txBody>
+                    <a:bodyPr/>
+                    <a:lstStyle/>
+                    <a:p>
+                      <a:pPr algn="ctr" fontAlgn="b"/>
+                      <a:r>
+                        <a:rPr lang="en-US" sz="2000" b="0" u="none" strike="noStrike" dirty="0">
+                          <a:effectLst/>
+                          <a:latin typeface="+mn-lt"/>
+                        </a:rPr>
+                        <a:t>None</a:t>
+                      </a:r>
+                      <a:endParaRPr lang="en-US" sz="2000" b="0" i="0" u="none" strike="noStrike" dirty="0">
+                        <a:solidFill>
+                          <a:srgbClr val="000000"/>
+                        </a:solidFill>
+                        <a:effectLst/>
+                        <a:latin typeface="+mn-lt"/>
+                      </a:endParaRPr>
+                    </a:p>
+                  </a:txBody>
+                  <a:tcPr marL="9525" marR="9525" marT="9525" marB="0" anchor="b"/>
+                </a:tc>
+                <a:extLst>
+                  <a:ext uri="{0D108BD9-81ED-4DB2-BD59-A6C34878D82A}">
+                    <a16:rowId xmlns:a16="http://schemas.microsoft.com/office/drawing/2014/main" val="3478834267"/>
+                  </a:ext>
+                </a:extLst>
+              </a:tr>
+              <a:tr h="481593">
+                <a:tc>
+                  <a:txBody>
+                    <a:bodyPr/>
+                    <a:lstStyle/>
+                    <a:p>
+                      <a:pPr algn="ctr" fontAlgn="b"/>
+                      <a:r>
+                        <a:rPr lang="en-US" sz="2000" b="0" u="none" strike="noStrike" dirty="0">
+                          <a:effectLst/>
+                          <a:latin typeface="+mn-lt"/>
+                        </a:rPr>
+                        <a:t>Sacrifice</a:t>
+                      </a:r>
+                      <a:endParaRPr lang="en-US" sz="2000" b="0" i="0" u="none" strike="noStrike" dirty="0">
+                        <a:solidFill>
+                          <a:srgbClr val="000000"/>
+                        </a:solidFill>
+                        <a:effectLst/>
+                        <a:latin typeface="+mn-lt"/>
+                      </a:endParaRPr>
+                    </a:p>
+                  </a:txBody>
+                  <a:tcPr marL="9525" marR="9525" marT="9525" marB="0" anchor="b"/>
+                </a:tc>
+                <a:tc>
+                  <a:txBody>
+                    <a:bodyPr/>
+                    <a:lstStyle/>
+                    <a:p>
+                      <a:pPr algn="ctr" fontAlgn="b"/>
+                      <a:r>
+                        <a:rPr lang="en-US" sz="2000" b="0" u="none" strike="noStrike" dirty="0">
+                          <a:effectLst/>
+                          <a:latin typeface="+mn-lt"/>
+                        </a:rPr>
+                        <a:t>Onboarding</a:t>
+                      </a:r>
+                      <a:endParaRPr lang="en-US" sz="2000" b="0" i="0" u="none" strike="noStrike" dirty="0">
+                        <a:solidFill>
+                          <a:srgbClr val="000000"/>
+                        </a:solidFill>
+                        <a:effectLst/>
+                        <a:latin typeface="+mn-lt"/>
+                      </a:endParaRPr>
+                    </a:p>
+                  </a:txBody>
+                  <a:tcPr marL="9525" marR="9525" marT="9525" marB="0" anchor="b"/>
+                </a:tc>
+                <a:extLst>
+                  <a:ext uri="{0D108BD9-81ED-4DB2-BD59-A6C34878D82A}">
+                    <a16:rowId xmlns:a16="http://schemas.microsoft.com/office/drawing/2014/main" val="1838128336"/>
+                  </a:ext>
+                </a:extLst>
+              </a:tr>
+              <a:tr h="481593">
+                <a:tc>
+                  <a:txBody>
+                    <a:bodyPr/>
+                    <a:lstStyle/>
+                    <a:p>
+                      <a:pPr algn="ctr" fontAlgn="b"/>
+                      <a:r>
+                        <a:rPr lang="en-US" sz="2000" b="0" u="none" strike="noStrike">
+                          <a:effectLst/>
+                          <a:latin typeface="+mn-lt"/>
+                        </a:rPr>
+                        <a:t>Lapse</a:t>
+                      </a:r>
+                      <a:endParaRPr lang="en-US" sz="2000" b="0" i="0" u="none" strike="noStrike">
+                        <a:solidFill>
+                          <a:srgbClr val="000000"/>
+                        </a:solidFill>
+                        <a:effectLst/>
+                        <a:latin typeface="+mn-lt"/>
+                      </a:endParaRPr>
+                    </a:p>
+                  </a:txBody>
+                  <a:tcPr marL="9525" marR="9525" marT="9525" marB="0" anchor="b"/>
+                </a:tc>
+                <a:tc>
+                  <a:txBody>
+                    <a:bodyPr/>
+                    <a:lstStyle/>
+                    <a:p>
+                      <a:pPr algn="ctr" fontAlgn="b"/>
+                      <a:r>
+                        <a:rPr lang="en-US" sz="2000" b="0" u="none" strike="noStrike" dirty="0">
+                          <a:effectLst/>
+                          <a:latin typeface="+mn-lt"/>
+                        </a:rPr>
+                        <a:t>Sabotage</a:t>
+                      </a:r>
+                      <a:endParaRPr lang="en-US" sz="2000" b="0" i="0" u="none" strike="noStrike" dirty="0">
+                        <a:solidFill>
+                          <a:srgbClr val="000000"/>
+                        </a:solidFill>
+                        <a:effectLst/>
+                        <a:latin typeface="+mn-lt"/>
+                      </a:endParaRPr>
+                    </a:p>
+                  </a:txBody>
+                  <a:tcPr marL="9525" marR="9525" marT="9525" marB="0" anchor="b"/>
+                </a:tc>
+                <a:extLst>
+                  <a:ext uri="{0D108BD9-81ED-4DB2-BD59-A6C34878D82A}">
+                    <a16:rowId xmlns:a16="http://schemas.microsoft.com/office/drawing/2014/main" val="4120609545"/>
+                  </a:ext>
+                </a:extLst>
+              </a:tr>
+              <a:tr h="481593">
+                <a:tc>
+                  <a:txBody>
+                    <a:bodyPr/>
+                    <a:lstStyle/>
+                    <a:p>
+                      <a:pPr algn="ctr" fontAlgn="b"/>
+                      <a:r>
+                        <a:rPr lang="en-US" sz="2000" b="0" u="none" strike="noStrike">
+                          <a:effectLst/>
+                          <a:latin typeface="+mn-lt"/>
+                        </a:rPr>
+                        <a:t>Idea</a:t>
+                      </a:r>
+                      <a:endParaRPr lang="en-US" sz="2000" b="0" i="0" u="none" strike="noStrike">
+                        <a:solidFill>
+                          <a:srgbClr val="000000"/>
+                        </a:solidFill>
+                        <a:effectLst/>
+                        <a:latin typeface="+mn-lt"/>
+                      </a:endParaRPr>
+                    </a:p>
+                  </a:txBody>
+                  <a:tcPr marL="9525" marR="9525" marT="9525" marB="0" anchor="b"/>
+                </a:tc>
+                <a:tc>
+                  <a:txBody>
+                    <a:bodyPr/>
+                    <a:lstStyle/>
+                    <a:p>
+                      <a:pPr algn="ctr" fontAlgn="b"/>
+                      <a:r>
+                        <a:rPr lang="en-US" sz="2000" b="0" u="none" strike="noStrike" dirty="0">
+                          <a:effectLst/>
+                          <a:latin typeface="+mn-lt"/>
+                        </a:rPr>
+                        <a:t>Teamwork</a:t>
+                      </a:r>
+                      <a:endParaRPr lang="en-US" sz="2000" b="0" i="0" u="none" strike="noStrike" dirty="0">
+                        <a:solidFill>
+                          <a:srgbClr val="000000"/>
+                        </a:solidFill>
+                        <a:effectLst/>
+                        <a:latin typeface="+mn-lt"/>
+                      </a:endParaRPr>
+                    </a:p>
+                  </a:txBody>
+                  <a:tcPr marL="9525" marR="9525" marT="9525" marB="0" anchor="b"/>
+                </a:tc>
+                <a:extLst>
+                  <a:ext uri="{0D108BD9-81ED-4DB2-BD59-A6C34878D82A}">
+                    <a16:rowId xmlns:a16="http://schemas.microsoft.com/office/drawing/2014/main" val="808102243"/>
+                  </a:ext>
+                </a:extLst>
+              </a:tr>
+            </a:tbl>
+          </a:graphicData>
+        </a:graphic>
+      </p:graphicFrame>
+      <p:sp>
+        <p:nvSpPr>
+          <p:cNvPr id="6" name="Content Placeholder 2">
+            <a:extLst>
+              <a:ext uri="{FF2B5EF4-FFF2-40B4-BE49-F238E27FC236}">
+                <a16:creationId xmlns:a16="http://schemas.microsoft.com/office/drawing/2014/main" id="{BD2B4F92-DEAB-4AEC-9F9B-A94282D574D0}"/>
+              </a:ext>
+            </a:extLst>
+          </p:cNvPr>
+          <p:cNvSpPr>
+            <a:spLocks noGrp="1"/>
+          </p:cNvSpPr>
+          <p:nvPr>
+            <p:ph idx="1"/>
+          </p:nvPr>
+        </p:nvSpPr>
+        <p:spPr>
+          <a:xfrm>
+            <a:off x="5687216" y="2544666"/>
+            <a:ext cx="8596668" cy="3880773"/>
+          </a:xfrm>
+        </p:spPr>
+        <p:txBody>
+          <a:bodyPr>
+            <a:normAutofit/>
+          </a:bodyPr>
+          <a:lstStyle/>
+          <a:p>
+            <a:pPr marL="0" indent="0">
               <a:buNone/>
             </a:pPr>
             <a:r>
-              <a:rPr lang="en-US" dirty="0">
+              <a:rPr lang="en-US" sz="2800" dirty="0">
                 <a:solidFill>
                   <a:schemeClr val="tx1"/>
                 </a:solidFill>
               </a:rPr>
-              <a:t>Due to big size of the dataset I represented just small part of it, also we can’t upload it to Git (size &gt; 100 Mb). For details, please, refer to the link on page 4</a:t>
-            </a:r>
-          </a:p>
-          <a:p>
-            <a:pPr marL="0" indent="0" algn="ctr">
+              <a:t>42 columns</a:t>
+            </a:r>
+          </a:p>
+          <a:p>
+            <a:pPr marL="0" indent="0">
               <a:buNone/>
             </a:pPr>
-            <a:endParaRPr lang="en-US" dirty="0">
-              <a:solidFill>
-                <a:schemeClr val="tx1"/>
-              </a:solidFill>
-            </a:endParaRPr>
+            <a:r>
+              <a:rPr lang="en-US" sz="2800" dirty="0">
+                <a:solidFill>
+                  <a:schemeClr val="tx1"/>
+                </a:solidFill>
+              </a:rPr>
+              <a:t>411,948+ rows</a:t>
+            </a:r>
+          </a:p>
+          <a:p>
+            <a:pPr marL="0" indent="0">
+              <a:buNone/>
+            </a:pPr>
+            <a:r>
+              <a:rPr lang="en-US" sz="2800" dirty="0">
+                <a:solidFill>
+                  <a:schemeClr val="tx1"/>
+                </a:solidFill>
+              </a:rPr>
+              <a:t>14 types of observations</a:t>
+            </a:r>
+          </a:p>
+          <a:p>
+            <a:pPr marL="0" indent="0">
+              <a:buNone/>
+            </a:pPr>
+            <a:r>
+              <a:rPr lang="en-US" sz="2800" dirty="0">
+                <a:solidFill>
+                  <a:schemeClr val="tx1"/>
+                </a:solidFill>
+              </a:rPr>
+              <a:t>687 persons</a:t>
+            </a:r>
           </a:p>
         </p:txBody>
       </p:sp>
     </p:spTree>
     <p:extLst>
       <p:ext uri="{BB962C8B-B14F-4D97-AF65-F5344CB8AC3E}">
-        <p14:creationId xmlns:p14="http://schemas.microsoft.com/office/powerpoint/2010/main" val="1510544588"/>
+        <p14:creationId xmlns:p14="http://schemas.microsoft.com/office/powerpoint/2010/main" val="383205093"/>
+      </p:ext>
+    </p:extLst>
+  </p:cSld>
+  <p:clrMapOvr>
+    <a:masterClrMapping/>
+  </p:clrMapOvr>
+</p:sld>
+</file>
+
+<file path=ppt/slides/slide9.xml><?xml version="1.0" encoding="utf-8"?>
+<p:sld xmlns:a="http://schemas.openxmlformats.org/drawingml/2006/main" xmlns:r="http://schemas.openxmlformats.org/officeDocument/2006/relationships" xmlns:p="http://schemas.openxmlformats.org/presentationml/2006/main">
+  <p:cSld>
+    <p:spTree>
+      <p:nvGrpSpPr>
+        <p:cNvPr id="1" name=""/>
+        <p:cNvGrpSpPr/>
+        <p:nvPr/>
+      </p:nvGrpSpPr>
+      <p:grpSpPr>
+        <a:xfrm>
+          <a:off x="0" y="0"/>
+          <a:ext cx="0" cy="0"/>
+          <a:chOff x="0" y="0"/>
+          <a:chExt cx="0" cy="0"/>
+        </a:xfrm>
+      </p:grpSpPr>
+      <p:sp>
+        <p:nvSpPr>
+          <p:cNvPr id="4" name="Title 1">
+            <a:extLst>
+              <a:ext uri="{FF2B5EF4-FFF2-40B4-BE49-F238E27FC236}">
+                <a16:creationId xmlns:a16="http://schemas.microsoft.com/office/drawing/2014/main" id="{B1642EBD-7087-4CB8-A13D-192E389F764F}"/>
+              </a:ext>
+            </a:extLst>
+          </p:cNvPr>
+          <p:cNvSpPr>
+            <a:spLocks noGrp="1"/>
+          </p:cNvSpPr>
+          <p:nvPr>
+            <p:ph type="title"/>
+          </p:nvPr>
+        </p:nvSpPr>
+        <p:spPr>
+          <a:xfrm>
+            <a:off x="1388882" y="728775"/>
+            <a:ext cx="8596668" cy="1320800"/>
+          </a:xfrm>
+        </p:spPr>
+        <p:txBody>
+          <a:bodyPr/>
+          <a:lstStyle/>
+          <a:p>
+            <a:pPr algn="ctr"/>
+            <a:r>
+              <a:rPr lang="en-US" b="1" dirty="0">
+                <a:solidFill>
+                  <a:schemeClr val="tx1"/>
+                </a:solidFill>
+              </a:rPr>
+              <a:t>Events classification</a:t>
+            </a:r>
+          </a:p>
+        </p:txBody>
+      </p:sp>
+      <p:graphicFrame>
+        <p:nvGraphicFramePr>
+          <p:cNvPr id="5" name="Table 5">
+            <a:extLst>
+              <a:ext uri="{FF2B5EF4-FFF2-40B4-BE49-F238E27FC236}">
+                <a16:creationId xmlns:a16="http://schemas.microsoft.com/office/drawing/2014/main" id="{9F225FF0-30CA-4662-9698-F667AA08F9D2}"/>
+              </a:ext>
+            </a:extLst>
+          </p:cNvPr>
+          <p:cNvGraphicFramePr>
+            <a:graphicFrameLocks noGrp="1"/>
+          </p:cNvGraphicFramePr>
+          <p:nvPr>
+            <p:extLst>
+              <p:ext uri="{D42A27DB-BD31-4B8C-83A1-F6EECF244321}">
+                <p14:modId xmlns:p14="http://schemas.microsoft.com/office/powerpoint/2010/main" val="266185310"/>
+              </p:ext>
+            </p:extLst>
+          </p:nvPr>
+        </p:nvGraphicFramePr>
+        <p:xfrm>
+          <a:off x="2493495" y="2240280"/>
+          <a:ext cx="6387442" cy="2377440"/>
+        </p:xfrm>
+        <a:graphic>
+          <a:graphicData uri="http://schemas.openxmlformats.org/drawingml/2006/table">
+            <a:tbl>
+              <a:tblPr firstRow="1" bandRow="1">
+                <a:tableStyleId>{5C22544A-7EE6-4342-B048-85BDC9FD1C3A}</a:tableStyleId>
+              </a:tblPr>
+              <a:tblGrid>
+                <a:gridCol w="1740427">
+                  <a:extLst>
+                    <a:ext uri="{9D8B030D-6E8A-4147-A177-3AD203B41FA5}">
+                      <a16:colId xmlns:a16="http://schemas.microsoft.com/office/drawing/2014/main" val="2943657843"/>
+                    </a:ext>
+                  </a:extLst>
+                </a:gridCol>
+                <a:gridCol w="2470486">
+                  <a:extLst>
+                    <a:ext uri="{9D8B030D-6E8A-4147-A177-3AD203B41FA5}">
+                      <a16:colId xmlns:a16="http://schemas.microsoft.com/office/drawing/2014/main" val="2566809814"/>
+                    </a:ext>
+                  </a:extLst>
+                </a:gridCol>
+                <a:gridCol w="2176529">
+                  <a:extLst>
+                    <a:ext uri="{9D8B030D-6E8A-4147-A177-3AD203B41FA5}">
+                      <a16:colId xmlns:a16="http://schemas.microsoft.com/office/drawing/2014/main" val="1797990624"/>
+                    </a:ext>
+                  </a:extLst>
+                </a:gridCol>
+              </a:tblGrid>
+              <a:tr h="370840">
+                <a:tc>
+                  <a:txBody>
+                    <a:bodyPr/>
+                    <a:lstStyle/>
+                    <a:p>
+                      <a:pPr algn="ctr"/>
+                      <a:r>
+                        <a:rPr lang="en-US" sz="2000" dirty="0">
+                          <a:solidFill>
+                            <a:schemeClr val="tx1"/>
+                          </a:solidFill>
+                        </a:rPr>
+                        <a:t>GROUP 1</a:t>
+                      </a:r>
+                    </a:p>
+                  </a:txBody>
+                  <a:tcPr/>
+                </a:tc>
+                <a:tc>
+                  <a:txBody>
+                    <a:bodyPr/>
+                    <a:lstStyle/>
+                    <a:p>
+                      <a:pPr algn="ctr"/>
+                      <a:r>
+                        <a:rPr lang="en-US" sz="2000" dirty="0">
+                          <a:solidFill>
+                            <a:schemeClr val="tx1"/>
+                          </a:solidFill>
+                        </a:rPr>
+                        <a:t>GROUP 2</a:t>
+                      </a:r>
+                    </a:p>
+                  </a:txBody>
+                  <a:tcPr/>
+                </a:tc>
+                <a:tc>
+                  <a:txBody>
+                    <a:bodyPr/>
+                    <a:lstStyle/>
+                    <a:p>
+                      <a:pPr algn="ctr"/>
+                      <a:r>
+                        <a:rPr lang="en-US" sz="2000" dirty="0">
+                          <a:solidFill>
+                            <a:schemeClr val="tx1"/>
+                          </a:solidFill>
+                        </a:rPr>
+                        <a:t>GROUP 3</a:t>
+                      </a:r>
+                    </a:p>
+                  </a:txBody>
+                  <a:tcPr/>
+                </a:tc>
+                <a:extLst>
+                  <a:ext uri="{0D108BD9-81ED-4DB2-BD59-A6C34878D82A}">
+                    <a16:rowId xmlns:a16="http://schemas.microsoft.com/office/drawing/2014/main" val="2584714467"/>
+                  </a:ext>
+                </a:extLst>
+              </a:tr>
+              <a:tr h="370840">
+                <a:tc>
+                  <a:txBody>
+                    <a:bodyPr/>
+                    <a:lstStyle/>
+                    <a:p>
+                      <a:pPr algn="ctr"/>
+                      <a:r>
+                        <a:rPr lang="en-US" sz="2000" dirty="0">
+                          <a:solidFill>
+                            <a:schemeClr val="tx1"/>
+                          </a:solidFill>
+                        </a:rPr>
+                        <a:t>Onboarding</a:t>
+                      </a:r>
+                    </a:p>
+                  </a:txBody>
+                  <a:tcPr/>
+                </a:tc>
+                <a:tc>
+                  <a:txBody>
+                    <a:bodyPr/>
+                    <a:lstStyle/>
+                    <a:p>
+                      <a:pPr algn="ctr"/>
+                      <a:r>
+                        <a:rPr lang="en-US" sz="2000" dirty="0">
+                          <a:solidFill>
+                            <a:schemeClr val="tx1"/>
+                          </a:solidFill>
+                        </a:rPr>
+                        <a:t>Sacrifice</a:t>
+                      </a:r>
+                    </a:p>
+                  </a:txBody>
+                  <a:tcPr/>
+                </a:tc>
+                <a:tc>
+                  <a:txBody>
+                    <a:bodyPr/>
+                    <a:lstStyle/>
+                    <a:p>
+                      <a:pPr algn="ctr"/>
+                      <a:r>
+                        <a:rPr lang="en-US" sz="2000" dirty="0">
+                          <a:solidFill>
+                            <a:schemeClr val="tx1"/>
+                          </a:solidFill>
+                        </a:rPr>
+                        <a:t>Sabotage</a:t>
+                      </a:r>
+                    </a:p>
+                  </a:txBody>
+                  <a:tcPr/>
+                </a:tc>
+                <a:extLst>
+                  <a:ext uri="{0D108BD9-81ED-4DB2-BD59-A6C34878D82A}">
+                    <a16:rowId xmlns:a16="http://schemas.microsoft.com/office/drawing/2014/main" val="3277759244"/>
+                  </a:ext>
+                </a:extLst>
+              </a:tr>
+              <a:tr h="370840">
+                <a:tc>
+                  <a:txBody>
+                    <a:bodyPr/>
+                    <a:lstStyle/>
+                    <a:p>
+                      <a:pPr algn="ctr"/>
+                      <a:r>
+                        <a:rPr lang="en-US" sz="2000" dirty="0">
+                          <a:solidFill>
+                            <a:schemeClr val="tx1"/>
+                          </a:solidFill>
+                        </a:rPr>
+                        <a:t>Termination</a:t>
+                      </a:r>
+                    </a:p>
+                  </a:txBody>
+                  <a:tcPr/>
+                </a:tc>
+                <a:tc>
+                  <a:txBody>
+                    <a:bodyPr/>
+                    <a:lstStyle/>
+                    <a:p>
+                      <a:pPr algn="ctr"/>
+                      <a:r>
+                        <a:rPr lang="en-US" sz="2000" dirty="0">
+                          <a:solidFill>
+                            <a:schemeClr val="tx1"/>
+                          </a:solidFill>
+                        </a:rPr>
+                        <a:t>Teamwork</a:t>
+                      </a:r>
+                    </a:p>
+                  </a:txBody>
+                  <a:tcPr/>
+                </a:tc>
+                <a:tc>
+                  <a:txBody>
+                    <a:bodyPr/>
+                    <a:lstStyle/>
+                    <a:p>
+                      <a:pPr algn="ctr"/>
+                      <a:r>
+                        <a:rPr lang="en-US" sz="2000" dirty="0">
+                          <a:solidFill>
+                            <a:schemeClr val="tx1"/>
+                          </a:solidFill>
+                        </a:rPr>
+                        <a:t>Disruption</a:t>
+                      </a:r>
+                    </a:p>
+                  </a:txBody>
+                  <a:tcPr/>
+                </a:tc>
+                <a:extLst>
+                  <a:ext uri="{0D108BD9-81ED-4DB2-BD59-A6C34878D82A}">
+                    <a16:rowId xmlns:a16="http://schemas.microsoft.com/office/drawing/2014/main" val="1922792238"/>
+                  </a:ext>
+                </a:extLst>
+              </a:tr>
+              <a:tr h="370840">
+                <a:tc>
+                  <a:txBody>
+                    <a:bodyPr/>
+                    <a:lstStyle/>
+                    <a:p>
+                      <a:pPr algn="ctr"/>
+                      <a:r>
+                        <a:rPr lang="en-US" sz="2000" dirty="0">
+                          <a:solidFill>
+                            <a:schemeClr val="tx1"/>
+                          </a:solidFill>
+                        </a:rPr>
+                        <a:t>Resignation</a:t>
+                      </a:r>
+                    </a:p>
+                  </a:txBody>
+                  <a:tcPr/>
+                </a:tc>
+                <a:tc>
+                  <a:txBody>
+                    <a:bodyPr/>
+                    <a:lstStyle/>
+                    <a:p>
+                      <a:pPr algn="ctr"/>
+                      <a:r>
+                        <a:rPr lang="en-US" sz="2000" dirty="0">
+                          <a:solidFill>
+                            <a:schemeClr val="tx1"/>
+                          </a:solidFill>
+                        </a:rPr>
+                        <a:t>Idea</a:t>
+                      </a:r>
+                    </a:p>
+                  </a:txBody>
+                  <a:tcPr/>
+                </a:tc>
+                <a:tc>
+                  <a:txBody>
+                    <a:bodyPr/>
+                    <a:lstStyle/>
+                    <a:p>
+                      <a:pPr algn="ctr"/>
+                      <a:r>
+                        <a:rPr lang="en-US" sz="2000" dirty="0">
+                          <a:solidFill>
+                            <a:schemeClr val="tx1"/>
+                          </a:solidFill>
+                        </a:rPr>
+                        <a:t>Slip</a:t>
+                      </a:r>
+                    </a:p>
+                  </a:txBody>
+                  <a:tcPr/>
+                </a:tc>
+                <a:extLst>
+                  <a:ext uri="{0D108BD9-81ED-4DB2-BD59-A6C34878D82A}">
+                    <a16:rowId xmlns:a16="http://schemas.microsoft.com/office/drawing/2014/main" val="3659021536"/>
+                  </a:ext>
+                </a:extLst>
+              </a:tr>
+              <a:tr h="0">
+                <a:tc>
+                  <a:txBody>
+                    <a:bodyPr/>
+                    <a:lstStyle/>
+                    <a:p>
+                      <a:pPr algn="ctr"/>
+                      <a:r>
+                        <a:rPr lang="en-US" sz="2000" dirty="0">
+                          <a:solidFill>
+                            <a:schemeClr val="tx1"/>
+                          </a:solidFill>
+                        </a:rPr>
+                        <a:t>Presence</a:t>
+                      </a:r>
+                    </a:p>
+                  </a:txBody>
+                  <a:tcPr/>
+                </a:tc>
+                <a:tc>
+                  <a:txBody>
+                    <a:bodyPr/>
+                    <a:lstStyle/>
+                    <a:p>
+                      <a:pPr marL="0" marR="0" lvl="0" indent="0" algn="ctr" defTabSz="457200" rtl="0" eaLnBrk="1" fontAlgn="auto" latinLnBrk="0" hangingPunct="1">
+                        <a:lnSpc>
+                          <a:spcPct val="100000"/>
+                        </a:lnSpc>
+                        <a:spcBef>
+                          <a:spcPts val="0"/>
+                        </a:spcBef>
+                        <a:spcAft>
+                          <a:spcPts val="0"/>
+                        </a:spcAft>
+                        <a:buClrTx/>
+                        <a:buSzTx/>
+                        <a:buFontTx/>
+                        <a:buNone/>
+                        <a:tabLst/>
+                        <a:defRPr/>
+                      </a:pPr>
+                      <a:r>
+                        <a:rPr lang="en-US" sz="2000" dirty="0">
+                          <a:solidFill>
+                            <a:schemeClr val="tx1"/>
+                          </a:solidFill>
+                        </a:rPr>
+                        <a:t>Feat</a:t>
+                      </a:r>
+                    </a:p>
+                  </a:txBody>
+                  <a:tcPr/>
+                </a:tc>
+                <a:tc>
+                  <a:txBody>
+                    <a:bodyPr/>
+                    <a:lstStyle/>
+                    <a:p>
+                      <a:pPr algn="ctr"/>
+                      <a:r>
+                        <a:rPr lang="en-US" sz="2000" dirty="0">
+                          <a:solidFill>
+                            <a:schemeClr val="tx1"/>
+                          </a:solidFill>
+                        </a:rPr>
+                        <a:t>Lapse</a:t>
+                      </a:r>
+                    </a:p>
+                  </a:txBody>
+                  <a:tcPr/>
+                </a:tc>
+                <a:extLst>
+                  <a:ext uri="{0D108BD9-81ED-4DB2-BD59-A6C34878D82A}">
+                    <a16:rowId xmlns:a16="http://schemas.microsoft.com/office/drawing/2014/main" val="3755534510"/>
+                  </a:ext>
+                </a:extLst>
+              </a:tr>
+              <a:tr h="370840">
+                <a:tc>
+                  <a:txBody>
+                    <a:bodyPr/>
+                    <a:lstStyle/>
+                    <a:p>
+                      <a:pPr algn="ctr"/>
+                      <a:r>
+                        <a:rPr lang="en-US" sz="2000" dirty="0">
+                          <a:solidFill>
+                            <a:schemeClr val="tx1"/>
+                          </a:solidFill>
+                        </a:rPr>
+                        <a:t>Efficacy</a:t>
+                      </a:r>
+                    </a:p>
+                  </a:txBody>
+                  <a:tcPr/>
+                </a:tc>
+                <a:tc>
+                  <a:txBody>
+                    <a:bodyPr/>
+                    <a:lstStyle/>
+                    <a:p>
+                      <a:pPr algn="ctr"/>
+                      <a:endParaRPr lang="en-US" sz="2000">
+                        <a:solidFill>
+                          <a:schemeClr val="tx1"/>
+                        </a:solidFill>
+                      </a:endParaRPr>
+                    </a:p>
+                  </a:txBody>
+                  <a:tcPr/>
+                </a:tc>
+                <a:tc>
+                  <a:txBody>
+                    <a:bodyPr/>
+                    <a:lstStyle/>
+                    <a:p>
+                      <a:pPr algn="ctr"/>
+                      <a:endParaRPr lang="en-US" sz="2000" dirty="0">
+                        <a:solidFill>
+                          <a:schemeClr val="tx1"/>
+                        </a:solidFill>
+                      </a:endParaRPr>
+                    </a:p>
+                  </a:txBody>
+                  <a:tcPr/>
+                </a:tc>
+                <a:extLst>
+                  <a:ext uri="{0D108BD9-81ED-4DB2-BD59-A6C34878D82A}">
+                    <a16:rowId xmlns:a16="http://schemas.microsoft.com/office/drawing/2014/main" val="3293555467"/>
+                  </a:ext>
+                </a:extLst>
+              </a:tr>
+            </a:tbl>
+          </a:graphicData>
+        </a:graphic>
+      </p:graphicFrame>
+    </p:spTree>
+    <p:extLst>
+      <p:ext uri="{BB962C8B-B14F-4D97-AF65-F5344CB8AC3E}">
+        <p14:creationId xmlns:p14="http://schemas.microsoft.com/office/powerpoint/2010/main" val="3677621743"/>
       </p:ext>
     </p:extLst>
   </p:cSld>
